--- a/Bigdata Basics.pptx
+++ b/Bigdata Basics.pptx
@@ -12,6 +12,10 @@
     <p:sldId id="260" r:id="rId6"/>
     <p:sldId id="261" r:id="rId7"/>
     <p:sldId id="262" r:id="rId8"/>
+    <p:sldId id="263" r:id="rId9"/>
+    <p:sldId id="264" r:id="rId10"/>
+    <p:sldId id="265" r:id="rId11"/>
+    <p:sldId id="266" r:id="rId12"/>
   </p:sldIdLst>
   <p:sldSz cx="12192000" cy="6858000"/>
   <p:notesSz cx="6858000" cy="9144000"/>
@@ -6161,6 +6165,511 @@
 </p:sld>
 </file>
 
+<file path=ppt/slides/slide10.xml><?xml version="1.0" encoding="utf-8"?>
+<p:sld xmlns:a="http://schemas.openxmlformats.org/drawingml/2006/main" xmlns:r="http://schemas.openxmlformats.org/officeDocument/2006/relationships" xmlns:p="http://schemas.openxmlformats.org/presentationml/2006/main">
+  <p:cSld>
+    <p:spTree>
+      <p:nvGrpSpPr>
+        <p:cNvPr id="1" name=""/>
+        <p:cNvGrpSpPr/>
+        <p:nvPr/>
+      </p:nvGrpSpPr>
+      <p:grpSpPr>
+        <a:xfrm>
+          <a:off x="0" y="0"/>
+          <a:ext cx="0" cy="0"/>
+          <a:chOff x="0" y="0"/>
+          <a:chExt cx="0" cy="0"/>
+        </a:xfrm>
+      </p:grpSpPr>
+      <p:sp>
+        <p:nvSpPr>
+          <p:cNvPr id="2" name="Title 1">
+            <a:extLst>
+              <a:ext uri="{FF2B5EF4-FFF2-40B4-BE49-F238E27FC236}">
+                <a16:creationId xmlns:a16="http://schemas.microsoft.com/office/drawing/2014/main" id="{C2F2FC49-8BF2-4805-803D-B1BDF2A5A7D3}"/>
+              </a:ext>
+            </a:extLst>
+          </p:cNvPr>
+          <p:cNvSpPr>
+            <a:spLocks noGrp="1"/>
+          </p:cNvSpPr>
+          <p:nvPr>
+            <p:ph type="title"/>
+          </p:nvPr>
+        </p:nvSpPr>
+        <p:spPr/>
+        <p:txBody>
+          <a:bodyPr/>
+          <a:lstStyle/>
+          <a:p>
+            <a:r>
+              <a:rPr lang="en-IN" dirty="0"/>
+              <a:t>Difference between Windows 10 and Windows 7</a:t>
+            </a:r>
+          </a:p>
+        </p:txBody>
+      </p:sp>
+      <p:sp>
+        <p:nvSpPr>
+          <p:cNvPr id="3" name="Content Placeholder 2">
+            <a:extLst>
+              <a:ext uri="{FF2B5EF4-FFF2-40B4-BE49-F238E27FC236}">
+                <a16:creationId xmlns:a16="http://schemas.microsoft.com/office/drawing/2014/main" id="{3335C2D7-9B53-41B1-BC36-759FBEDF3266}"/>
+              </a:ext>
+            </a:extLst>
+          </p:cNvPr>
+          <p:cNvSpPr>
+            <a:spLocks noGrp="1"/>
+          </p:cNvSpPr>
+          <p:nvPr>
+            <p:ph idx="1"/>
+          </p:nvPr>
+        </p:nvSpPr>
+        <p:spPr/>
+        <p:txBody>
+          <a:bodyPr/>
+          <a:lstStyle/>
+          <a:p>
+            <a:r>
+              <a:rPr lang="en-IN" dirty="0"/>
+              <a:t>Windows 10 will maintain meta data(data about the data) for searching mechanism</a:t>
+            </a:r>
+          </a:p>
+          <a:p>
+            <a:r>
+              <a:rPr lang="en-IN" dirty="0"/>
+              <a:t>Windows 7 searching mechanism will applies on direct file </a:t>
+            </a:r>
+          </a:p>
+        </p:txBody>
+      </p:sp>
+    </p:spTree>
+    <p:extLst>
+      <p:ext uri="{BB962C8B-B14F-4D97-AF65-F5344CB8AC3E}">
+        <p14:creationId xmlns:p14="http://schemas.microsoft.com/office/powerpoint/2010/main" val="2110838672"/>
+      </p:ext>
+    </p:extLst>
+  </p:cSld>
+  <p:clrMapOvr>
+    <a:masterClrMapping/>
+  </p:clrMapOvr>
+</p:sld>
+</file>
+
+<file path=ppt/slides/slide11.xml><?xml version="1.0" encoding="utf-8"?>
+<p:sld xmlns:a="http://schemas.openxmlformats.org/drawingml/2006/main" xmlns:r="http://schemas.openxmlformats.org/officeDocument/2006/relationships" xmlns:p="http://schemas.openxmlformats.org/presentationml/2006/main">
+  <p:cSld>
+    <p:spTree>
+      <p:nvGrpSpPr>
+        <p:cNvPr id="1" name=""/>
+        <p:cNvGrpSpPr/>
+        <p:nvPr/>
+      </p:nvGrpSpPr>
+      <p:grpSpPr>
+        <a:xfrm>
+          <a:off x="0" y="0"/>
+          <a:ext cx="0" cy="0"/>
+          <a:chOff x="0" y="0"/>
+          <a:chExt cx="0" cy="0"/>
+        </a:xfrm>
+      </p:grpSpPr>
+      <p:sp>
+        <p:nvSpPr>
+          <p:cNvPr id="2" name="Title 1">
+            <a:extLst>
+              <a:ext uri="{FF2B5EF4-FFF2-40B4-BE49-F238E27FC236}">
+                <a16:creationId xmlns:a16="http://schemas.microsoft.com/office/drawing/2014/main" id="{93584E06-9A1C-4CBF-9C14-B79431CA45B5}"/>
+              </a:ext>
+            </a:extLst>
+          </p:cNvPr>
+          <p:cNvSpPr>
+            <a:spLocks noGrp="1"/>
+          </p:cNvSpPr>
+          <p:nvPr>
+            <p:ph type="title"/>
+          </p:nvPr>
+        </p:nvSpPr>
+        <p:spPr/>
+        <p:txBody>
+          <a:bodyPr/>
+          <a:lstStyle/>
+          <a:p>
+            <a:endParaRPr lang="en-IN"/>
+          </a:p>
+        </p:txBody>
+      </p:sp>
+      <p:pic>
+        <p:nvPicPr>
+          <p:cNvPr id="5" name="Content Placeholder 4" descr="Target Audience">
+            <a:extLst>
+              <a:ext uri="{FF2B5EF4-FFF2-40B4-BE49-F238E27FC236}">
+                <a16:creationId xmlns:a16="http://schemas.microsoft.com/office/drawing/2014/main" id="{17BF126B-92C0-482D-8827-2B7DE0591236}"/>
+              </a:ext>
+            </a:extLst>
+          </p:cNvPr>
+          <p:cNvPicPr>
+            <a:picLocks noGrp="1" noChangeAspect="1"/>
+          </p:cNvPicPr>
+          <p:nvPr>
+            <p:ph idx="1"/>
+          </p:nvPr>
+        </p:nvPicPr>
+        <p:blipFill>
+          <a:blip r:embed="rId2">
+            <a:extLst>
+              <a:ext uri="{28A0092B-C50C-407E-A947-70E740481C1C}">
+                <a14:useLocalDpi xmlns:a14="http://schemas.microsoft.com/office/drawing/2010/main" val="0"/>
+              </a:ext>
+              <a:ext uri="{96DAC541-7B7A-43D3-8B79-37D633B846F1}">
+                <asvg:svgBlip xmlns:asvg="http://schemas.microsoft.com/office/drawing/2016/SVG/main" r:embed="rId3"/>
+              </a:ext>
+            </a:extLst>
+          </a:blip>
+          <a:stretch>
+            <a:fillRect/>
+          </a:stretch>
+        </p:blipFill>
+        <p:spPr>
+          <a:xfrm>
+            <a:off x="1283854" y="2671619"/>
+            <a:ext cx="1794598" cy="2260600"/>
+          </a:xfrm>
+        </p:spPr>
+      </p:pic>
+      <p:sp>
+        <p:nvSpPr>
+          <p:cNvPr id="6" name="Rectangle: Rounded Corners 5">
+            <a:extLst>
+              <a:ext uri="{FF2B5EF4-FFF2-40B4-BE49-F238E27FC236}">
+                <a16:creationId xmlns:a16="http://schemas.microsoft.com/office/drawing/2014/main" id="{6C889B2A-6C7E-404D-A7FC-CBAEC5BB5B5C}"/>
+              </a:ext>
+            </a:extLst>
+          </p:cNvPr>
+          <p:cNvSpPr/>
+          <p:nvPr/>
+        </p:nvSpPr>
+        <p:spPr>
+          <a:xfrm>
+            <a:off x="4182196" y="2318328"/>
+            <a:ext cx="3371273" cy="2613891"/>
+          </a:xfrm>
+          <a:prstGeom prst="roundRect">
+            <a:avLst/>
+          </a:prstGeom>
+        </p:spPr>
+        <p:style>
+          <a:lnRef idx="2">
+            <a:schemeClr val="accent1">
+              <a:shade val="50000"/>
+            </a:schemeClr>
+          </a:lnRef>
+          <a:fillRef idx="1">
+            <a:schemeClr val="accent1"/>
+          </a:fillRef>
+          <a:effectRef idx="0">
+            <a:schemeClr val="accent1"/>
+          </a:effectRef>
+          <a:fontRef idx="minor">
+            <a:schemeClr val="lt1"/>
+          </a:fontRef>
+        </p:style>
+        <p:txBody>
+          <a:bodyPr rtlCol="0" anchor="ctr"/>
+          <a:lstStyle/>
+          <a:p>
+            <a:pPr algn="ctr"/>
+            <a:r>
+              <a:rPr lang="en-IN" dirty="0"/>
+              <a:t>File creation, File Modification and File Delete</a:t>
+            </a:r>
+          </a:p>
+        </p:txBody>
+      </p:sp>
+      <p:sp>
+        <p:nvSpPr>
+          <p:cNvPr id="7" name="Arrow: Right 6">
+            <a:extLst>
+              <a:ext uri="{FF2B5EF4-FFF2-40B4-BE49-F238E27FC236}">
+                <a16:creationId xmlns:a16="http://schemas.microsoft.com/office/drawing/2014/main" id="{1F51D34C-B6B1-4C17-907B-F77ED70214FB}"/>
+              </a:ext>
+            </a:extLst>
+          </p:cNvPr>
+          <p:cNvSpPr/>
+          <p:nvPr/>
+        </p:nvSpPr>
+        <p:spPr>
+          <a:xfrm>
+            <a:off x="3195782" y="3556000"/>
+            <a:ext cx="886691" cy="591127"/>
+          </a:xfrm>
+          <a:prstGeom prst="rightArrow">
+            <a:avLst/>
+          </a:prstGeom>
+        </p:spPr>
+        <p:style>
+          <a:lnRef idx="2">
+            <a:schemeClr val="accent1">
+              <a:shade val="50000"/>
+            </a:schemeClr>
+          </a:lnRef>
+          <a:fillRef idx="1">
+            <a:schemeClr val="accent1"/>
+          </a:fillRef>
+          <a:effectRef idx="0">
+            <a:schemeClr val="accent1"/>
+          </a:effectRef>
+          <a:fontRef idx="minor">
+            <a:schemeClr val="lt1"/>
+          </a:fontRef>
+        </p:style>
+        <p:txBody>
+          <a:bodyPr rtlCol="0" anchor="ctr"/>
+          <a:lstStyle/>
+          <a:p>
+            <a:pPr algn="ctr"/>
+            <a:endParaRPr lang="en-IN"/>
+          </a:p>
+        </p:txBody>
+      </p:sp>
+      <p:pic>
+        <p:nvPicPr>
+          <p:cNvPr id="9" name="Graphic 8" descr="Document">
+            <a:extLst>
+              <a:ext uri="{FF2B5EF4-FFF2-40B4-BE49-F238E27FC236}">
+                <a16:creationId xmlns:a16="http://schemas.microsoft.com/office/drawing/2014/main" id="{65D06B2F-E863-40BB-9829-6C567E2A779E}"/>
+              </a:ext>
+            </a:extLst>
+          </p:cNvPr>
+          <p:cNvPicPr>
+            <a:picLocks noChangeAspect="1"/>
+          </p:cNvPicPr>
+          <p:nvPr/>
+        </p:nvPicPr>
+        <p:blipFill>
+          <a:blip r:embed="rId4">
+            <a:extLst>
+              <a:ext uri="{28A0092B-C50C-407E-A947-70E740481C1C}">
+                <a14:useLocalDpi xmlns:a14="http://schemas.microsoft.com/office/drawing/2010/main" val="0"/>
+              </a:ext>
+              <a:ext uri="{96DAC541-7B7A-43D3-8B79-37D633B846F1}">
+                <asvg:svgBlip xmlns:asvg="http://schemas.microsoft.com/office/drawing/2016/SVG/main" r:embed="rId5"/>
+              </a:ext>
+            </a:extLst>
+          </a:blip>
+          <a:stretch>
+            <a:fillRect/>
+          </a:stretch>
+        </p:blipFill>
+        <p:spPr>
+          <a:xfrm>
+            <a:off x="8657213" y="2162379"/>
+            <a:ext cx="1393621" cy="1393621"/>
+          </a:xfrm>
+          <a:prstGeom prst="rect">
+            <a:avLst/>
+          </a:prstGeom>
+        </p:spPr>
+      </p:pic>
+      <p:sp>
+        <p:nvSpPr>
+          <p:cNvPr id="10" name="TextBox 9">
+            <a:extLst>
+              <a:ext uri="{FF2B5EF4-FFF2-40B4-BE49-F238E27FC236}">
+                <a16:creationId xmlns:a16="http://schemas.microsoft.com/office/drawing/2014/main" id="{611A4365-256B-44DC-9192-8FDDE1F9F49D}"/>
+              </a:ext>
+            </a:extLst>
+          </p:cNvPr>
+          <p:cNvSpPr txBox="1"/>
+          <p:nvPr/>
+        </p:nvSpPr>
+        <p:spPr>
+          <a:xfrm>
+            <a:off x="8146473" y="3495799"/>
+            <a:ext cx="2929007" cy="646331"/>
+          </a:xfrm>
+          <a:prstGeom prst="rect">
+            <a:avLst/>
+          </a:prstGeom>
+          <a:noFill/>
+        </p:spPr>
+        <p:txBody>
+          <a:bodyPr wrap="none" rtlCol="0">
+            <a:spAutoFit/>
+          </a:bodyPr>
+          <a:lstStyle/>
+          <a:p>
+            <a:r>
+              <a:rPr lang="en-IN" dirty="0"/>
+              <a:t>Log file, who, when, why</a:t>
+            </a:r>
+          </a:p>
+          <a:p>
+            <a:r>
+              <a:rPr lang="en-IN" dirty="0"/>
+              <a:t>And where</a:t>
+            </a:r>
+          </a:p>
+        </p:txBody>
+      </p:sp>
+      <p:sp>
+        <p:nvSpPr>
+          <p:cNvPr id="11" name="Arrow: Right 10">
+            <a:extLst>
+              <a:ext uri="{FF2B5EF4-FFF2-40B4-BE49-F238E27FC236}">
+                <a16:creationId xmlns:a16="http://schemas.microsoft.com/office/drawing/2014/main" id="{4C66C711-F4CA-4204-BAA0-E7620A411AF2}"/>
+              </a:ext>
+            </a:extLst>
+          </p:cNvPr>
+          <p:cNvSpPr/>
+          <p:nvPr/>
+        </p:nvSpPr>
+        <p:spPr>
+          <a:xfrm>
+            <a:off x="7770522" y="2645962"/>
+            <a:ext cx="886691" cy="591127"/>
+          </a:xfrm>
+          <a:prstGeom prst="rightArrow">
+            <a:avLst/>
+          </a:prstGeom>
+        </p:spPr>
+        <p:style>
+          <a:lnRef idx="2">
+            <a:schemeClr val="accent1">
+              <a:shade val="50000"/>
+            </a:schemeClr>
+          </a:lnRef>
+          <a:fillRef idx="1">
+            <a:schemeClr val="accent1"/>
+          </a:fillRef>
+          <a:effectRef idx="0">
+            <a:schemeClr val="accent1"/>
+          </a:effectRef>
+          <a:fontRef idx="minor">
+            <a:schemeClr val="lt1"/>
+          </a:fontRef>
+        </p:style>
+        <p:txBody>
+          <a:bodyPr rtlCol="0" anchor="ctr"/>
+          <a:lstStyle/>
+          <a:p>
+            <a:pPr algn="ctr"/>
+            <a:endParaRPr lang="en-IN"/>
+          </a:p>
+        </p:txBody>
+      </p:sp>
+      <p:sp>
+        <p:nvSpPr>
+          <p:cNvPr id="12" name="Arrow: Right 11">
+            <a:extLst>
+              <a:ext uri="{FF2B5EF4-FFF2-40B4-BE49-F238E27FC236}">
+                <a16:creationId xmlns:a16="http://schemas.microsoft.com/office/drawing/2014/main" id="{B698B9FD-E47B-4E8C-BEA6-BF88E9065A41}"/>
+              </a:ext>
+            </a:extLst>
+          </p:cNvPr>
+          <p:cNvSpPr/>
+          <p:nvPr/>
+        </p:nvSpPr>
+        <p:spPr>
+          <a:xfrm rot="16200000">
+            <a:off x="8985523" y="4561539"/>
+            <a:ext cx="886691" cy="591127"/>
+          </a:xfrm>
+          <a:prstGeom prst="rightArrow">
+            <a:avLst/>
+          </a:prstGeom>
+        </p:spPr>
+        <p:style>
+          <a:lnRef idx="2">
+            <a:schemeClr val="accent1">
+              <a:shade val="50000"/>
+            </a:schemeClr>
+          </a:lnRef>
+          <a:fillRef idx="1">
+            <a:schemeClr val="accent1"/>
+          </a:fillRef>
+          <a:effectRef idx="0">
+            <a:schemeClr val="accent1"/>
+          </a:effectRef>
+          <a:fontRef idx="minor">
+            <a:schemeClr val="lt1"/>
+          </a:fontRef>
+        </p:style>
+        <p:txBody>
+          <a:bodyPr rtlCol="0" anchor="ctr"/>
+          <a:lstStyle/>
+          <a:p>
+            <a:pPr algn="ctr"/>
+            <a:endParaRPr lang="en-IN"/>
+          </a:p>
+        </p:txBody>
+      </p:sp>
+      <p:sp>
+        <p:nvSpPr>
+          <p:cNvPr id="13" name="TextBox 12">
+            <a:extLst>
+              <a:ext uri="{FF2B5EF4-FFF2-40B4-BE49-F238E27FC236}">
+                <a16:creationId xmlns:a16="http://schemas.microsoft.com/office/drawing/2014/main" id="{B0A247D7-CDC8-4F98-9003-D6F545F4E162}"/>
+              </a:ext>
+            </a:extLst>
+          </p:cNvPr>
+          <p:cNvSpPr txBox="1"/>
+          <p:nvPr/>
+        </p:nvSpPr>
+        <p:spPr>
+          <a:xfrm>
+            <a:off x="8166616" y="5475550"/>
+            <a:ext cx="3241593" cy="1200329"/>
+          </a:xfrm>
+          <a:prstGeom prst="rect">
+            <a:avLst/>
+          </a:prstGeom>
+          <a:noFill/>
+        </p:spPr>
+        <p:txBody>
+          <a:bodyPr wrap="none" rtlCol="0">
+            <a:spAutoFit/>
+          </a:bodyPr>
+          <a:lstStyle/>
+          <a:p>
+            <a:r>
+              <a:rPr lang="en-IN" dirty="0"/>
+              <a:t>If searching mechanism </a:t>
+            </a:r>
+          </a:p>
+          <a:p>
+            <a:r>
+              <a:rPr lang="en-IN" dirty="0"/>
+              <a:t>directly applies</a:t>
+            </a:r>
+          </a:p>
+          <a:p>
+            <a:r>
+              <a:rPr lang="en-IN" dirty="0"/>
+              <a:t>On those log file Instead of </a:t>
+            </a:r>
+          </a:p>
+          <a:p>
+            <a:r>
+              <a:rPr lang="en-IN" dirty="0"/>
+              <a:t>original location means</a:t>
+            </a:r>
+          </a:p>
+        </p:txBody>
+      </p:sp>
+    </p:spTree>
+    <p:extLst>
+      <p:ext uri="{BB962C8B-B14F-4D97-AF65-F5344CB8AC3E}">
+        <p14:creationId xmlns:p14="http://schemas.microsoft.com/office/powerpoint/2010/main" val="2879149587"/>
+      </p:ext>
+    </p:extLst>
+  </p:cSld>
+  <p:clrMapOvr>
+    <a:masterClrMapping/>
+  </p:clrMapOvr>
+</p:sld>
+</file>
+
 <file path=ppt/slides/slide2.xml><?xml version="1.0" encoding="utf-8"?>
 <p:sld xmlns:a="http://schemas.openxmlformats.org/drawingml/2006/main" xmlns:r="http://schemas.openxmlformats.org/officeDocument/2006/relationships" xmlns:p="http://schemas.openxmlformats.org/presentationml/2006/main">
   <p:cSld>
@@ -8524,6 +9033,2189 @@
     <p:extLst>
       <p:ext uri="{BB962C8B-B14F-4D97-AF65-F5344CB8AC3E}">
         <p14:creationId xmlns:p14="http://schemas.microsoft.com/office/powerpoint/2010/main" val="2953797971"/>
+      </p:ext>
+    </p:extLst>
+  </p:cSld>
+  <p:clrMapOvr>
+    <a:masterClrMapping/>
+  </p:clrMapOvr>
+</p:sld>
+</file>
+
+<file path=ppt/slides/slide8.xml><?xml version="1.0" encoding="utf-8"?>
+<p:sld xmlns:a="http://schemas.openxmlformats.org/drawingml/2006/main" xmlns:r="http://schemas.openxmlformats.org/officeDocument/2006/relationships" xmlns:p="http://schemas.openxmlformats.org/presentationml/2006/main">
+  <p:cSld>
+    <p:spTree>
+      <p:nvGrpSpPr>
+        <p:cNvPr id="1" name=""/>
+        <p:cNvGrpSpPr/>
+        <p:nvPr/>
+      </p:nvGrpSpPr>
+      <p:grpSpPr>
+        <a:xfrm>
+          <a:off x="0" y="0"/>
+          <a:ext cx="0" cy="0"/>
+          <a:chOff x="0" y="0"/>
+          <a:chExt cx="0" cy="0"/>
+        </a:xfrm>
+      </p:grpSpPr>
+      <p:sp>
+        <p:nvSpPr>
+          <p:cNvPr id="2" name="Title 1">
+            <a:extLst>
+              <a:ext uri="{FF2B5EF4-FFF2-40B4-BE49-F238E27FC236}">
+                <a16:creationId xmlns:a16="http://schemas.microsoft.com/office/drawing/2014/main" id="{1FF07071-B7EB-4670-B639-54DFF6E92E0A}"/>
+              </a:ext>
+            </a:extLst>
+          </p:cNvPr>
+          <p:cNvSpPr>
+            <a:spLocks noGrp="1"/>
+          </p:cNvSpPr>
+          <p:nvPr>
+            <p:ph type="title"/>
+          </p:nvPr>
+        </p:nvSpPr>
+        <p:spPr/>
+        <p:txBody>
+          <a:bodyPr/>
+          <a:lstStyle/>
+          <a:p>
+            <a:r>
+              <a:rPr lang="en-IN" dirty="0"/>
+              <a:t>Unstructured data</a:t>
+            </a:r>
+          </a:p>
+        </p:txBody>
+      </p:sp>
+      <p:sp>
+        <p:nvSpPr>
+          <p:cNvPr id="3" name="Content Placeholder 2">
+            <a:extLst>
+              <a:ext uri="{FF2B5EF4-FFF2-40B4-BE49-F238E27FC236}">
+                <a16:creationId xmlns:a16="http://schemas.microsoft.com/office/drawing/2014/main" id="{90D4E419-61E2-461A-B27A-7B97C471BE4E}"/>
+              </a:ext>
+            </a:extLst>
+          </p:cNvPr>
+          <p:cNvSpPr>
+            <a:spLocks noGrp="1"/>
+          </p:cNvSpPr>
+          <p:nvPr>
+            <p:ph idx="1"/>
+          </p:nvPr>
+        </p:nvSpPr>
+        <p:spPr/>
+        <p:txBody>
+          <a:bodyPr/>
+          <a:lstStyle/>
+          <a:p>
+            <a:r>
+              <a:rPr lang="en-IN" dirty="0"/>
+              <a:t>Here data's will be in mixed formats, it doesn’t have any aligned formats for data's and all</a:t>
+            </a:r>
+          </a:p>
+          <a:p>
+            <a:r>
+              <a:rPr lang="en-IN" dirty="0"/>
+              <a:t>Because of data’s will be in multiple formats it will be quite hard to search inside those data's</a:t>
+            </a:r>
+          </a:p>
+          <a:p>
+            <a:r>
+              <a:rPr lang="en-IN" dirty="0"/>
+              <a:t>If in the case of searching mechanism it will go for folder by folder searching mechanism, it will give high priority to numbers and well as alphabets oriented searching.</a:t>
+            </a:r>
+          </a:p>
+        </p:txBody>
+      </p:sp>
+    </p:spTree>
+    <p:extLst>
+      <p:ext uri="{BB962C8B-B14F-4D97-AF65-F5344CB8AC3E}">
+        <p14:creationId xmlns:p14="http://schemas.microsoft.com/office/powerpoint/2010/main" val="3343796445"/>
+      </p:ext>
+    </p:extLst>
+  </p:cSld>
+  <p:clrMapOvr>
+    <a:masterClrMapping/>
+  </p:clrMapOvr>
+</p:sld>
+</file>
+
+<file path=ppt/slides/slide9.xml><?xml version="1.0" encoding="utf-8"?>
+<p:sld xmlns:a="http://schemas.openxmlformats.org/drawingml/2006/main" xmlns:r="http://schemas.openxmlformats.org/officeDocument/2006/relationships" xmlns:p="http://schemas.openxmlformats.org/presentationml/2006/main">
+  <p:cSld>
+    <p:spTree>
+      <p:nvGrpSpPr>
+        <p:cNvPr id="1" name=""/>
+        <p:cNvGrpSpPr/>
+        <p:nvPr/>
+      </p:nvGrpSpPr>
+      <p:grpSpPr>
+        <a:xfrm>
+          <a:off x="0" y="0"/>
+          <a:ext cx="0" cy="0"/>
+          <a:chOff x="0" y="0"/>
+          <a:chExt cx="0" cy="0"/>
+        </a:xfrm>
+      </p:grpSpPr>
+      <p:sp>
+        <p:nvSpPr>
+          <p:cNvPr id="2" name="Title 1">
+            <a:extLst>
+              <a:ext uri="{FF2B5EF4-FFF2-40B4-BE49-F238E27FC236}">
+                <a16:creationId xmlns:a16="http://schemas.microsoft.com/office/drawing/2014/main" id="{D9BCC8D0-B5F0-4DB7-B5AD-9E9561CBE70F}"/>
+              </a:ext>
+            </a:extLst>
+          </p:cNvPr>
+          <p:cNvSpPr>
+            <a:spLocks noGrp="1"/>
+          </p:cNvSpPr>
+          <p:nvPr>
+            <p:ph type="title"/>
+          </p:nvPr>
+        </p:nvSpPr>
+        <p:spPr/>
+        <p:txBody>
+          <a:bodyPr/>
+          <a:lstStyle/>
+          <a:p>
+            <a:r>
+              <a:rPr lang="en-IN" dirty="0"/>
+              <a:t>Unstructured data</a:t>
+            </a:r>
+          </a:p>
+        </p:txBody>
+      </p:sp>
+      <p:pic>
+        <p:nvPicPr>
+          <p:cNvPr id="5" name="Content Placeholder 4" descr="Open folder">
+            <a:extLst>
+              <a:ext uri="{FF2B5EF4-FFF2-40B4-BE49-F238E27FC236}">
+                <a16:creationId xmlns:a16="http://schemas.microsoft.com/office/drawing/2014/main" id="{EB7F611D-0DAE-4A80-863C-6F90CC9DE8E6}"/>
+              </a:ext>
+            </a:extLst>
+          </p:cNvPr>
+          <p:cNvPicPr>
+            <a:picLocks noGrp="1" noChangeAspect="1"/>
+          </p:cNvPicPr>
+          <p:nvPr>
+            <p:ph idx="1"/>
+          </p:nvPr>
+        </p:nvPicPr>
+        <p:blipFill>
+          <a:blip r:embed="rId2">
+            <a:extLst>
+              <a:ext uri="{28A0092B-C50C-407E-A947-70E740481C1C}">
+                <a14:useLocalDpi xmlns:a14="http://schemas.microsoft.com/office/drawing/2010/main" val="0"/>
+              </a:ext>
+              <a:ext uri="{96DAC541-7B7A-43D3-8B79-37D633B846F1}">
+                <asvg:svgBlip xmlns:asvg="http://schemas.microsoft.com/office/drawing/2016/SVG/main" r:embed="rId3"/>
+              </a:ext>
+            </a:extLst>
+          </a:blip>
+          <a:stretch>
+            <a:fillRect/>
+          </a:stretch>
+        </p:blipFill>
+        <p:spPr>
+          <a:xfrm>
+            <a:off x="646111" y="2169319"/>
+            <a:ext cx="914400" cy="914400"/>
+          </a:xfrm>
+        </p:spPr>
+      </p:pic>
+      <p:pic>
+        <p:nvPicPr>
+          <p:cNvPr id="6" name="Content Placeholder 4" descr="Open folder">
+            <a:extLst>
+              <a:ext uri="{FF2B5EF4-FFF2-40B4-BE49-F238E27FC236}">
+                <a16:creationId xmlns:a16="http://schemas.microsoft.com/office/drawing/2014/main" id="{6B394038-BCBD-4510-BAFA-3755D457F502}"/>
+              </a:ext>
+            </a:extLst>
+          </p:cNvPr>
+          <p:cNvPicPr>
+            <a:picLocks noChangeAspect="1"/>
+          </p:cNvPicPr>
+          <p:nvPr/>
+        </p:nvPicPr>
+        <p:blipFill>
+          <a:blip r:embed="rId2">
+            <a:extLst>
+              <a:ext uri="{28A0092B-C50C-407E-A947-70E740481C1C}">
+                <a14:useLocalDpi xmlns:a14="http://schemas.microsoft.com/office/drawing/2010/main" val="0"/>
+              </a:ext>
+              <a:ext uri="{96DAC541-7B7A-43D3-8B79-37D633B846F1}">
+                <asvg:svgBlip xmlns:asvg="http://schemas.microsoft.com/office/drawing/2016/SVG/main" r:embed="rId4"/>
+              </a:ext>
+            </a:extLst>
+          </a:blip>
+          <a:stretch>
+            <a:fillRect/>
+          </a:stretch>
+        </p:blipFill>
+        <p:spPr>
+          <a:xfrm>
+            <a:off x="1615495" y="2169319"/>
+            <a:ext cx="914400" cy="914400"/>
+          </a:xfrm>
+          <a:prstGeom prst="rect">
+            <a:avLst/>
+          </a:prstGeom>
+        </p:spPr>
+      </p:pic>
+      <p:pic>
+        <p:nvPicPr>
+          <p:cNvPr id="7" name="Content Placeholder 4" descr="Open folder">
+            <a:extLst>
+              <a:ext uri="{FF2B5EF4-FFF2-40B4-BE49-F238E27FC236}">
+                <a16:creationId xmlns:a16="http://schemas.microsoft.com/office/drawing/2014/main" id="{0B181615-094C-4F14-AC58-580A4A1BC2A8}"/>
+              </a:ext>
+            </a:extLst>
+          </p:cNvPr>
+          <p:cNvPicPr>
+            <a:picLocks noChangeAspect="1"/>
+          </p:cNvPicPr>
+          <p:nvPr/>
+        </p:nvPicPr>
+        <p:blipFill>
+          <a:blip r:embed="rId2">
+            <a:extLst>
+              <a:ext uri="{28A0092B-C50C-407E-A947-70E740481C1C}">
+                <a14:useLocalDpi xmlns:a14="http://schemas.microsoft.com/office/drawing/2010/main" val="0"/>
+              </a:ext>
+              <a:ext uri="{96DAC541-7B7A-43D3-8B79-37D633B846F1}">
+                <asvg:svgBlip xmlns:asvg="http://schemas.microsoft.com/office/drawing/2016/SVG/main" r:embed="rId4"/>
+              </a:ext>
+            </a:extLst>
+          </a:blip>
+          <a:stretch>
+            <a:fillRect/>
+          </a:stretch>
+        </p:blipFill>
+        <p:spPr>
+          <a:xfrm>
+            <a:off x="2529895" y="2169319"/>
+            <a:ext cx="914400" cy="914400"/>
+          </a:xfrm>
+          <a:prstGeom prst="rect">
+            <a:avLst/>
+          </a:prstGeom>
+        </p:spPr>
+      </p:pic>
+      <p:pic>
+        <p:nvPicPr>
+          <p:cNvPr id="8" name="Content Placeholder 4" descr="Open folder">
+            <a:extLst>
+              <a:ext uri="{FF2B5EF4-FFF2-40B4-BE49-F238E27FC236}">
+                <a16:creationId xmlns:a16="http://schemas.microsoft.com/office/drawing/2014/main" id="{A041203C-C688-4FEF-B260-905D644F881C}"/>
+              </a:ext>
+            </a:extLst>
+          </p:cNvPr>
+          <p:cNvPicPr>
+            <a:picLocks noChangeAspect="1"/>
+          </p:cNvPicPr>
+          <p:nvPr/>
+        </p:nvPicPr>
+        <p:blipFill>
+          <a:blip r:embed="rId2">
+            <a:extLst>
+              <a:ext uri="{28A0092B-C50C-407E-A947-70E740481C1C}">
+                <a14:useLocalDpi xmlns:a14="http://schemas.microsoft.com/office/drawing/2010/main" val="0"/>
+              </a:ext>
+              <a:ext uri="{96DAC541-7B7A-43D3-8B79-37D633B846F1}">
+                <asvg:svgBlip xmlns:asvg="http://schemas.microsoft.com/office/drawing/2016/SVG/main" r:embed="rId4"/>
+              </a:ext>
+            </a:extLst>
+          </a:blip>
+          <a:stretch>
+            <a:fillRect/>
+          </a:stretch>
+        </p:blipFill>
+        <p:spPr>
+          <a:xfrm>
+            <a:off x="3499279" y="2169319"/>
+            <a:ext cx="914400" cy="914400"/>
+          </a:xfrm>
+          <a:prstGeom prst="rect">
+            <a:avLst/>
+          </a:prstGeom>
+        </p:spPr>
+      </p:pic>
+      <p:pic>
+        <p:nvPicPr>
+          <p:cNvPr id="9" name="Content Placeholder 4" descr="Open folder">
+            <a:extLst>
+              <a:ext uri="{FF2B5EF4-FFF2-40B4-BE49-F238E27FC236}">
+                <a16:creationId xmlns:a16="http://schemas.microsoft.com/office/drawing/2014/main" id="{8A45F71E-ECE2-4725-A0A1-06969EC7E3A0}"/>
+              </a:ext>
+            </a:extLst>
+          </p:cNvPr>
+          <p:cNvPicPr>
+            <a:picLocks noChangeAspect="1"/>
+          </p:cNvPicPr>
+          <p:nvPr/>
+        </p:nvPicPr>
+        <p:blipFill>
+          <a:blip r:embed="rId2">
+            <a:extLst>
+              <a:ext uri="{28A0092B-C50C-407E-A947-70E740481C1C}">
+                <a14:useLocalDpi xmlns:a14="http://schemas.microsoft.com/office/drawing/2010/main" val="0"/>
+              </a:ext>
+              <a:ext uri="{96DAC541-7B7A-43D3-8B79-37D633B846F1}">
+                <asvg:svgBlip xmlns:asvg="http://schemas.microsoft.com/office/drawing/2016/SVG/main" r:embed="rId4"/>
+              </a:ext>
+            </a:extLst>
+          </a:blip>
+          <a:stretch>
+            <a:fillRect/>
+          </a:stretch>
+        </p:blipFill>
+        <p:spPr>
+          <a:xfrm>
+            <a:off x="646111" y="2971800"/>
+            <a:ext cx="914400" cy="914400"/>
+          </a:xfrm>
+          <a:prstGeom prst="rect">
+            <a:avLst/>
+          </a:prstGeom>
+        </p:spPr>
+      </p:pic>
+      <p:pic>
+        <p:nvPicPr>
+          <p:cNvPr id="10" name="Content Placeholder 4" descr="Open folder">
+            <a:extLst>
+              <a:ext uri="{FF2B5EF4-FFF2-40B4-BE49-F238E27FC236}">
+                <a16:creationId xmlns:a16="http://schemas.microsoft.com/office/drawing/2014/main" id="{C2C1646A-00BD-4BE3-B1B0-D295B16F3B11}"/>
+              </a:ext>
+            </a:extLst>
+          </p:cNvPr>
+          <p:cNvPicPr>
+            <a:picLocks noChangeAspect="1"/>
+          </p:cNvPicPr>
+          <p:nvPr/>
+        </p:nvPicPr>
+        <p:blipFill>
+          <a:blip r:embed="rId2">
+            <a:extLst>
+              <a:ext uri="{28A0092B-C50C-407E-A947-70E740481C1C}">
+                <a14:useLocalDpi xmlns:a14="http://schemas.microsoft.com/office/drawing/2010/main" val="0"/>
+              </a:ext>
+              <a:ext uri="{96DAC541-7B7A-43D3-8B79-37D633B846F1}">
+                <asvg:svgBlip xmlns:asvg="http://schemas.microsoft.com/office/drawing/2016/SVG/main" r:embed="rId4"/>
+              </a:ext>
+            </a:extLst>
+          </a:blip>
+          <a:stretch>
+            <a:fillRect/>
+          </a:stretch>
+        </p:blipFill>
+        <p:spPr>
+          <a:xfrm>
+            <a:off x="1615495" y="2971800"/>
+            <a:ext cx="914400" cy="914400"/>
+          </a:xfrm>
+          <a:prstGeom prst="rect">
+            <a:avLst/>
+          </a:prstGeom>
+        </p:spPr>
+      </p:pic>
+      <p:pic>
+        <p:nvPicPr>
+          <p:cNvPr id="11" name="Content Placeholder 4" descr="Open folder">
+            <a:extLst>
+              <a:ext uri="{FF2B5EF4-FFF2-40B4-BE49-F238E27FC236}">
+                <a16:creationId xmlns:a16="http://schemas.microsoft.com/office/drawing/2014/main" id="{E2E65207-D877-434F-8642-AAB487811D31}"/>
+              </a:ext>
+            </a:extLst>
+          </p:cNvPr>
+          <p:cNvPicPr>
+            <a:picLocks noChangeAspect="1"/>
+          </p:cNvPicPr>
+          <p:nvPr/>
+        </p:nvPicPr>
+        <p:blipFill>
+          <a:blip r:embed="rId2">
+            <a:extLst>
+              <a:ext uri="{28A0092B-C50C-407E-A947-70E740481C1C}">
+                <a14:useLocalDpi xmlns:a14="http://schemas.microsoft.com/office/drawing/2010/main" val="0"/>
+              </a:ext>
+              <a:ext uri="{96DAC541-7B7A-43D3-8B79-37D633B846F1}">
+                <asvg:svgBlip xmlns:asvg="http://schemas.microsoft.com/office/drawing/2016/SVG/main" r:embed="rId4"/>
+              </a:ext>
+            </a:extLst>
+          </a:blip>
+          <a:stretch>
+            <a:fillRect/>
+          </a:stretch>
+        </p:blipFill>
+        <p:spPr>
+          <a:xfrm>
+            <a:off x="2529895" y="2971800"/>
+            <a:ext cx="914400" cy="914400"/>
+          </a:xfrm>
+          <a:prstGeom prst="rect">
+            <a:avLst/>
+          </a:prstGeom>
+        </p:spPr>
+      </p:pic>
+      <p:pic>
+        <p:nvPicPr>
+          <p:cNvPr id="12" name="Content Placeholder 4" descr="Open folder">
+            <a:extLst>
+              <a:ext uri="{FF2B5EF4-FFF2-40B4-BE49-F238E27FC236}">
+                <a16:creationId xmlns:a16="http://schemas.microsoft.com/office/drawing/2014/main" id="{2669CBC0-6C09-4ACF-9B5F-4BFB20A0B77D}"/>
+              </a:ext>
+            </a:extLst>
+          </p:cNvPr>
+          <p:cNvPicPr>
+            <a:picLocks noChangeAspect="1"/>
+          </p:cNvPicPr>
+          <p:nvPr/>
+        </p:nvPicPr>
+        <p:blipFill>
+          <a:blip r:embed="rId2">
+            <a:extLst>
+              <a:ext uri="{28A0092B-C50C-407E-A947-70E740481C1C}">
+                <a14:useLocalDpi xmlns:a14="http://schemas.microsoft.com/office/drawing/2010/main" val="0"/>
+              </a:ext>
+              <a:ext uri="{96DAC541-7B7A-43D3-8B79-37D633B846F1}">
+                <asvg:svgBlip xmlns:asvg="http://schemas.microsoft.com/office/drawing/2016/SVG/main" r:embed="rId4"/>
+              </a:ext>
+            </a:extLst>
+          </a:blip>
+          <a:stretch>
+            <a:fillRect/>
+          </a:stretch>
+        </p:blipFill>
+        <p:spPr>
+          <a:xfrm>
+            <a:off x="3499279" y="2971800"/>
+            <a:ext cx="914400" cy="914400"/>
+          </a:xfrm>
+          <a:prstGeom prst="rect">
+            <a:avLst/>
+          </a:prstGeom>
+        </p:spPr>
+      </p:pic>
+      <p:pic>
+        <p:nvPicPr>
+          <p:cNvPr id="13" name="Content Placeholder 4" descr="Open folder">
+            <a:extLst>
+              <a:ext uri="{FF2B5EF4-FFF2-40B4-BE49-F238E27FC236}">
+                <a16:creationId xmlns:a16="http://schemas.microsoft.com/office/drawing/2014/main" id="{21F92606-97AF-4728-8B1C-41DC5F3A9A68}"/>
+              </a:ext>
+            </a:extLst>
+          </p:cNvPr>
+          <p:cNvPicPr>
+            <a:picLocks noChangeAspect="1"/>
+          </p:cNvPicPr>
+          <p:nvPr/>
+        </p:nvPicPr>
+        <p:blipFill>
+          <a:blip r:embed="rId2">
+            <a:extLst>
+              <a:ext uri="{28A0092B-C50C-407E-A947-70E740481C1C}">
+                <a14:useLocalDpi xmlns:a14="http://schemas.microsoft.com/office/drawing/2010/main" val="0"/>
+              </a:ext>
+              <a:ext uri="{96DAC541-7B7A-43D3-8B79-37D633B846F1}">
+                <asvg:svgBlip xmlns:asvg="http://schemas.microsoft.com/office/drawing/2016/SVG/main" r:embed="rId4"/>
+              </a:ext>
+            </a:extLst>
+          </a:blip>
+          <a:stretch>
+            <a:fillRect/>
+          </a:stretch>
+        </p:blipFill>
+        <p:spPr>
+          <a:xfrm>
+            <a:off x="646111" y="3774281"/>
+            <a:ext cx="914400" cy="914400"/>
+          </a:xfrm>
+          <a:prstGeom prst="rect">
+            <a:avLst/>
+          </a:prstGeom>
+        </p:spPr>
+      </p:pic>
+      <p:pic>
+        <p:nvPicPr>
+          <p:cNvPr id="14" name="Content Placeholder 4" descr="Open folder">
+            <a:extLst>
+              <a:ext uri="{FF2B5EF4-FFF2-40B4-BE49-F238E27FC236}">
+                <a16:creationId xmlns:a16="http://schemas.microsoft.com/office/drawing/2014/main" id="{95BE65A8-6548-4966-B72E-1E3225B635CE}"/>
+              </a:ext>
+            </a:extLst>
+          </p:cNvPr>
+          <p:cNvPicPr>
+            <a:picLocks noChangeAspect="1"/>
+          </p:cNvPicPr>
+          <p:nvPr/>
+        </p:nvPicPr>
+        <p:blipFill>
+          <a:blip r:embed="rId2">
+            <a:extLst>
+              <a:ext uri="{28A0092B-C50C-407E-A947-70E740481C1C}">
+                <a14:useLocalDpi xmlns:a14="http://schemas.microsoft.com/office/drawing/2010/main" val="0"/>
+              </a:ext>
+              <a:ext uri="{96DAC541-7B7A-43D3-8B79-37D633B846F1}">
+                <asvg:svgBlip xmlns:asvg="http://schemas.microsoft.com/office/drawing/2016/SVG/main" r:embed="rId4"/>
+              </a:ext>
+            </a:extLst>
+          </a:blip>
+          <a:stretch>
+            <a:fillRect/>
+          </a:stretch>
+        </p:blipFill>
+        <p:spPr>
+          <a:xfrm>
+            <a:off x="1615495" y="3774281"/>
+            <a:ext cx="914400" cy="914400"/>
+          </a:xfrm>
+          <a:prstGeom prst="rect">
+            <a:avLst/>
+          </a:prstGeom>
+        </p:spPr>
+      </p:pic>
+      <p:pic>
+        <p:nvPicPr>
+          <p:cNvPr id="15" name="Content Placeholder 4" descr="Open folder">
+            <a:extLst>
+              <a:ext uri="{FF2B5EF4-FFF2-40B4-BE49-F238E27FC236}">
+                <a16:creationId xmlns:a16="http://schemas.microsoft.com/office/drawing/2014/main" id="{5140DD9F-26B1-4C48-A945-82C8D66339FD}"/>
+              </a:ext>
+            </a:extLst>
+          </p:cNvPr>
+          <p:cNvPicPr>
+            <a:picLocks noChangeAspect="1"/>
+          </p:cNvPicPr>
+          <p:nvPr/>
+        </p:nvPicPr>
+        <p:blipFill>
+          <a:blip r:embed="rId2">
+            <a:extLst>
+              <a:ext uri="{28A0092B-C50C-407E-A947-70E740481C1C}">
+                <a14:useLocalDpi xmlns:a14="http://schemas.microsoft.com/office/drawing/2010/main" val="0"/>
+              </a:ext>
+              <a:ext uri="{96DAC541-7B7A-43D3-8B79-37D633B846F1}">
+                <asvg:svgBlip xmlns:asvg="http://schemas.microsoft.com/office/drawing/2016/SVG/main" r:embed="rId4"/>
+              </a:ext>
+            </a:extLst>
+          </a:blip>
+          <a:stretch>
+            <a:fillRect/>
+          </a:stretch>
+        </p:blipFill>
+        <p:spPr>
+          <a:xfrm>
+            <a:off x="2529895" y="3774281"/>
+            <a:ext cx="914400" cy="914400"/>
+          </a:xfrm>
+          <a:prstGeom prst="rect">
+            <a:avLst/>
+          </a:prstGeom>
+        </p:spPr>
+      </p:pic>
+      <p:pic>
+        <p:nvPicPr>
+          <p:cNvPr id="16" name="Content Placeholder 4" descr="Open folder">
+            <a:extLst>
+              <a:ext uri="{FF2B5EF4-FFF2-40B4-BE49-F238E27FC236}">
+                <a16:creationId xmlns:a16="http://schemas.microsoft.com/office/drawing/2014/main" id="{7757549E-687F-40A5-959B-4D469036199C}"/>
+              </a:ext>
+            </a:extLst>
+          </p:cNvPr>
+          <p:cNvPicPr>
+            <a:picLocks noChangeAspect="1"/>
+          </p:cNvPicPr>
+          <p:nvPr/>
+        </p:nvPicPr>
+        <p:blipFill>
+          <a:blip r:embed="rId2">
+            <a:extLst>
+              <a:ext uri="{28A0092B-C50C-407E-A947-70E740481C1C}">
+                <a14:useLocalDpi xmlns:a14="http://schemas.microsoft.com/office/drawing/2010/main" val="0"/>
+              </a:ext>
+              <a:ext uri="{96DAC541-7B7A-43D3-8B79-37D633B846F1}">
+                <asvg:svgBlip xmlns:asvg="http://schemas.microsoft.com/office/drawing/2016/SVG/main" r:embed="rId4"/>
+              </a:ext>
+            </a:extLst>
+          </a:blip>
+          <a:stretch>
+            <a:fillRect/>
+          </a:stretch>
+        </p:blipFill>
+        <p:spPr>
+          <a:xfrm>
+            <a:off x="3499279" y="3774281"/>
+            <a:ext cx="914400" cy="914400"/>
+          </a:xfrm>
+          <a:prstGeom prst="rect">
+            <a:avLst/>
+          </a:prstGeom>
+        </p:spPr>
+      </p:pic>
+      <p:pic>
+        <p:nvPicPr>
+          <p:cNvPr id="17" name="Content Placeholder 4" descr="Open folder">
+            <a:extLst>
+              <a:ext uri="{FF2B5EF4-FFF2-40B4-BE49-F238E27FC236}">
+                <a16:creationId xmlns:a16="http://schemas.microsoft.com/office/drawing/2014/main" id="{118DE70A-F202-42D5-8DCD-77334E02CB51}"/>
+              </a:ext>
+            </a:extLst>
+          </p:cNvPr>
+          <p:cNvPicPr>
+            <a:picLocks noChangeAspect="1"/>
+          </p:cNvPicPr>
+          <p:nvPr/>
+        </p:nvPicPr>
+        <p:blipFill>
+          <a:blip r:embed="rId2">
+            <a:extLst>
+              <a:ext uri="{28A0092B-C50C-407E-A947-70E740481C1C}">
+                <a14:useLocalDpi xmlns:a14="http://schemas.microsoft.com/office/drawing/2010/main" val="0"/>
+              </a:ext>
+              <a:ext uri="{96DAC541-7B7A-43D3-8B79-37D633B846F1}">
+                <asvg:svgBlip xmlns:asvg="http://schemas.microsoft.com/office/drawing/2016/SVG/main" r:embed="rId4"/>
+              </a:ext>
+            </a:extLst>
+          </a:blip>
+          <a:stretch>
+            <a:fillRect/>
+          </a:stretch>
+        </p:blipFill>
+        <p:spPr>
+          <a:xfrm>
+            <a:off x="646111" y="4547553"/>
+            <a:ext cx="914400" cy="914400"/>
+          </a:xfrm>
+          <a:prstGeom prst="rect">
+            <a:avLst/>
+          </a:prstGeom>
+        </p:spPr>
+      </p:pic>
+      <p:pic>
+        <p:nvPicPr>
+          <p:cNvPr id="18" name="Content Placeholder 4" descr="Open folder">
+            <a:extLst>
+              <a:ext uri="{FF2B5EF4-FFF2-40B4-BE49-F238E27FC236}">
+                <a16:creationId xmlns:a16="http://schemas.microsoft.com/office/drawing/2014/main" id="{9CB1923C-1E28-48A2-8FDD-F09D557ADC32}"/>
+              </a:ext>
+            </a:extLst>
+          </p:cNvPr>
+          <p:cNvPicPr>
+            <a:picLocks noChangeAspect="1"/>
+          </p:cNvPicPr>
+          <p:nvPr/>
+        </p:nvPicPr>
+        <p:blipFill>
+          <a:blip r:embed="rId2">
+            <a:extLst>
+              <a:ext uri="{28A0092B-C50C-407E-A947-70E740481C1C}">
+                <a14:useLocalDpi xmlns:a14="http://schemas.microsoft.com/office/drawing/2010/main" val="0"/>
+              </a:ext>
+              <a:ext uri="{96DAC541-7B7A-43D3-8B79-37D633B846F1}">
+                <asvg:svgBlip xmlns:asvg="http://schemas.microsoft.com/office/drawing/2016/SVG/main" r:embed="rId4"/>
+              </a:ext>
+            </a:extLst>
+          </a:blip>
+          <a:stretch>
+            <a:fillRect/>
+          </a:stretch>
+        </p:blipFill>
+        <p:spPr>
+          <a:xfrm>
+            <a:off x="1615495" y="4547553"/>
+            <a:ext cx="914400" cy="914400"/>
+          </a:xfrm>
+          <a:prstGeom prst="rect">
+            <a:avLst/>
+          </a:prstGeom>
+        </p:spPr>
+      </p:pic>
+      <p:pic>
+        <p:nvPicPr>
+          <p:cNvPr id="19" name="Content Placeholder 4" descr="Open folder">
+            <a:extLst>
+              <a:ext uri="{FF2B5EF4-FFF2-40B4-BE49-F238E27FC236}">
+                <a16:creationId xmlns:a16="http://schemas.microsoft.com/office/drawing/2014/main" id="{FFAF81A6-988D-48DE-8BE0-EC7C5343BA50}"/>
+              </a:ext>
+            </a:extLst>
+          </p:cNvPr>
+          <p:cNvPicPr>
+            <a:picLocks noChangeAspect="1"/>
+          </p:cNvPicPr>
+          <p:nvPr/>
+        </p:nvPicPr>
+        <p:blipFill>
+          <a:blip r:embed="rId2">
+            <a:extLst>
+              <a:ext uri="{28A0092B-C50C-407E-A947-70E740481C1C}">
+                <a14:useLocalDpi xmlns:a14="http://schemas.microsoft.com/office/drawing/2010/main" val="0"/>
+              </a:ext>
+              <a:ext uri="{96DAC541-7B7A-43D3-8B79-37D633B846F1}">
+                <asvg:svgBlip xmlns:asvg="http://schemas.microsoft.com/office/drawing/2016/SVG/main" r:embed="rId4"/>
+              </a:ext>
+            </a:extLst>
+          </a:blip>
+          <a:stretch>
+            <a:fillRect/>
+          </a:stretch>
+        </p:blipFill>
+        <p:spPr>
+          <a:xfrm>
+            <a:off x="2529895" y="4547553"/>
+            <a:ext cx="914400" cy="914400"/>
+          </a:xfrm>
+          <a:prstGeom prst="rect">
+            <a:avLst/>
+          </a:prstGeom>
+        </p:spPr>
+      </p:pic>
+      <p:pic>
+        <p:nvPicPr>
+          <p:cNvPr id="20" name="Content Placeholder 4" descr="Open folder">
+            <a:extLst>
+              <a:ext uri="{FF2B5EF4-FFF2-40B4-BE49-F238E27FC236}">
+                <a16:creationId xmlns:a16="http://schemas.microsoft.com/office/drawing/2014/main" id="{50C49DD7-C4CB-43B9-9334-3A907FB85623}"/>
+              </a:ext>
+            </a:extLst>
+          </p:cNvPr>
+          <p:cNvPicPr>
+            <a:picLocks noChangeAspect="1"/>
+          </p:cNvPicPr>
+          <p:nvPr/>
+        </p:nvPicPr>
+        <p:blipFill>
+          <a:blip r:embed="rId2">
+            <a:extLst>
+              <a:ext uri="{28A0092B-C50C-407E-A947-70E740481C1C}">
+                <a14:useLocalDpi xmlns:a14="http://schemas.microsoft.com/office/drawing/2010/main" val="0"/>
+              </a:ext>
+              <a:ext uri="{96DAC541-7B7A-43D3-8B79-37D633B846F1}">
+                <asvg:svgBlip xmlns:asvg="http://schemas.microsoft.com/office/drawing/2016/SVG/main" r:embed="rId4"/>
+              </a:ext>
+            </a:extLst>
+          </a:blip>
+          <a:stretch>
+            <a:fillRect/>
+          </a:stretch>
+        </p:blipFill>
+        <p:spPr>
+          <a:xfrm>
+            <a:off x="3499279" y="4547553"/>
+            <a:ext cx="914400" cy="914400"/>
+          </a:xfrm>
+          <a:prstGeom prst="rect">
+            <a:avLst/>
+          </a:prstGeom>
+        </p:spPr>
+      </p:pic>
+      <p:pic>
+        <p:nvPicPr>
+          <p:cNvPr id="21" name="Content Placeholder 4" descr="Open folder">
+            <a:extLst>
+              <a:ext uri="{FF2B5EF4-FFF2-40B4-BE49-F238E27FC236}">
+                <a16:creationId xmlns:a16="http://schemas.microsoft.com/office/drawing/2014/main" id="{7568F0AB-79E4-4F21-A49F-AF7C38DA9CDA}"/>
+              </a:ext>
+            </a:extLst>
+          </p:cNvPr>
+          <p:cNvPicPr>
+            <a:picLocks noChangeAspect="1"/>
+          </p:cNvPicPr>
+          <p:nvPr/>
+        </p:nvPicPr>
+        <p:blipFill>
+          <a:blip r:embed="rId2">
+            <a:extLst>
+              <a:ext uri="{28A0092B-C50C-407E-A947-70E740481C1C}">
+                <a14:useLocalDpi xmlns:a14="http://schemas.microsoft.com/office/drawing/2010/main" val="0"/>
+              </a:ext>
+              <a:ext uri="{96DAC541-7B7A-43D3-8B79-37D633B846F1}">
+                <asvg:svgBlip xmlns:asvg="http://schemas.microsoft.com/office/drawing/2016/SVG/main" r:embed="rId4"/>
+              </a:ext>
+            </a:extLst>
+          </a:blip>
+          <a:stretch>
+            <a:fillRect/>
+          </a:stretch>
+        </p:blipFill>
+        <p:spPr>
+          <a:xfrm>
+            <a:off x="646111" y="5208906"/>
+            <a:ext cx="914400" cy="914400"/>
+          </a:xfrm>
+          <a:prstGeom prst="rect">
+            <a:avLst/>
+          </a:prstGeom>
+        </p:spPr>
+      </p:pic>
+      <p:pic>
+        <p:nvPicPr>
+          <p:cNvPr id="22" name="Content Placeholder 4" descr="Open folder">
+            <a:extLst>
+              <a:ext uri="{FF2B5EF4-FFF2-40B4-BE49-F238E27FC236}">
+                <a16:creationId xmlns:a16="http://schemas.microsoft.com/office/drawing/2014/main" id="{6131CD3F-62ED-4C9A-96B7-2F65B922803A}"/>
+              </a:ext>
+            </a:extLst>
+          </p:cNvPr>
+          <p:cNvPicPr>
+            <a:picLocks noChangeAspect="1"/>
+          </p:cNvPicPr>
+          <p:nvPr/>
+        </p:nvPicPr>
+        <p:blipFill>
+          <a:blip r:embed="rId2">
+            <a:extLst>
+              <a:ext uri="{28A0092B-C50C-407E-A947-70E740481C1C}">
+                <a14:useLocalDpi xmlns:a14="http://schemas.microsoft.com/office/drawing/2010/main" val="0"/>
+              </a:ext>
+              <a:ext uri="{96DAC541-7B7A-43D3-8B79-37D633B846F1}">
+                <asvg:svgBlip xmlns:asvg="http://schemas.microsoft.com/office/drawing/2016/SVG/main" r:embed="rId4"/>
+              </a:ext>
+            </a:extLst>
+          </a:blip>
+          <a:stretch>
+            <a:fillRect/>
+          </a:stretch>
+        </p:blipFill>
+        <p:spPr>
+          <a:xfrm>
+            <a:off x="1615495" y="5208906"/>
+            <a:ext cx="914400" cy="914400"/>
+          </a:xfrm>
+          <a:prstGeom prst="rect">
+            <a:avLst/>
+          </a:prstGeom>
+        </p:spPr>
+      </p:pic>
+      <p:pic>
+        <p:nvPicPr>
+          <p:cNvPr id="23" name="Content Placeholder 4" descr="Open folder">
+            <a:extLst>
+              <a:ext uri="{FF2B5EF4-FFF2-40B4-BE49-F238E27FC236}">
+                <a16:creationId xmlns:a16="http://schemas.microsoft.com/office/drawing/2014/main" id="{2892FEC6-A3E0-4E67-9E80-2CBE56C9330D}"/>
+              </a:ext>
+            </a:extLst>
+          </p:cNvPr>
+          <p:cNvPicPr>
+            <a:picLocks noChangeAspect="1"/>
+          </p:cNvPicPr>
+          <p:nvPr/>
+        </p:nvPicPr>
+        <p:blipFill>
+          <a:blip r:embed="rId2">
+            <a:extLst>
+              <a:ext uri="{28A0092B-C50C-407E-A947-70E740481C1C}">
+                <a14:useLocalDpi xmlns:a14="http://schemas.microsoft.com/office/drawing/2010/main" val="0"/>
+              </a:ext>
+              <a:ext uri="{96DAC541-7B7A-43D3-8B79-37D633B846F1}">
+                <asvg:svgBlip xmlns:asvg="http://schemas.microsoft.com/office/drawing/2016/SVG/main" r:embed="rId4"/>
+              </a:ext>
+            </a:extLst>
+          </a:blip>
+          <a:stretch>
+            <a:fillRect/>
+          </a:stretch>
+        </p:blipFill>
+        <p:spPr>
+          <a:xfrm>
+            <a:off x="2529895" y="5208906"/>
+            <a:ext cx="914400" cy="914400"/>
+          </a:xfrm>
+          <a:prstGeom prst="rect">
+            <a:avLst/>
+          </a:prstGeom>
+        </p:spPr>
+      </p:pic>
+      <p:pic>
+        <p:nvPicPr>
+          <p:cNvPr id="24" name="Content Placeholder 4" descr="Open folder">
+            <a:extLst>
+              <a:ext uri="{FF2B5EF4-FFF2-40B4-BE49-F238E27FC236}">
+                <a16:creationId xmlns:a16="http://schemas.microsoft.com/office/drawing/2014/main" id="{B1290BAC-1386-4969-9D57-C9780023AB0B}"/>
+              </a:ext>
+            </a:extLst>
+          </p:cNvPr>
+          <p:cNvPicPr>
+            <a:picLocks noChangeAspect="1"/>
+          </p:cNvPicPr>
+          <p:nvPr/>
+        </p:nvPicPr>
+        <p:blipFill>
+          <a:blip r:embed="rId2">
+            <a:extLst>
+              <a:ext uri="{28A0092B-C50C-407E-A947-70E740481C1C}">
+                <a14:useLocalDpi xmlns:a14="http://schemas.microsoft.com/office/drawing/2010/main" val="0"/>
+              </a:ext>
+              <a:ext uri="{96DAC541-7B7A-43D3-8B79-37D633B846F1}">
+                <asvg:svgBlip xmlns:asvg="http://schemas.microsoft.com/office/drawing/2016/SVG/main" r:embed="rId4"/>
+              </a:ext>
+            </a:extLst>
+          </a:blip>
+          <a:stretch>
+            <a:fillRect/>
+          </a:stretch>
+        </p:blipFill>
+        <p:spPr>
+          <a:xfrm>
+            <a:off x="3499279" y="5208906"/>
+            <a:ext cx="914400" cy="914400"/>
+          </a:xfrm>
+          <a:prstGeom prst="rect">
+            <a:avLst/>
+          </a:prstGeom>
+        </p:spPr>
+      </p:pic>
+      <p:pic>
+        <p:nvPicPr>
+          <p:cNvPr id="25" name="Content Placeholder 4" descr="Open folder">
+            <a:extLst>
+              <a:ext uri="{FF2B5EF4-FFF2-40B4-BE49-F238E27FC236}">
+                <a16:creationId xmlns:a16="http://schemas.microsoft.com/office/drawing/2014/main" id="{EC558A5B-D7D3-4BF1-AD48-3ED0D72B0DFE}"/>
+              </a:ext>
+            </a:extLst>
+          </p:cNvPr>
+          <p:cNvPicPr>
+            <a:picLocks noChangeAspect="1"/>
+          </p:cNvPicPr>
+          <p:nvPr/>
+        </p:nvPicPr>
+        <p:blipFill>
+          <a:blip r:embed="rId2">
+            <a:extLst>
+              <a:ext uri="{28A0092B-C50C-407E-A947-70E740481C1C}">
+                <a14:useLocalDpi xmlns:a14="http://schemas.microsoft.com/office/drawing/2010/main" val="0"/>
+              </a:ext>
+              <a:ext uri="{96DAC541-7B7A-43D3-8B79-37D633B846F1}">
+                <asvg:svgBlip xmlns:asvg="http://schemas.microsoft.com/office/drawing/2016/SVG/main" r:embed="rId4"/>
+              </a:ext>
+            </a:extLst>
+          </a:blip>
+          <a:stretch>
+            <a:fillRect/>
+          </a:stretch>
+        </p:blipFill>
+        <p:spPr>
+          <a:xfrm>
+            <a:off x="4448887" y="2143919"/>
+            <a:ext cx="914400" cy="914400"/>
+          </a:xfrm>
+          <a:prstGeom prst="rect">
+            <a:avLst/>
+          </a:prstGeom>
+        </p:spPr>
+      </p:pic>
+      <p:pic>
+        <p:nvPicPr>
+          <p:cNvPr id="26" name="Content Placeholder 4" descr="Open folder">
+            <a:extLst>
+              <a:ext uri="{FF2B5EF4-FFF2-40B4-BE49-F238E27FC236}">
+                <a16:creationId xmlns:a16="http://schemas.microsoft.com/office/drawing/2014/main" id="{D57ACAF0-1536-4EAA-9370-60D1263DFEA8}"/>
+              </a:ext>
+            </a:extLst>
+          </p:cNvPr>
+          <p:cNvPicPr>
+            <a:picLocks noChangeAspect="1"/>
+          </p:cNvPicPr>
+          <p:nvPr/>
+        </p:nvPicPr>
+        <p:blipFill>
+          <a:blip r:embed="rId2">
+            <a:extLst>
+              <a:ext uri="{28A0092B-C50C-407E-A947-70E740481C1C}">
+                <a14:useLocalDpi xmlns:a14="http://schemas.microsoft.com/office/drawing/2010/main" val="0"/>
+              </a:ext>
+              <a:ext uri="{96DAC541-7B7A-43D3-8B79-37D633B846F1}">
+                <asvg:svgBlip xmlns:asvg="http://schemas.microsoft.com/office/drawing/2016/SVG/main" r:embed="rId4"/>
+              </a:ext>
+            </a:extLst>
+          </a:blip>
+          <a:stretch>
+            <a:fillRect/>
+          </a:stretch>
+        </p:blipFill>
+        <p:spPr>
+          <a:xfrm>
+            <a:off x="5418271" y="2143919"/>
+            <a:ext cx="914400" cy="914400"/>
+          </a:xfrm>
+          <a:prstGeom prst="rect">
+            <a:avLst/>
+          </a:prstGeom>
+        </p:spPr>
+      </p:pic>
+      <p:pic>
+        <p:nvPicPr>
+          <p:cNvPr id="27" name="Content Placeholder 4" descr="Open folder">
+            <a:extLst>
+              <a:ext uri="{FF2B5EF4-FFF2-40B4-BE49-F238E27FC236}">
+                <a16:creationId xmlns:a16="http://schemas.microsoft.com/office/drawing/2014/main" id="{55DBDFD9-DC36-4B32-BE2C-EBA330C070C2}"/>
+              </a:ext>
+            </a:extLst>
+          </p:cNvPr>
+          <p:cNvPicPr>
+            <a:picLocks noChangeAspect="1"/>
+          </p:cNvPicPr>
+          <p:nvPr/>
+        </p:nvPicPr>
+        <p:blipFill>
+          <a:blip r:embed="rId2">
+            <a:extLst>
+              <a:ext uri="{28A0092B-C50C-407E-A947-70E740481C1C}">
+                <a14:useLocalDpi xmlns:a14="http://schemas.microsoft.com/office/drawing/2010/main" val="0"/>
+              </a:ext>
+              <a:ext uri="{96DAC541-7B7A-43D3-8B79-37D633B846F1}">
+                <asvg:svgBlip xmlns:asvg="http://schemas.microsoft.com/office/drawing/2016/SVG/main" r:embed="rId4"/>
+              </a:ext>
+            </a:extLst>
+          </a:blip>
+          <a:stretch>
+            <a:fillRect/>
+          </a:stretch>
+        </p:blipFill>
+        <p:spPr>
+          <a:xfrm>
+            <a:off x="6332671" y="2143919"/>
+            <a:ext cx="914400" cy="914400"/>
+          </a:xfrm>
+          <a:prstGeom prst="rect">
+            <a:avLst/>
+          </a:prstGeom>
+        </p:spPr>
+      </p:pic>
+      <p:pic>
+        <p:nvPicPr>
+          <p:cNvPr id="28" name="Content Placeholder 4" descr="Open folder">
+            <a:extLst>
+              <a:ext uri="{FF2B5EF4-FFF2-40B4-BE49-F238E27FC236}">
+                <a16:creationId xmlns:a16="http://schemas.microsoft.com/office/drawing/2014/main" id="{87A8AE10-7862-4270-946A-05E7B34F6C43}"/>
+              </a:ext>
+            </a:extLst>
+          </p:cNvPr>
+          <p:cNvPicPr>
+            <a:picLocks noChangeAspect="1"/>
+          </p:cNvPicPr>
+          <p:nvPr/>
+        </p:nvPicPr>
+        <p:blipFill>
+          <a:blip r:embed="rId2">
+            <a:extLst>
+              <a:ext uri="{28A0092B-C50C-407E-A947-70E740481C1C}">
+                <a14:useLocalDpi xmlns:a14="http://schemas.microsoft.com/office/drawing/2010/main" val="0"/>
+              </a:ext>
+              <a:ext uri="{96DAC541-7B7A-43D3-8B79-37D633B846F1}">
+                <asvg:svgBlip xmlns:asvg="http://schemas.microsoft.com/office/drawing/2016/SVG/main" r:embed="rId4"/>
+              </a:ext>
+            </a:extLst>
+          </a:blip>
+          <a:stretch>
+            <a:fillRect/>
+          </a:stretch>
+        </p:blipFill>
+        <p:spPr>
+          <a:xfrm>
+            <a:off x="7302055" y="2143919"/>
+            <a:ext cx="914400" cy="914400"/>
+          </a:xfrm>
+          <a:prstGeom prst="rect">
+            <a:avLst/>
+          </a:prstGeom>
+        </p:spPr>
+      </p:pic>
+      <p:pic>
+        <p:nvPicPr>
+          <p:cNvPr id="29" name="Content Placeholder 4" descr="Open folder">
+            <a:extLst>
+              <a:ext uri="{FF2B5EF4-FFF2-40B4-BE49-F238E27FC236}">
+                <a16:creationId xmlns:a16="http://schemas.microsoft.com/office/drawing/2014/main" id="{0384BCF3-2B18-481C-9EA3-D137967C552D}"/>
+              </a:ext>
+            </a:extLst>
+          </p:cNvPr>
+          <p:cNvPicPr>
+            <a:picLocks noChangeAspect="1"/>
+          </p:cNvPicPr>
+          <p:nvPr/>
+        </p:nvPicPr>
+        <p:blipFill>
+          <a:blip r:embed="rId2">
+            <a:extLst>
+              <a:ext uri="{28A0092B-C50C-407E-A947-70E740481C1C}">
+                <a14:useLocalDpi xmlns:a14="http://schemas.microsoft.com/office/drawing/2010/main" val="0"/>
+              </a:ext>
+              <a:ext uri="{96DAC541-7B7A-43D3-8B79-37D633B846F1}">
+                <asvg:svgBlip xmlns:asvg="http://schemas.microsoft.com/office/drawing/2016/SVG/main" r:embed="rId4"/>
+              </a:ext>
+            </a:extLst>
+          </a:blip>
+          <a:stretch>
+            <a:fillRect/>
+          </a:stretch>
+        </p:blipFill>
+        <p:spPr>
+          <a:xfrm>
+            <a:off x="4448887" y="2946400"/>
+            <a:ext cx="914400" cy="914400"/>
+          </a:xfrm>
+          <a:prstGeom prst="rect">
+            <a:avLst/>
+          </a:prstGeom>
+        </p:spPr>
+      </p:pic>
+      <p:pic>
+        <p:nvPicPr>
+          <p:cNvPr id="30" name="Content Placeholder 4" descr="Open folder">
+            <a:extLst>
+              <a:ext uri="{FF2B5EF4-FFF2-40B4-BE49-F238E27FC236}">
+                <a16:creationId xmlns:a16="http://schemas.microsoft.com/office/drawing/2014/main" id="{126DBA2B-3226-43F8-9AF7-178A8C7494E2}"/>
+              </a:ext>
+            </a:extLst>
+          </p:cNvPr>
+          <p:cNvPicPr>
+            <a:picLocks noChangeAspect="1"/>
+          </p:cNvPicPr>
+          <p:nvPr/>
+        </p:nvPicPr>
+        <p:blipFill>
+          <a:blip r:embed="rId2">
+            <a:extLst>
+              <a:ext uri="{28A0092B-C50C-407E-A947-70E740481C1C}">
+                <a14:useLocalDpi xmlns:a14="http://schemas.microsoft.com/office/drawing/2010/main" val="0"/>
+              </a:ext>
+              <a:ext uri="{96DAC541-7B7A-43D3-8B79-37D633B846F1}">
+                <asvg:svgBlip xmlns:asvg="http://schemas.microsoft.com/office/drawing/2016/SVG/main" r:embed="rId4"/>
+              </a:ext>
+            </a:extLst>
+          </a:blip>
+          <a:stretch>
+            <a:fillRect/>
+          </a:stretch>
+        </p:blipFill>
+        <p:spPr>
+          <a:xfrm>
+            <a:off x="5418271" y="2946400"/>
+            <a:ext cx="914400" cy="914400"/>
+          </a:xfrm>
+          <a:prstGeom prst="rect">
+            <a:avLst/>
+          </a:prstGeom>
+        </p:spPr>
+      </p:pic>
+      <p:pic>
+        <p:nvPicPr>
+          <p:cNvPr id="31" name="Content Placeholder 4" descr="Open folder">
+            <a:extLst>
+              <a:ext uri="{FF2B5EF4-FFF2-40B4-BE49-F238E27FC236}">
+                <a16:creationId xmlns:a16="http://schemas.microsoft.com/office/drawing/2014/main" id="{89A35560-8D23-4514-AE29-6EA590EDAEDE}"/>
+              </a:ext>
+            </a:extLst>
+          </p:cNvPr>
+          <p:cNvPicPr>
+            <a:picLocks noChangeAspect="1"/>
+          </p:cNvPicPr>
+          <p:nvPr/>
+        </p:nvPicPr>
+        <p:blipFill>
+          <a:blip r:embed="rId2">
+            <a:extLst>
+              <a:ext uri="{28A0092B-C50C-407E-A947-70E740481C1C}">
+                <a14:useLocalDpi xmlns:a14="http://schemas.microsoft.com/office/drawing/2010/main" val="0"/>
+              </a:ext>
+              <a:ext uri="{96DAC541-7B7A-43D3-8B79-37D633B846F1}">
+                <asvg:svgBlip xmlns:asvg="http://schemas.microsoft.com/office/drawing/2016/SVG/main" r:embed="rId4"/>
+              </a:ext>
+            </a:extLst>
+          </a:blip>
+          <a:stretch>
+            <a:fillRect/>
+          </a:stretch>
+        </p:blipFill>
+        <p:spPr>
+          <a:xfrm>
+            <a:off x="6332671" y="2946400"/>
+            <a:ext cx="914400" cy="914400"/>
+          </a:xfrm>
+          <a:prstGeom prst="rect">
+            <a:avLst/>
+          </a:prstGeom>
+        </p:spPr>
+      </p:pic>
+      <p:pic>
+        <p:nvPicPr>
+          <p:cNvPr id="32" name="Content Placeholder 4" descr="Open folder">
+            <a:extLst>
+              <a:ext uri="{FF2B5EF4-FFF2-40B4-BE49-F238E27FC236}">
+                <a16:creationId xmlns:a16="http://schemas.microsoft.com/office/drawing/2014/main" id="{8CCE43D6-4D73-47E2-B990-23E0F667DDEA}"/>
+              </a:ext>
+            </a:extLst>
+          </p:cNvPr>
+          <p:cNvPicPr>
+            <a:picLocks noChangeAspect="1"/>
+          </p:cNvPicPr>
+          <p:nvPr/>
+        </p:nvPicPr>
+        <p:blipFill>
+          <a:blip r:embed="rId2">
+            <a:extLst>
+              <a:ext uri="{28A0092B-C50C-407E-A947-70E740481C1C}">
+                <a14:useLocalDpi xmlns:a14="http://schemas.microsoft.com/office/drawing/2010/main" val="0"/>
+              </a:ext>
+              <a:ext uri="{96DAC541-7B7A-43D3-8B79-37D633B846F1}">
+                <asvg:svgBlip xmlns:asvg="http://schemas.microsoft.com/office/drawing/2016/SVG/main" r:embed="rId4"/>
+              </a:ext>
+            </a:extLst>
+          </a:blip>
+          <a:stretch>
+            <a:fillRect/>
+          </a:stretch>
+        </p:blipFill>
+        <p:spPr>
+          <a:xfrm>
+            <a:off x="7302055" y="2946400"/>
+            <a:ext cx="914400" cy="914400"/>
+          </a:xfrm>
+          <a:prstGeom prst="rect">
+            <a:avLst/>
+          </a:prstGeom>
+        </p:spPr>
+      </p:pic>
+      <p:pic>
+        <p:nvPicPr>
+          <p:cNvPr id="33" name="Content Placeholder 4" descr="Open folder">
+            <a:extLst>
+              <a:ext uri="{FF2B5EF4-FFF2-40B4-BE49-F238E27FC236}">
+                <a16:creationId xmlns:a16="http://schemas.microsoft.com/office/drawing/2014/main" id="{23CFCD11-DED3-4553-A66B-02BD959606A5}"/>
+              </a:ext>
+            </a:extLst>
+          </p:cNvPr>
+          <p:cNvPicPr>
+            <a:picLocks noChangeAspect="1"/>
+          </p:cNvPicPr>
+          <p:nvPr/>
+        </p:nvPicPr>
+        <p:blipFill>
+          <a:blip r:embed="rId2">
+            <a:extLst>
+              <a:ext uri="{28A0092B-C50C-407E-A947-70E740481C1C}">
+                <a14:useLocalDpi xmlns:a14="http://schemas.microsoft.com/office/drawing/2010/main" val="0"/>
+              </a:ext>
+              <a:ext uri="{96DAC541-7B7A-43D3-8B79-37D633B846F1}">
+                <asvg:svgBlip xmlns:asvg="http://schemas.microsoft.com/office/drawing/2016/SVG/main" r:embed="rId4"/>
+              </a:ext>
+            </a:extLst>
+          </a:blip>
+          <a:stretch>
+            <a:fillRect/>
+          </a:stretch>
+        </p:blipFill>
+        <p:spPr>
+          <a:xfrm>
+            <a:off x="4448887" y="3748881"/>
+            <a:ext cx="914400" cy="914400"/>
+          </a:xfrm>
+          <a:prstGeom prst="rect">
+            <a:avLst/>
+          </a:prstGeom>
+        </p:spPr>
+      </p:pic>
+      <p:pic>
+        <p:nvPicPr>
+          <p:cNvPr id="34" name="Content Placeholder 4" descr="Open folder">
+            <a:extLst>
+              <a:ext uri="{FF2B5EF4-FFF2-40B4-BE49-F238E27FC236}">
+                <a16:creationId xmlns:a16="http://schemas.microsoft.com/office/drawing/2014/main" id="{D2EF88F6-E51F-4D58-93BC-407507F85559}"/>
+              </a:ext>
+            </a:extLst>
+          </p:cNvPr>
+          <p:cNvPicPr>
+            <a:picLocks noChangeAspect="1"/>
+          </p:cNvPicPr>
+          <p:nvPr/>
+        </p:nvPicPr>
+        <p:blipFill>
+          <a:blip r:embed="rId2">
+            <a:extLst>
+              <a:ext uri="{28A0092B-C50C-407E-A947-70E740481C1C}">
+                <a14:useLocalDpi xmlns:a14="http://schemas.microsoft.com/office/drawing/2010/main" val="0"/>
+              </a:ext>
+              <a:ext uri="{96DAC541-7B7A-43D3-8B79-37D633B846F1}">
+                <asvg:svgBlip xmlns:asvg="http://schemas.microsoft.com/office/drawing/2016/SVG/main" r:embed="rId4"/>
+              </a:ext>
+            </a:extLst>
+          </a:blip>
+          <a:stretch>
+            <a:fillRect/>
+          </a:stretch>
+        </p:blipFill>
+        <p:spPr>
+          <a:xfrm>
+            <a:off x="5418271" y="3748881"/>
+            <a:ext cx="914400" cy="914400"/>
+          </a:xfrm>
+          <a:prstGeom prst="rect">
+            <a:avLst/>
+          </a:prstGeom>
+        </p:spPr>
+      </p:pic>
+      <p:pic>
+        <p:nvPicPr>
+          <p:cNvPr id="35" name="Content Placeholder 4" descr="Open folder">
+            <a:extLst>
+              <a:ext uri="{FF2B5EF4-FFF2-40B4-BE49-F238E27FC236}">
+                <a16:creationId xmlns:a16="http://schemas.microsoft.com/office/drawing/2014/main" id="{3CCD48E6-9F94-4260-AC6E-07E02A39A90E}"/>
+              </a:ext>
+            </a:extLst>
+          </p:cNvPr>
+          <p:cNvPicPr>
+            <a:picLocks noChangeAspect="1"/>
+          </p:cNvPicPr>
+          <p:nvPr/>
+        </p:nvPicPr>
+        <p:blipFill>
+          <a:blip r:embed="rId2">
+            <a:extLst>
+              <a:ext uri="{28A0092B-C50C-407E-A947-70E740481C1C}">
+                <a14:useLocalDpi xmlns:a14="http://schemas.microsoft.com/office/drawing/2010/main" val="0"/>
+              </a:ext>
+              <a:ext uri="{96DAC541-7B7A-43D3-8B79-37D633B846F1}">
+                <asvg:svgBlip xmlns:asvg="http://schemas.microsoft.com/office/drawing/2016/SVG/main" r:embed="rId4"/>
+              </a:ext>
+            </a:extLst>
+          </a:blip>
+          <a:stretch>
+            <a:fillRect/>
+          </a:stretch>
+        </p:blipFill>
+        <p:spPr>
+          <a:xfrm>
+            <a:off x="6332671" y="3748881"/>
+            <a:ext cx="914400" cy="914400"/>
+          </a:xfrm>
+          <a:prstGeom prst="rect">
+            <a:avLst/>
+          </a:prstGeom>
+        </p:spPr>
+      </p:pic>
+      <p:pic>
+        <p:nvPicPr>
+          <p:cNvPr id="36" name="Content Placeholder 4" descr="Open folder">
+            <a:extLst>
+              <a:ext uri="{FF2B5EF4-FFF2-40B4-BE49-F238E27FC236}">
+                <a16:creationId xmlns:a16="http://schemas.microsoft.com/office/drawing/2014/main" id="{89B531EF-C095-4369-8401-5D9081460008}"/>
+              </a:ext>
+            </a:extLst>
+          </p:cNvPr>
+          <p:cNvPicPr>
+            <a:picLocks noChangeAspect="1"/>
+          </p:cNvPicPr>
+          <p:nvPr/>
+        </p:nvPicPr>
+        <p:blipFill>
+          <a:blip r:embed="rId2">
+            <a:extLst>
+              <a:ext uri="{28A0092B-C50C-407E-A947-70E740481C1C}">
+                <a14:useLocalDpi xmlns:a14="http://schemas.microsoft.com/office/drawing/2010/main" val="0"/>
+              </a:ext>
+              <a:ext uri="{96DAC541-7B7A-43D3-8B79-37D633B846F1}">
+                <asvg:svgBlip xmlns:asvg="http://schemas.microsoft.com/office/drawing/2016/SVG/main" r:embed="rId4"/>
+              </a:ext>
+            </a:extLst>
+          </a:blip>
+          <a:stretch>
+            <a:fillRect/>
+          </a:stretch>
+        </p:blipFill>
+        <p:spPr>
+          <a:xfrm>
+            <a:off x="7302055" y="3748881"/>
+            <a:ext cx="914400" cy="914400"/>
+          </a:xfrm>
+          <a:prstGeom prst="rect">
+            <a:avLst/>
+          </a:prstGeom>
+        </p:spPr>
+      </p:pic>
+      <p:pic>
+        <p:nvPicPr>
+          <p:cNvPr id="37" name="Content Placeholder 4" descr="Open folder">
+            <a:extLst>
+              <a:ext uri="{FF2B5EF4-FFF2-40B4-BE49-F238E27FC236}">
+                <a16:creationId xmlns:a16="http://schemas.microsoft.com/office/drawing/2014/main" id="{FE22FD00-34A8-4263-B75B-08E67590BD5E}"/>
+              </a:ext>
+            </a:extLst>
+          </p:cNvPr>
+          <p:cNvPicPr>
+            <a:picLocks noChangeAspect="1"/>
+          </p:cNvPicPr>
+          <p:nvPr/>
+        </p:nvPicPr>
+        <p:blipFill>
+          <a:blip r:embed="rId2">
+            <a:extLst>
+              <a:ext uri="{28A0092B-C50C-407E-A947-70E740481C1C}">
+                <a14:useLocalDpi xmlns:a14="http://schemas.microsoft.com/office/drawing/2010/main" val="0"/>
+              </a:ext>
+              <a:ext uri="{96DAC541-7B7A-43D3-8B79-37D633B846F1}">
+                <asvg:svgBlip xmlns:asvg="http://schemas.microsoft.com/office/drawing/2016/SVG/main" r:embed="rId4"/>
+              </a:ext>
+            </a:extLst>
+          </a:blip>
+          <a:stretch>
+            <a:fillRect/>
+          </a:stretch>
+        </p:blipFill>
+        <p:spPr>
+          <a:xfrm>
+            <a:off x="4448887" y="4522153"/>
+            <a:ext cx="914400" cy="914400"/>
+          </a:xfrm>
+          <a:prstGeom prst="rect">
+            <a:avLst/>
+          </a:prstGeom>
+        </p:spPr>
+      </p:pic>
+      <p:pic>
+        <p:nvPicPr>
+          <p:cNvPr id="38" name="Content Placeholder 4" descr="Open folder">
+            <a:extLst>
+              <a:ext uri="{FF2B5EF4-FFF2-40B4-BE49-F238E27FC236}">
+                <a16:creationId xmlns:a16="http://schemas.microsoft.com/office/drawing/2014/main" id="{C2D32824-0269-4DA5-A49D-1C00CD567714}"/>
+              </a:ext>
+            </a:extLst>
+          </p:cNvPr>
+          <p:cNvPicPr>
+            <a:picLocks noChangeAspect="1"/>
+          </p:cNvPicPr>
+          <p:nvPr/>
+        </p:nvPicPr>
+        <p:blipFill>
+          <a:blip r:embed="rId2">
+            <a:extLst>
+              <a:ext uri="{28A0092B-C50C-407E-A947-70E740481C1C}">
+                <a14:useLocalDpi xmlns:a14="http://schemas.microsoft.com/office/drawing/2010/main" val="0"/>
+              </a:ext>
+              <a:ext uri="{96DAC541-7B7A-43D3-8B79-37D633B846F1}">
+                <asvg:svgBlip xmlns:asvg="http://schemas.microsoft.com/office/drawing/2016/SVG/main" r:embed="rId4"/>
+              </a:ext>
+            </a:extLst>
+          </a:blip>
+          <a:stretch>
+            <a:fillRect/>
+          </a:stretch>
+        </p:blipFill>
+        <p:spPr>
+          <a:xfrm>
+            <a:off x="5418271" y="4522153"/>
+            <a:ext cx="914400" cy="914400"/>
+          </a:xfrm>
+          <a:prstGeom prst="rect">
+            <a:avLst/>
+          </a:prstGeom>
+        </p:spPr>
+      </p:pic>
+      <p:pic>
+        <p:nvPicPr>
+          <p:cNvPr id="39" name="Content Placeholder 4" descr="Open folder">
+            <a:extLst>
+              <a:ext uri="{FF2B5EF4-FFF2-40B4-BE49-F238E27FC236}">
+                <a16:creationId xmlns:a16="http://schemas.microsoft.com/office/drawing/2014/main" id="{3502EFA2-8302-4519-9A8A-E5193E3B4073}"/>
+              </a:ext>
+            </a:extLst>
+          </p:cNvPr>
+          <p:cNvPicPr>
+            <a:picLocks noChangeAspect="1"/>
+          </p:cNvPicPr>
+          <p:nvPr/>
+        </p:nvPicPr>
+        <p:blipFill>
+          <a:blip r:embed="rId2">
+            <a:extLst>
+              <a:ext uri="{28A0092B-C50C-407E-A947-70E740481C1C}">
+                <a14:useLocalDpi xmlns:a14="http://schemas.microsoft.com/office/drawing/2010/main" val="0"/>
+              </a:ext>
+              <a:ext uri="{96DAC541-7B7A-43D3-8B79-37D633B846F1}">
+                <asvg:svgBlip xmlns:asvg="http://schemas.microsoft.com/office/drawing/2016/SVG/main" r:embed="rId4"/>
+              </a:ext>
+            </a:extLst>
+          </a:blip>
+          <a:stretch>
+            <a:fillRect/>
+          </a:stretch>
+        </p:blipFill>
+        <p:spPr>
+          <a:xfrm>
+            <a:off x="6332671" y="4522153"/>
+            <a:ext cx="914400" cy="914400"/>
+          </a:xfrm>
+          <a:prstGeom prst="rect">
+            <a:avLst/>
+          </a:prstGeom>
+        </p:spPr>
+      </p:pic>
+      <p:pic>
+        <p:nvPicPr>
+          <p:cNvPr id="40" name="Content Placeholder 4" descr="Open folder">
+            <a:extLst>
+              <a:ext uri="{FF2B5EF4-FFF2-40B4-BE49-F238E27FC236}">
+                <a16:creationId xmlns:a16="http://schemas.microsoft.com/office/drawing/2014/main" id="{4D3027E4-49BA-4352-ACAF-D0C9696DBD6D}"/>
+              </a:ext>
+            </a:extLst>
+          </p:cNvPr>
+          <p:cNvPicPr>
+            <a:picLocks noChangeAspect="1"/>
+          </p:cNvPicPr>
+          <p:nvPr/>
+        </p:nvPicPr>
+        <p:blipFill>
+          <a:blip r:embed="rId2">
+            <a:extLst>
+              <a:ext uri="{28A0092B-C50C-407E-A947-70E740481C1C}">
+                <a14:useLocalDpi xmlns:a14="http://schemas.microsoft.com/office/drawing/2010/main" val="0"/>
+              </a:ext>
+              <a:ext uri="{96DAC541-7B7A-43D3-8B79-37D633B846F1}">
+                <asvg:svgBlip xmlns:asvg="http://schemas.microsoft.com/office/drawing/2016/SVG/main" r:embed="rId4"/>
+              </a:ext>
+            </a:extLst>
+          </a:blip>
+          <a:stretch>
+            <a:fillRect/>
+          </a:stretch>
+        </p:blipFill>
+        <p:spPr>
+          <a:xfrm>
+            <a:off x="7302055" y="4522153"/>
+            <a:ext cx="914400" cy="914400"/>
+          </a:xfrm>
+          <a:prstGeom prst="rect">
+            <a:avLst/>
+          </a:prstGeom>
+        </p:spPr>
+      </p:pic>
+      <p:pic>
+        <p:nvPicPr>
+          <p:cNvPr id="41" name="Content Placeholder 4" descr="Open folder">
+            <a:extLst>
+              <a:ext uri="{FF2B5EF4-FFF2-40B4-BE49-F238E27FC236}">
+                <a16:creationId xmlns:a16="http://schemas.microsoft.com/office/drawing/2014/main" id="{C94FEA30-D2F2-4962-994A-958AE6509284}"/>
+              </a:ext>
+            </a:extLst>
+          </p:cNvPr>
+          <p:cNvPicPr>
+            <a:picLocks noChangeAspect="1"/>
+          </p:cNvPicPr>
+          <p:nvPr/>
+        </p:nvPicPr>
+        <p:blipFill>
+          <a:blip r:embed="rId2">
+            <a:extLst>
+              <a:ext uri="{28A0092B-C50C-407E-A947-70E740481C1C}">
+                <a14:useLocalDpi xmlns:a14="http://schemas.microsoft.com/office/drawing/2010/main" val="0"/>
+              </a:ext>
+              <a:ext uri="{96DAC541-7B7A-43D3-8B79-37D633B846F1}">
+                <asvg:svgBlip xmlns:asvg="http://schemas.microsoft.com/office/drawing/2016/SVG/main" r:embed="rId4"/>
+              </a:ext>
+            </a:extLst>
+          </a:blip>
+          <a:stretch>
+            <a:fillRect/>
+          </a:stretch>
+        </p:blipFill>
+        <p:spPr>
+          <a:xfrm>
+            <a:off x="4448887" y="5183506"/>
+            <a:ext cx="914400" cy="914400"/>
+          </a:xfrm>
+          <a:prstGeom prst="rect">
+            <a:avLst/>
+          </a:prstGeom>
+        </p:spPr>
+      </p:pic>
+      <p:pic>
+        <p:nvPicPr>
+          <p:cNvPr id="42" name="Content Placeholder 4" descr="Open folder">
+            <a:extLst>
+              <a:ext uri="{FF2B5EF4-FFF2-40B4-BE49-F238E27FC236}">
+                <a16:creationId xmlns:a16="http://schemas.microsoft.com/office/drawing/2014/main" id="{3753D72F-F631-406D-8013-DAFE007E04DE}"/>
+              </a:ext>
+            </a:extLst>
+          </p:cNvPr>
+          <p:cNvPicPr>
+            <a:picLocks noChangeAspect="1"/>
+          </p:cNvPicPr>
+          <p:nvPr/>
+        </p:nvPicPr>
+        <p:blipFill>
+          <a:blip r:embed="rId2">
+            <a:extLst>
+              <a:ext uri="{28A0092B-C50C-407E-A947-70E740481C1C}">
+                <a14:useLocalDpi xmlns:a14="http://schemas.microsoft.com/office/drawing/2010/main" val="0"/>
+              </a:ext>
+              <a:ext uri="{96DAC541-7B7A-43D3-8B79-37D633B846F1}">
+                <asvg:svgBlip xmlns:asvg="http://schemas.microsoft.com/office/drawing/2016/SVG/main" r:embed="rId4"/>
+              </a:ext>
+            </a:extLst>
+          </a:blip>
+          <a:stretch>
+            <a:fillRect/>
+          </a:stretch>
+        </p:blipFill>
+        <p:spPr>
+          <a:xfrm>
+            <a:off x="5418271" y="5183506"/>
+            <a:ext cx="914400" cy="914400"/>
+          </a:xfrm>
+          <a:prstGeom prst="rect">
+            <a:avLst/>
+          </a:prstGeom>
+        </p:spPr>
+      </p:pic>
+      <p:pic>
+        <p:nvPicPr>
+          <p:cNvPr id="43" name="Content Placeholder 4" descr="Open folder">
+            <a:extLst>
+              <a:ext uri="{FF2B5EF4-FFF2-40B4-BE49-F238E27FC236}">
+                <a16:creationId xmlns:a16="http://schemas.microsoft.com/office/drawing/2014/main" id="{43BCD6F3-CECE-4D68-9465-51066D1255C1}"/>
+              </a:ext>
+            </a:extLst>
+          </p:cNvPr>
+          <p:cNvPicPr>
+            <a:picLocks noChangeAspect="1"/>
+          </p:cNvPicPr>
+          <p:nvPr/>
+        </p:nvPicPr>
+        <p:blipFill>
+          <a:blip r:embed="rId2">
+            <a:extLst>
+              <a:ext uri="{28A0092B-C50C-407E-A947-70E740481C1C}">
+                <a14:useLocalDpi xmlns:a14="http://schemas.microsoft.com/office/drawing/2010/main" val="0"/>
+              </a:ext>
+              <a:ext uri="{96DAC541-7B7A-43D3-8B79-37D633B846F1}">
+                <asvg:svgBlip xmlns:asvg="http://schemas.microsoft.com/office/drawing/2016/SVG/main" r:embed="rId4"/>
+              </a:ext>
+            </a:extLst>
+          </a:blip>
+          <a:stretch>
+            <a:fillRect/>
+          </a:stretch>
+        </p:blipFill>
+        <p:spPr>
+          <a:xfrm>
+            <a:off x="6332671" y="5183506"/>
+            <a:ext cx="914400" cy="914400"/>
+          </a:xfrm>
+          <a:prstGeom prst="rect">
+            <a:avLst/>
+          </a:prstGeom>
+        </p:spPr>
+      </p:pic>
+      <p:pic>
+        <p:nvPicPr>
+          <p:cNvPr id="44" name="Content Placeholder 4" descr="Open folder">
+            <a:extLst>
+              <a:ext uri="{FF2B5EF4-FFF2-40B4-BE49-F238E27FC236}">
+                <a16:creationId xmlns:a16="http://schemas.microsoft.com/office/drawing/2014/main" id="{382F6584-62ED-432A-B5DB-B0D8DAA53C4E}"/>
+              </a:ext>
+            </a:extLst>
+          </p:cNvPr>
+          <p:cNvPicPr>
+            <a:picLocks noChangeAspect="1"/>
+          </p:cNvPicPr>
+          <p:nvPr/>
+        </p:nvPicPr>
+        <p:blipFill>
+          <a:blip r:embed="rId2">
+            <a:extLst>
+              <a:ext uri="{28A0092B-C50C-407E-A947-70E740481C1C}">
+                <a14:useLocalDpi xmlns:a14="http://schemas.microsoft.com/office/drawing/2010/main" val="0"/>
+              </a:ext>
+              <a:ext uri="{96DAC541-7B7A-43D3-8B79-37D633B846F1}">
+                <asvg:svgBlip xmlns:asvg="http://schemas.microsoft.com/office/drawing/2016/SVG/main" r:embed="rId4"/>
+              </a:ext>
+            </a:extLst>
+          </a:blip>
+          <a:stretch>
+            <a:fillRect/>
+          </a:stretch>
+        </p:blipFill>
+        <p:spPr>
+          <a:xfrm>
+            <a:off x="7302055" y="5183506"/>
+            <a:ext cx="914400" cy="914400"/>
+          </a:xfrm>
+          <a:prstGeom prst="rect">
+            <a:avLst/>
+          </a:prstGeom>
+        </p:spPr>
+      </p:pic>
+      <p:pic>
+        <p:nvPicPr>
+          <p:cNvPr id="45" name="Content Placeholder 4" descr="Open folder">
+            <a:extLst>
+              <a:ext uri="{FF2B5EF4-FFF2-40B4-BE49-F238E27FC236}">
+                <a16:creationId xmlns:a16="http://schemas.microsoft.com/office/drawing/2014/main" id="{0BA499F9-509D-4C30-BBAC-03B5C08EC8D3}"/>
+              </a:ext>
+            </a:extLst>
+          </p:cNvPr>
+          <p:cNvPicPr>
+            <a:picLocks noChangeAspect="1"/>
+          </p:cNvPicPr>
+          <p:nvPr/>
+        </p:nvPicPr>
+        <p:blipFill>
+          <a:blip r:embed="rId2">
+            <a:extLst>
+              <a:ext uri="{28A0092B-C50C-407E-A947-70E740481C1C}">
+                <a14:useLocalDpi xmlns:a14="http://schemas.microsoft.com/office/drawing/2010/main" val="0"/>
+              </a:ext>
+              <a:ext uri="{96DAC541-7B7A-43D3-8B79-37D633B846F1}">
+                <asvg:svgBlip xmlns:asvg="http://schemas.microsoft.com/office/drawing/2016/SVG/main" r:embed="rId4"/>
+              </a:ext>
+            </a:extLst>
+          </a:blip>
+          <a:stretch>
+            <a:fillRect/>
+          </a:stretch>
+        </p:blipFill>
+        <p:spPr>
+          <a:xfrm>
+            <a:off x="8194508" y="2087960"/>
+            <a:ext cx="914400" cy="914400"/>
+          </a:xfrm>
+          <a:prstGeom prst="rect">
+            <a:avLst/>
+          </a:prstGeom>
+        </p:spPr>
+      </p:pic>
+      <p:pic>
+        <p:nvPicPr>
+          <p:cNvPr id="46" name="Content Placeholder 4" descr="Open folder">
+            <a:extLst>
+              <a:ext uri="{FF2B5EF4-FFF2-40B4-BE49-F238E27FC236}">
+                <a16:creationId xmlns:a16="http://schemas.microsoft.com/office/drawing/2014/main" id="{6008EA51-1DD3-424A-B408-8EBDF50D53CC}"/>
+              </a:ext>
+            </a:extLst>
+          </p:cNvPr>
+          <p:cNvPicPr>
+            <a:picLocks noChangeAspect="1"/>
+          </p:cNvPicPr>
+          <p:nvPr/>
+        </p:nvPicPr>
+        <p:blipFill>
+          <a:blip r:embed="rId2">
+            <a:extLst>
+              <a:ext uri="{28A0092B-C50C-407E-A947-70E740481C1C}">
+                <a14:useLocalDpi xmlns:a14="http://schemas.microsoft.com/office/drawing/2010/main" val="0"/>
+              </a:ext>
+              <a:ext uri="{96DAC541-7B7A-43D3-8B79-37D633B846F1}">
+                <asvg:svgBlip xmlns:asvg="http://schemas.microsoft.com/office/drawing/2016/SVG/main" r:embed="rId4"/>
+              </a:ext>
+            </a:extLst>
+          </a:blip>
+          <a:stretch>
+            <a:fillRect/>
+          </a:stretch>
+        </p:blipFill>
+        <p:spPr>
+          <a:xfrm>
+            <a:off x="9108908" y="2087960"/>
+            <a:ext cx="914400" cy="914400"/>
+          </a:xfrm>
+          <a:prstGeom prst="rect">
+            <a:avLst/>
+          </a:prstGeom>
+        </p:spPr>
+      </p:pic>
+      <p:pic>
+        <p:nvPicPr>
+          <p:cNvPr id="47" name="Content Placeholder 4" descr="Open folder">
+            <a:extLst>
+              <a:ext uri="{FF2B5EF4-FFF2-40B4-BE49-F238E27FC236}">
+                <a16:creationId xmlns:a16="http://schemas.microsoft.com/office/drawing/2014/main" id="{6F15FA40-C247-4AD5-B77A-A4E0A8CDFE0C}"/>
+              </a:ext>
+            </a:extLst>
+          </p:cNvPr>
+          <p:cNvPicPr>
+            <a:picLocks noChangeAspect="1"/>
+          </p:cNvPicPr>
+          <p:nvPr/>
+        </p:nvPicPr>
+        <p:blipFill>
+          <a:blip r:embed="rId2">
+            <a:extLst>
+              <a:ext uri="{28A0092B-C50C-407E-A947-70E740481C1C}">
+                <a14:useLocalDpi xmlns:a14="http://schemas.microsoft.com/office/drawing/2010/main" val="0"/>
+              </a:ext>
+              <a:ext uri="{96DAC541-7B7A-43D3-8B79-37D633B846F1}">
+                <asvg:svgBlip xmlns:asvg="http://schemas.microsoft.com/office/drawing/2016/SVG/main" r:embed="rId4"/>
+              </a:ext>
+            </a:extLst>
+          </a:blip>
+          <a:stretch>
+            <a:fillRect/>
+          </a:stretch>
+        </p:blipFill>
+        <p:spPr>
+          <a:xfrm>
+            <a:off x="10078292" y="2087960"/>
+            <a:ext cx="914400" cy="914400"/>
+          </a:xfrm>
+          <a:prstGeom prst="rect">
+            <a:avLst/>
+          </a:prstGeom>
+        </p:spPr>
+      </p:pic>
+      <p:pic>
+        <p:nvPicPr>
+          <p:cNvPr id="48" name="Content Placeholder 4" descr="Open folder">
+            <a:extLst>
+              <a:ext uri="{FF2B5EF4-FFF2-40B4-BE49-F238E27FC236}">
+                <a16:creationId xmlns:a16="http://schemas.microsoft.com/office/drawing/2014/main" id="{51884E9C-08BA-4CCA-A5DE-78AAA0DAB1B7}"/>
+              </a:ext>
+            </a:extLst>
+          </p:cNvPr>
+          <p:cNvPicPr>
+            <a:picLocks noChangeAspect="1"/>
+          </p:cNvPicPr>
+          <p:nvPr/>
+        </p:nvPicPr>
+        <p:blipFill>
+          <a:blip r:embed="rId2">
+            <a:extLst>
+              <a:ext uri="{28A0092B-C50C-407E-A947-70E740481C1C}">
+                <a14:useLocalDpi xmlns:a14="http://schemas.microsoft.com/office/drawing/2010/main" val="0"/>
+              </a:ext>
+              <a:ext uri="{96DAC541-7B7A-43D3-8B79-37D633B846F1}">
+                <asvg:svgBlip xmlns:asvg="http://schemas.microsoft.com/office/drawing/2016/SVG/main" r:embed="rId4"/>
+              </a:ext>
+            </a:extLst>
+          </a:blip>
+          <a:stretch>
+            <a:fillRect/>
+          </a:stretch>
+        </p:blipFill>
+        <p:spPr>
+          <a:xfrm>
+            <a:off x="8194508" y="2890441"/>
+            <a:ext cx="914400" cy="914400"/>
+          </a:xfrm>
+          <a:prstGeom prst="rect">
+            <a:avLst/>
+          </a:prstGeom>
+        </p:spPr>
+      </p:pic>
+      <p:pic>
+        <p:nvPicPr>
+          <p:cNvPr id="49" name="Content Placeholder 4" descr="Open folder">
+            <a:extLst>
+              <a:ext uri="{FF2B5EF4-FFF2-40B4-BE49-F238E27FC236}">
+                <a16:creationId xmlns:a16="http://schemas.microsoft.com/office/drawing/2014/main" id="{723C241A-50A9-43D4-8E16-149E7D3DEAFE}"/>
+              </a:ext>
+            </a:extLst>
+          </p:cNvPr>
+          <p:cNvPicPr>
+            <a:picLocks noChangeAspect="1"/>
+          </p:cNvPicPr>
+          <p:nvPr/>
+        </p:nvPicPr>
+        <p:blipFill>
+          <a:blip r:embed="rId2">
+            <a:extLst>
+              <a:ext uri="{28A0092B-C50C-407E-A947-70E740481C1C}">
+                <a14:useLocalDpi xmlns:a14="http://schemas.microsoft.com/office/drawing/2010/main" val="0"/>
+              </a:ext>
+              <a:ext uri="{96DAC541-7B7A-43D3-8B79-37D633B846F1}">
+                <asvg:svgBlip xmlns:asvg="http://schemas.microsoft.com/office/drawing/2016/SVG/main" r:embed="rId4"/>
+              </a:ext>
+            </a:extLst>
+          </a:blip>
+          <a:stretch>
+            <a:fillRect/>
+          </a:stretch>
+        </p:blipFill>
+        <p:spPr>
+          <a:xfrm>
+            <a:off x="9108908" y="2890441"/>
+            <a:ext cx="914400" cy="914400"/>
+          </a:xfrm>
+          <a:prstGeom prst="rect">
+            <a:avLst/>
+          </a:prstGeom>
+        </p:spPr>
+      </p:pic>
+      <p:pic>
+        <p:nvPicPr>
+          <p:cNvPr id="50" name="Content Placeholder 4" descr="Open folder">
+            <a:extLst>
+              <a:ext uri="{FF2B5EF4-FFF2-40B4-BE49-F238E27FC236}">
+                <a16:creationId xmlns:a16="http://schemas.microsoft.com/office/drawing/2014/main" id="{A85B91CB-907E-475E-89CA-09A760C498F5}"/>
+              </a:ext>
+            </a:extLst>
+          </p:cNvPr>
+          <p:cNvPicPr>
+            <a:picLocks noChangeAspect="1"/>
+          </p:cNvPicPr>
+          <p:nvPr/>
+        </p:nvPicPr>
+        <p:blipFill>
+          <a:blip r:embed="rId2">
+            <a:extLst>
+              <a:ext uri="{28A0092B-C50C-407E-A947-70E740481C1C}">
+                <a14:useLocalDpi xmlns:a14="http://schemas.microsoft.com/office/drawing/2010/main" val="0"/>
+              </a:ext>
+              <a:ext uri="{96DAC541-7B7A-43D3-8B79-37D633B846F1}">
+                <asvg:svgBlip xmlns:asvg="http://schemas.microsoft.com/office/drawing/2016/SVG/main" r:embed="rId4"/>
+              </a:ext>
+            </a:extLst>
+          </a:blip>
+          <a:stretch>
+            <a:fillRect/>
+          </a:stretch>
+        </p:blipFill>
+        <p:spPr>
+          <a:xfrm>
+            <a:off x="10078292" y="2890441"/>
+            <a:ext cx="914400" cy="914400"/>
+          </a:xfrm>
+          <a:prstGeom prst="rect">
+            <a:avLst/>
+          </a:prstGeom>
+        </p:spPr>
+      </p:pic>
+      <p:pic>
+        <p:nvPicPr>
+          <p:cNvPr id="51" name="Content Placeholder 4" descr="Open folder">
+            <a:extLst>
+              <a:ext uri="{FF2B5EF4-FFF2-40B4-BE49-F238E27FC236}">
+                <a16:creationId xmlns:a16="http://schemas.microsoft.com/office/drawing/2014/main" id="{BBAAD4FB-83C6-4CFE-A271-7D25E2C39B3A}"/>
+              </a:ext>
+            </a:extLst>
+          </p:cNvPr>
+          <p:cNvPicPr>
+            <a:picLocks noChangeAspect="1"/>
+          </p:cNvPicPr>
+          <p:nvPr/>
+        </p:nvPicPr>
+        <p:blipFill>
+          <a:blip r:embed="rId2">
+            <a:extLst>
+              <a:ext uri="{28A0092B-C50C-407E-A947-70E740481C1C}">
+                <a14:useLocalDpi xmlns:a14="http://schemas.microsoft.com/office/drawing/2010/main" val="0"/>
+              </a:ext>
+              <a:ext uri="{96DAC541-7B7A-43D3-8B79-37D633B846F1}">
+                <asvg:svgBlip xmlns:asvg="http://schemas.microsoft.com/office/drawing/2016/SVG/main" r:embed="rId4"/>
+              </a:ext>
+            </a:extLst>
+          </a:blip>
+          <a:stretch>
+            <a:fillRect/>
+          </a:stretch>
+        </p:blipFill>
+        <p:spPr>
+          <a:xfrm>
+            <a:off x="8194508" y="3663713"/>
+            <a:ext cx="914400" cy="914400"/>
+          </a:xfrm>
+          <a:prstGeom prst="rect">
+            <a:avLst/>
+          </a:prstGeom>
+        </p:spPr>
+      </p:pic>
+      <p:pic>
+        <p:nvPicPr>
+          <p:cNvPr id="52" name="Content Placeholder 4" descr="Open folder">
+            <a:extLst>
+              <a:ext uri="{FF2B5EF4-FFF2-40B4-BE49-F238E27FC236}">
+                <a16:creationId xmlns:a16="http://schemas.microsoft.com/office/drawing/2014/main" id="{AD796DFB-76AA-4A08-A29A-24036F9745E9}"/>
+              </a:ext>
+            </a:extLst>
+          </p:cNvPr>
+          <p:cNvPicPr>
+            <a:picLocks noChangeAspect="1"/>
+          </p:cNvPicPr>
+          <p:nvPr/>
+        </p:nvPicPr>
+        <p:blipFill>
+          <a:blip r:embed="rId2">
+            <a:extLst>
+              <a:ext uri="{28A0092B-C50C-407E-A947-70E740481C1C}">
+                <a14:useLocalDpi xmlns:a14="http://schemas.microsoft.com/office/drawing/2010/main" val="0"/>
+              </a:ext>
+              <a:ext uri="{96DAC541-7B7A-43D3-8B79-37D633B846F1}">
+                <asvg:svgBlip xmlns:asvg="http://schemas.microsoft.com/office/drawing/2016/SVG/main" r:embed="rId4"/>
+              </a:ext>
+            </a:extLst>
+          </a:blip>
+          <a:stretch>
+            <a:fillRect/>
+          </a:stretch>
+        </p:blipFill>
+        <p:spPr>
+          <a:xfrm>
+            <a:off x="9108908" y="3663713"/>
+            <a:ext cx="914400" cy="914400"/>
+          </a:xfrm>
+          <a:prstGeom prst="rect">
+            <a:avLst/>
+          </a:prstGeom>
+        </p:spPr>
+      </p:pic>
+      <p:pic>
+        <p:nvPicPr>
+          <p:cNvPr id="53" name="Content Placeholder 4" descr="Open folder">
+            <a:extLst>
+              <a:ext uri="{FF2B5EF4-FFF2-40B4-BE49-F238E27FC236}">
+                <a16:creationId xmlns:a16="http://schemas.microsoft.com/office/drawing/2014/main" id="{2AA6F1FD-C64E-42CB-9357-382EC3B0A917}"/>
+              </a:ext>
+            </a:extLst>
+          </p:cNvPr>
+          <p:cNvPicPr>
+            <a:picLocks noChangeAspect="1"/>
+          </p:cNvPicPr>
+          <p:nvPr/>
+        </p:nvPicPr>
+        <p:blipFill>
+          <a:blip r:embed="rId2">
+            <a:extLst>
+              <a:ext uri="{28A0092B-C50C-407E-A947-70E740481C1C}">
+                <a14:useLocalDpi xmlns:a14="http://schemas.microsoft.com/office/drawing/2010/main" val="0"/>
+              </a:ext>
+              <a:ext uri="{96DAC541-7B7A-43D3-8B79-37D633B846F1}">
+                <asvg:svgBlip xmlns:asvg="http://schemas.microsoft.com/office/drawing/2016/SVG/main" r:embed="rId4"/>
+              </a:ext>
+            </a:extLst>
+          </a:blip>
+          <a:stretch>
+            <a:fillRect/>
+          </a:stretch>
+        </p:blipFill>
+        <p:spPr>
+          <a:xfrm>
+            <a:off x="10078292" y="3663713"/>
+            <a:ext cx="914400" cy="914400"/>
+          </a:xfrm>
+          <a:prstGeom prst="rect">
+            <a:avLst/>
+          </a:prstGeom>
+        </p:spPr>
+      </p:pic>
+      <p:pic>
+        <p:nvPicPr>
+          <p:cNvPr id="54" name="Content Placeholder 4" descr="Open folder">
+            <a:extLst>
+              <a:ext uri="{FF2B5EF4-FFF2-40B4-BE49-F238E27FC236}">
+                <a16:creationId xmlns:a16="http://schemas.microsoft.com/office/drawing/2014/main" id="{0FE301F7-4103-4867-B7D6-89A3ECF3178F}"/>
+              </a:ext>
+            </a:extLst>
+          </p:cNvPr>
+          <p:cNvPicPr>
+            <a:picLocks noChangeAspect="1"/>
+          </p:cNvPicPr>
+          <p:nvPr/>
+        </p:nvPicPr>
+        <p:blipFill>
+          <a:blip r:embed="rId2">
+            <a:extLst>
+              <a:ext uri="{28A0092B-C50C-407E-A947-70E740481C1C}">
+                <a14:useLocalDpi xmlns:a14="http://schemas.microsoft.com/office/drawing/2010/main" val="0"/>
+              </a:ext>
+              <a:ext uri="{96DAC541-7B7A-43D3-8B79-37D633B846F1}">
+                <asvg:svgBlip xmlns:asvg="http://schemas.microsoft.com/office/drawing/2016/SVG/main" r:embed="rId4"/>
+              </a:ext>
+            </a:extLst>
+          </a:blip>
+          <a:stretch>
+            <a:fillRect/>
+          </a:stretch>
+        </p:blipFill>
+        <p:spPr>
+          <a:xfrm>
+            <a:off x="8194508" y="4325066"/>
+            <a:ext cx="914400" cy="914400"/>
+          </a:xfrm>
+          <a:prstGeom prst="rect">
+            <a:avLst/>
+          </a:prstGeom>
+        </p:spPr>
+      </p:pic>
+      <p:pic>
+        <p:nvPicPr>
+          <p:cNvPr id="55" name="Content Placeholder 4" descr="Open folder">
+            <a:extLst>
+              <a:ext uri="{FF2B5EF4-FFF2-40B4-BE49-F238E27FC236}">
+                <a16:creationId xmlns:a16="http://schemas.microsoft.com/office/drawing/2014/main" id="{7E4D7C25-3C17-4D96-8729-2E91D1600816}"/>
+              </a:ext>
+            </a:extLst>
+          </p:cNvPr>
+          <p:cNvPicPr>
+            <a:picLocks noChangeAspect="1"/>
+          </p:cNvPicPr>
+          <p:nvPr/>
+        </p:nvPicPr>
+        <p:blipFill>
+          <a:blip r:embed="rId2">
+            <a:extLst>
+              <a:ext uri="{28A0092B-C50C-407E-A947-70E740481C1C}">
+                <a14:useLocalDpi xmlns:a14="http://schemas.microsoft.com/office/drawing/2010/main" val="0"/>
+              </a:ext>
+              <a:ext uri="{96DAC541-7B7A-43D3-8B79-37D633B846F1}">
+                <asvg:svgBlip xmlns:asvg="http://schemas.microsoft.com/office/drawing/2016/SVG/main" r:embed="rId4"/>
+              </a:ext>
+            </a:extLst>
+          </a:blip>
+          <a:stretch>
+            <a:fillRect/>
+          </a:stretch>
+        </p:blipFill>
+        <p:spPr>
+          <a:xfrm>
+            <a:off x="9108908" y="4325066"/>
+            <a:ext cx="914400" cy="914400"/>
+          </a:xfrm>
+          <a:prstGeom prst="rect">
+            <a:avLst/>
+          </a:prstGeom>
+        </p:spPr>
+      </p:pic>
+      <p:pic>
+        <p:nvPicPr>
+          <p:cNvPr id="56" name="Content Placeholder 4" descr="Open folder">
+            <a:extLst>
+              <a:ext uri="{FF2B5EF4-FFF2-40B4-BE49-F238E27FC236}">
+                <a16:creationId xmlns:a16="http://schemas.microsoft.com/office/drawing/2014/main" id="{CFA7DFA6-C814-439F-9569-6E740BE8E692}"/>
+              </a:ext>
+            </a:extLst>
+          </p:cNvPr>
+          <p:cNvPicPr>
+            <a:picLocks noChangeAspect="1"/>
+          </p:cNvPicPr>
+          <p:nvPr/>
+        </p:nvPicPr>
+        <p:blipFill>
+          <a:blip r:embed="rId2">
+            <a:extLst>
+              <a:ext uri="{28A0092B-C50C-407E-A947-70E740481C1C}">
+                <a14:useLocalDpi xmlns:a14="http://schemas.microsoft.com/office/drawing/2010/main" val="0"/>
+              </a:ext>
+              <a:ext uri="{96DAC541-7B7A-43D3-8B79-37D633B846F1}">
+                <asvg:svgBlip xmlns:asvg="http://schemas.microsoft.com/office/drawing/2016/SVG/main" r:embed="rId4"/>
+              </a:ext>
+            </a:extLst>
+          </a:blip>
+          <a:stretch>
+            <a:fillRect/>
+          </a:stretch>
+        </p:blipFill>
+        <p:spPr>
+          <a:xfrm>
+            <a:off x="10078292" y="4325066"/>
+            <a:ext cx="914400" cy="914400"/>
+          </a:xfrm>
+          <a:prstGeom prst="rect">
+            <a:avLst/>
+          </a:prstGeom>
+        </p:spPr>
+      </p:pic>
+    </p:spTree>
+    <p:extLst>
+      <p:ext uri="{BB962C8B-B14F-4D97-AF65-F5344CB8AC3E}">
+        <p14:creationId xmlns:p14="http://schemas.microsoft.com/office/powerpoint/2010/main" val="1416446359"/>
       </p:ext>
     </p:extLst>
   </p:cSld>

--- a/Bigdata Basics.pptx
+++ b/Bigdata Basics.pptx
@@ -4,6 +4,9 @@
   <p:sldMasterIdLst>
     <p:sldMasterId id="2147483660" r:id="rId1"/>
   </p:sldMasterIdLst>
+  <p:notesMasterIdLst>
+    <p:notesMasterId r:id="rId22"/>
+  </p:notesMasterIdLst>
   <p:sldIdLst>
     <p:sldId id="256" r:id="rId2"/>
     <p:sldId id="257" r:id="rId3"/>
@@ -16,6 +19,15 @@
     <p:sldId id="264" r:id="rId10"/>
     <p:sldId id="265" r:id="rId11"/>
     <p:sldId id="266" r:id="rId12"/>
+    <p:sldId id="267" r:id="rId13"/>
+    <p:sldId id="268" r:id="rId14"/>
+    <p:sldId id="269" r:id="rId15"/>
+    <p:sldId id="270" r:id="rId16"/>
+    <p:sldId id="271" r:id="rId17"/>
+    <p:sldId id="272" r:id="rId18"/>
+    <p:sldId id="273" r:id="rId19"/>
+    <p:sldId id="274" r:id="rId20"/>
+    <p:sldId id="275" r:id="rId21"/>
   </p:sldIdLst>
   <p:sldSz cx="12192000" cy="6858000"/>
   <p:notesSz cx="6858000" cy="9144000"/>
@@ -115,6 +127,440 @@
     </a:lvl9pPr>
   </p:defaultTextStyle>
 </p:presentation>
+</file>
+
+<file path=ppt/notesMasters/notesMaster1.xml><?xml version="1.0" encoding="utf-8"?>
+<p:notesMaster xmlns:a="http://schemas.openxmlformats.org/drawingml/2006/main" xmlns:r="http://schemas.openxmlformats.org/officeDocument/2006/relationships" xmlns:p="http://schemas.openxmlformats.org/presentationml/2006/main">
+  <p:cSld>
+    <p:bg>
+      <p:bgRef idx="1001">
+        <a:schemeClr val="bg1"/>
+      </p:bgRef>
+    </p:bg>
+    <p:spTree>
+      <p:nvGrpSpPr>
+        <p:cNvPr id="1" name=""/>
+        <p:cNvGrpSpPr/>
+        <p:nvPr/>
+      </p:nvGrpSpPr>
+      <p:grpSpPr>
+        <a:xfrm>
+          <a:off x="0" y="0"/>
+          <a:ext cx="0" cy="0"/>
+          <a:chOff x="0" y="0"/>
+          <a:chExt cx="0" cy="0"/>
+        </a:xfrm>
+      </p:grpSpPr>
+      <p:sp>
+        <p:nvSpPr>
+          <p:cNvPr id="2" name="Header Placeholder 1"/>
+          <p:cNvSpPr>
+            <a:spLocks noGrp="1"/>
+          </p:cNvSpPr>
+          <p:nvPr>
+            <p:ph type="hdr" sz="quarter"/>
+          </p:nvPr>
+        </p:nvSpPr>
+        <p:spPr>
+          <a:xfrm>
+            <a:off x="0" y="0"/>
+            <a:ext cx="2971800" cy="458788"/>
+          </a:xfrm>
+          <a:prstGeom prst="rect">
+            <a:avLst/>
+          </a:prstGeom>
+        </p:spPr>
+        <p:txBody>
+          <a:bodyPr vert="horz" lIns="91440" tIns="45720" rIns="91440" bIns="45720" rtlCol="0"/>
+          <a:lstStyle>
+            <a:lvl1pPr algn="l">
+              <a:defRPr sz="1200"/>
+            </a:lvl1pPr>
+          </a:lstStyle>
+          <a:p>
+            <a:endParaRPr lang="en-IN"/>
+          </a:p>
+        </p:txBody>
+      </p:sp>
+      <p:sp>
+        <p:nvSpPr>
+          <p:cNvPr id="3" name="Date Placeholder 2"/>
+          <p:cNvSpPr>
+            <a:spLocks noGrp="1"/>
+          </p:cNvSpPr>
+          <p:nvPr>
+            <p:ph type="dt" idx="1"/>
+          </p:nvPr>
+        </p:nvSpPr>
+        <p:spPr>
+          <a:xfrm>
+            <a:off x="3884613" y="0"/>
+            <a:ext cx="2971800" cy="458788"/>
+          </a:xfrm>
+          <a:prstGeom prst="rect">
+            <a:avLst/>
+          </a:prstGeom>
+        </p:spPr>
+        <p:txBody>
+          <a:bodyPr vert="horz" lIns="91440" tIns="45720" rIns="91440" bIns="45720" rtlCol="0"/>
+          <a:lstStyle>
+            <a:lvl1pPr algn="r">
+              <a:defRPr sz="1200"/>
+            </a:lvl1pPr>
+          </a:lstStyle>
+          <a:p>
+            <a:fld id="{0A115888-4A63-4ABC-97DD-049E6720ACF6}" type="datetimeFigureOut">
+              <a:rPr lang="en-IN" smtClean="0"/>
+              <a:t>2020/06/15</a:t>
+            </a:fld>
+            <a:endParaRPr lang="en-IN"/>
+          </a:p>
+        </p:txBody>
+      </p:sp>
+      <p:sp>
+        <p:nvSpPr>
+          <p:cNvPr id="4" name="Slide Image Placeholder 3"/>
+          <p:cNvSpPr>
+            <a:spLocks noGrp="1" noRot="1" noChangeAspect="1"/>
+          </p:cNvSpPr>
+          <p:nvPr>
+            <p:ph type="sldImg" idx="2"/>
+          </p:nvPr>
+        </p:nvSpPr>
+        <p:spPr>
+          <a:xfrm>
+            <a:off x="685800" y="1143000"/>
+            <a:ext cx="5486400" cy="3086100"/>
+          </a:xfrm>
+          <a:prstGeom prst="rect">
+            <a:avLst/>
+          </a:prstGeom>
+          <a:noFill/>
+          <a:ln w="12700">
+            <a:solidFill>
+              <a:prstClr val="black"/>
+            </a:solidFill>
+          </a:ln>
+        </p:spPr>
+        <p:txBody>
+          <a:bodyPr vert="horz" lIns="91440" tIns="45720" rIns="91440" bIns="45720" rtlCol="0" anchor="ctr"/>
+          <a:lstStyle/>
+          <a:p>
+            <a:endParaRPr lang="en-IN"/>
+          </a:p>
+        </p:txBody>
+      </p:sp>
+      <p:sp>
+        <p:nvSpPr>
+          <p:cNvPr id="5" name="Notes Placeholder 4"/>
+          <p:cNvSpPr>
+            <a:spLocks noGrp="1"/>
+          </p:cNvSpPr>
+          <p:nvPr>
+            <p:ph type="body" sz="quarter" idx="3"/>
+          </p:nvPr>
+        </p:nvSpPr>
+        <p:spPr>
+          <a:xfrm>
+            <a:off x="685800" y="4400550"/>
+            <a:ext cx="5486400" cy="3600450"/>
+          </a:xfrm>
+          <a:prstGeom prst="rect">
+            <a:avLst/>
+          </a:prstGeom>
+        </p:spPr>
+        <p:txBody>
+          <a:bodyPr vert="horz" lIns="91440" tIns="45720" rIns="91440" bIns="45720" rtlCol="0"/>
+          <a:lstStyle/>
+          <a:p>
+            <a:pPr lvl="0"/>
+            <a:r>
+              <a:rPr lang="en-US"/>
+              <a:t>Click to edit Master text styles</a:t>
+            </a:r>
+          </a:p>
+          <a:p>
+            <a:pPr lvl="1"/>
+            <a:r>
+              <a:rPr lang="en-US"/>
+              <a:t>Second level</a:t>
+            </a:r>
+          </a:p>
+          <a:p>
+            <a:pPr lvl="2"/>
+            <a:r>
+              <a:rPr lang="en-US"/>
+              <a:t>Third level</a:t>
+            </a:r>
+          </a:p>
+          <a:p>
+            <a:pPr lvl="3"/>
+            <a:r>
+              <a:rPr lang="en-US"/>
+              <a:t>Fourth level</a:t>
+            </a:r>
+          </a:p>
+          <a:p>
+            <a:pPr lvl="4"/>
+            <a:r>
+              <a:rPr lang="en-US"/>
+              <a:t>Fifth level</a:t>
+            </a:r>
+            <a:endParaRPr lang="en-IN"/>
+          </a:p>
+        </p:txBody>
+      </p:sp>
+      <p:sp>
+        <p:nvSpPr>
+          <p:cNvPr id="6" name="Footer Placeholder 5"/>
+          <p:cNvSpPr>
+            <a:spLocks noGrp="1"/>
+          </p:cNvSpPr>
+          <p:nvPr>
+            <p:ph type="ftr" sz="quarter" idx="4"/>
+          </p:nvPr>
+        </p:nvSpPr>
+        <p:spPr>
+          <a:xfrm>
+            <a:off x="0" y="8685213"/>
+            <a:ext cx="2971800" cy="458787"/>
+          </a:xfrm>
+          <a:prstGeom prst="rect">
+            <a:avLst/>
+          </a:prstGeom>
+        </p:spPr>
+        <p:txBody>
+          <a:bodyPr vert="horz" lIns="91440" tIns="45720" rIns="91440" bIns="45720" rtlCol="0" anchor="b"/>
+          <a:lstStyle>
+            <a:lvl1pPr algn="l">
+              <a:defRPr sz="1200"/>
+            </a:lvl1pPr>
+          </a:lstStyle>
+          <a:p>
+            <a:endParaRPr lang="en-IN"/>
+          </a:p>
+        </p:txBody>
+      </p:sp>
+      <p:sp>
+        <p:nvSpPr>
+          <p:cNvPr id="7" name="Slide Number Placeholder 6"/>
+          <p:cNvSpPr>
+            <a:spLocks noGrp="1"/>
+          </p:cNvSpPr>
+          <p:nvPr>
+            <p:ph type="sldNum" sz="quarter" idx="5"/>
+          </p:nvPr>
+        </p:nvSpPr>
+        <p:spPr>
+          <a:xfrm>
+            <a:off x="3884613" y="8685213"/>
+            <a:ext cx="2971800" cy="458787"/>
+          </a:xfrm>
+          <a:prstGeom prst="rect">
+            <a:avLst/>
+          </a:prstGeom>
+        </p:spPr>
+        <p:txBody>
+          <a:bodyPr vert="horz" lIns="91440" tIns="45720" rIns="91440" bIns="45720" rtlCol="0" anchor="b"/>
+          <a:lstStyle>
+            <a:lvl1pPr algn="r">
+              <a:defRPr sz="1200"/>
+            </a:lvl1pPr>
+          </a:lstStyle>
+          <a:p>
+            <a:fld id="{952D9CAF-861B-433B-B1F1-B1AE4E3D96BA}" type="slidenum">
+              <a:rPr lang="en-IN" smtClean="0"/>
+              <a:t>‹#›</a:t>
+            </a:fld>
+            <a:endParaRPr lang="en-IN"/>
+          </a:p>
+        </p:txBody>
+      </p:sp>
+    </p:spTree>
+    <p:extLst>
+      <p:ext uri="{BB962C8B-B14F-4D97-AF65-F5344CB8AC3E}">
+        <p14:creationId xmlns:p14="http://schemas.microsoft.com/office/powerpoint/2010/main" val="1960702166"/>
+      </p:ext>
+    </p:extLst>
+  </p:cSld>
+  <p:clrMap bg1="lt1" tx1="dk1" bg2="lt2" tx2="dk2" accent1="accent1" accent2="accent2" accent3="accent3" accent4="accent4" accent5="accent5" accent6="accent6" hlink="hlink" folHlink="folHlink"/>
+  <p:notesStyle>
+    <a:lvl1pPr marL="0" algn="l" defTabSz="914400" rtl="0" eaLnBrk="1" latinLnBrk="0" hangingPunct="1">
+      <a:defRPr sz="1200" kern="1200">
+        <a:solidFill>
+          <a:schemeClr val="tx1"/>
+        </a:solidFill>
+        <a:latin typeface="+mn-lt"/>
+        <a:ea typeface="+mn-ea"/>
+        <a:cs typeface="+mn-cs"/>
+      </a:defRPr>
+    </a:lvl1pPr>
+    <a:lvl2pPr marL="457200" algn="l" defTabSz="914400" rtl="0" eaLnBrk="1" latinLnBrk="0" hangingPunct="1">
+      <a:defRPr sz="1200" kern="1200">
+        <a:solidFill>
+          <a:schemeClr val="tx1"/>
+        </a:solidFill>
+        <a:latin typeface="+mn-lt"/>
+        <a:ea typeface="+mn-ea"/>
+        <a:cs typeface="+mn-cs"/>
+      </a:defRPr>
+    </a:lvl2pPr>
+    <a:lvl3pPr marL="914400" algn="l" defTabSz="914400" rtl="0" eaLnBrk="1" latinLnBrk="0" hangingPunct="1">
+      <a:defRPr sz="1200" kern="1200">
+        <a:solidFill>
+          <a:schemeClr val="tx1"/>
+        </a:solidFill>
+        <a:latin typeface="+mn-lt"/>
+        <a:ea typeface="+mn-ea"/>
+        <a:cs typeface="+mn-cs"/>
+      </a:defRPr>
+    </a:lvl3pPr>
+    <a:lvl4pPr marL="1371600" algn="l" defTabSz="914400" rtl="0" eaLnBrk="1" latinLnBrk="0" hangingPunct="1">
+      <a:defRPr sz="1200" kern="1200">
+        <a:solidFill>
+          <a:schemeClr val="tx1"/>
+        </a:solidFill>
+        <a:latin typeface="+mn-lt"/>
+        <a:ea typeface="+mn-ea"/>
+        <a:cs typeface="+mn-cs"/>
+      </a:defRPr>
+    </a:lvl4pPr>
+    <a:lvl5pPr marL="1828800" algn="l" defTabSz="914400" rtl="0" eaLnBrk="1" latinLnBrk="0" hangingPunct="1">
+      <a:defRPr sz="1200" kern="1200">
+        <a:solidFill>
+          <a:schemeClr val="tx1"/>
+        </a:solidFill>
+        <a:latin typeface="+mn-lt"/>
+        <a:ea typeface="+mn-ea"/>
+        <a:cs typeface="+mn-cs"/>
+      </a:defRPr>
+    </a:lvl5pPr>
+    <a:lvl6pPr marL="2286000" algn="l" defTabSz="914400" rtl="0" eaLnBrk="1" latinLnBrk="0" hangingPunct="1">
+      <a:defRPr sz="1200" kern="1200">
+        <a:solidFill>
+          <a:schemeClr val="tx1"/>
+        </a:solidFill>
+        <a:latin typeface="+mn-lt"/>
+        <a:ea typeface="+mn-ea"/>
+        <a:cs typeface="+mn-cs"/>
+      </a:defRPr>
+    </a:lvl6pPr>
+    <a:lvl7pPr marL="2743200" algn="l" defTabSz="914400" rtl="0" eaLnBrk="1" latinLnBrk="0" hangingPunct="1">
+      <a:defRPr sz="1200" kern="1200">
+        <a:solidFill>
+          <a:schemeClr val="tx1"/>
+        </a:solidFill>
+        <a:latin typeface="+mn-lt"/>
+        <a:ea typeface="+mn-ea"/>
+        <a:cs typeface="+mn-cs"/>
+      </a:defRPr>
+    </a:lvl7pPr>
+    <a:lvl8pPr marL="3200400" algn="l" defTabSz="914400" rtl="0" eaLnBrk="1" latinLnBrk="0" hangingPunct="1">
+      <a:defRPr sz="1200" kern="1200">
+        <a:solidFill>
+          <a:schemeClr val="tx1"/>
+        </a:solidFill>
+        <a:latin typeface="+mn-lt"/>
+        <a:ea typeface="+mn-ea"/>
+        <a:cs typeface="+mn-cs"/>
+      </a:defRPr>
+    </a:lvl8pPr>
+    <a:lvl9pPr marL="3657600" algn="l" defTabSz="914400" rtl="0" eaLnBrk="1" latinLnBrk="0" hangingPunct="1">
+      <a:defRPr sz="1200" kern="1200">
+        <a:solidFill>
+          <a:schemeClr val="tx1"/>
+        </a:solidFill>
+        <a:latin typeface="+mn-lt"/>
+        <a:ea typeface="+mn-ea"/>
+        <a:cs typeface="+mn-cs"/>
+      </a:defRPr>
+    </a:lvl9pPr>
+  </p:notesStyle>
+</p:notesMaster>
+</file>
+
+<file path=ppt/notesSlides/notesSlide1.xml><?xml version="1.0" encoding="utf-8"?>
+<p:notes xmlns:a="http://schemas.openxmlformats.org/drawingml/2006/main" xmlns:r="http://schemas.openxmlformats.org/officeDocument/2006/relationships" xmlns:p="http://schemas.openxmlformats.org/presentationml/2006/main">
+  <p:cSld>
+    <p:spTree>
+      <p:nvGrpSpPr>
+        <p:cNvPr id="1" name=""/>
+        <p:cNvGrpSpPr/>
+        <p:nvPr/>
+      </p:nvGrpSpPr>
+      <p:grpSpPr>
+        <a:xfrm>
+          <a:off x="0" y="0"/>
+          <a:ext cx="0" cy="0"/>
+          <a:chOff x="0" y="0"/>
+          <a:chExt cx="0" cy="0"/>
+        </a:xfrm>
+      </p:grpSpPr>
+      <p:sp>
+        <p:nvSpPr>
+          <p:cNvPr id="2" name="Slide Image Placeholder 1"/>
+          <p:cNvSpPr>
+            <a:spLocks noGrp="1" noRot="1" noChangeAspect="1"/>
+          </p:cNvSpPr>
+          <p:nvPr>
+            <p:ph type="sldImg"/>
+          </p:nvPr>
+        </p:nvSpPr>
+        <p:spPr/>
+      </p:sp>
+      <p:sp>
+        <p:nvSpPr>
+          <p:cNvPr id="3" name="Notes Placeholder 2"/>
+          <p:cNvSpPr>
+            <a:spLocks noGrp="1"/>
+          </p:cNvSpPr>
+          <p:nvPr>
+            <p:ph type="body" idx="1"/>
+          </p:nvPr>
+        </p:nvSpPr>
+        <p:spPr/>
+        <p:txBody>
+          <a:bodyPr/>
+          <a:lstStyle/>
+          <a:p>
+            <a:endParaRPr lang="en-IN" dirty="0"/>
+          </a:p>
+        </p:txBody>
+      </p:sp>
+      <p:sp>
+        <p:nvSpPr>
+          <p:cNvPr id="4" name="Slide Number Placeholder 3"/>
+          <p:cNvSpPr>
+            <a:spLocks noGrp="1"/>
+          </p:cNvSpPr>
+          <p:nvPr>
+            <p:ph type="sldNum" sz="quarter" idx="5"/>
+          </p:nvPr>
+        </p:nvSpPr>
+        <p:spPr/>
+        <p:txBody>
+          <a:bodyPr/>
+          <a:lstStyle/>
+          <a:p>
+            <a:fld id="{952D9CAF-861B-433B-B1F1-B1AE4E3D96BA}" type="slidenum">
+              <a:rPr lang="en-IN" smtClean="0"/>
+              <a:t>14</a:t>
+            </a:fld>
+            <a:endParaRPr lang="en-IN"/>
+          </a:p>
+        </p:txBody>
+      </p:sp>
+    </p:spTree>
+    <p:extLst>
+      <p:ext uri="{BB962C8B-B14F-4D97-AF65-F5344CB8AC3E}">
+        <p14:creationId xmlns:p14="http://schemas.microsoft.com/office/powerpoint/2010/main" val="2860464035"/>
+      </p:ext>
+    </p:extLst>
+  </p:cSld>
+  <p:clrMapOvr>
+    <a:masterClrMapping/>
+  </p:clrMapOvr>
+</p:notes>
 </file>
 
 <file path=ppt/slideLayouts/slideLayout1.xml><?xml version="1.0" encoding="utf-8"?>
@@ -6670,6 +7116,1637 @@
 </p:sld>
 </file>
 
+<file path=ppt/slides/slide12.xml><?xml version="1.0" encoding="utf-8"?>
+<p:sld xmlns:a="http://schemas.openxmlformats.org/drawingml/2006/main" xmlns:r="http://schemas.openxmlformats.org/officeDocument/2006/relationships" xmlns:p="http://schemas.openxmlformats.org/presentationml/2006/main">
+  <p:cSld>
+    <p:spTree>
+      <p:nvGrpSpPr>
+        <p:cNvPr id="1" name=""/>
+        <p:cNvGrpSpPr/>
+        <p:nvPr/>
+      </p:nvGrpSpPr>
+      <p:grpSpPr>
+        <a:xfrm>
+          <a:off x="0" y="0"/>
+          <a:ext cx="0" cy="0"/>
+          <a:chOff x="0" y="0"/>
+          <a:chExt cx="0" cy="0"/>
+        </a:xfrm>
+      </p:grpSpPr>
+      <p:sp>
+        <p:nvSpPr>
+          <p:cNvPr id="2" name="Title 1">
+            <a:extLst>
+              <a:ext uri="{FF2B5EF4-FFF2-40B4-BE49-F238E27FC236}">
+                <a16:creationId xmlns:a16="http://schemas.microsoft.com/office/drawing/2014/main" id="{036D666D-A952-4598-9ACC-A562DE116CA2}"/>
+              </a:ext>
+            </a:extLst>
+          </p:cNvPr>
+          <p:cNvSpPr>
+            <a:spLocks noGrp="1"/>
+          </p:cNvSpPr>
+          <p:nvPr>
+            <p:ph type="title"/>
+          </p:nvPr>
+        </p:nvSpPr>
+        <p:spPr/>
+        <p:txBody>
+          <a:bodyPr/>
+          <a:lstStyle/>
+          <a:p>
+            <a:r>
+              <a:rPr lang="en-IN" dirty="0"/>
+              <a:t>RDBMS</a:t>
+            </a:r>
+          </a:p>
+        </p:txBody>
+      </p:sp>
+      <p:sp>
+        <p:nvSpPr>
+          <p:cNvPr id="3" name="Content Placeholder 2">
+            <a:extLst>
+              <a:ext uri="{FF2B5EF4-FFF2-40B4-BE49-F238E27FC236}">
+                <a16:creationId xmlns:a16="http://schemas.microsoft.com/office/drawing/2014/main" id="{E3990CB8-ABC3-42EB-B8C7-D64E9D34C3CD}"/>
+              </a:ext>
+            </a:extLst>
+          </p:cNvPr>
+          <p:cNvSpPr>
+            <a:spLocks noGrp="1"/>
+          </p:cNvSpPr>
+          <p:nvPr>
+            <p:ph idx="1"/>
+          </p:nvPr>
+        </p:nvSpPr>
+        <p:spPr/>
+        <p:txBody>
+          <a:bodyPr/>
+          <a:lstStyle/>
+          <a:p>
+            <a:r>
+              <a:rPr lang="en-IN" dirty="0"/>
+              <a:t>RDBMS – Relational Database Management System</a:t>
+            </a:r>
+          </a:p>
+          <a:p>
+            <a:r>
+              <a:rPr lang="en-IN" dirty="0"/>
+              <a:t>All the data's were in key and value format</a:t>
+            </a:r>
+          </a:p>
+          <a:p>
+            <a:r>
+              <a:rPr lang="en-IN" dirty="0"/>
+              <a:t>Structure of the entire table should be with equal rows and columns, Structure will be unique for the entire table</a:t>
+            </a:r>
+          </a:p>
+          <a:p>
+            <a:r>
+              <a:rPr lang="en-IN" dirty="0"/>
+              <a:t>If you do any transaction in RDBMS it need to follow the ACID Properties(Rules and regulations for the standard)</a:t>
+            </a:r>
+          </a:p>
+          <a:p>
+            <a:r>
+              <a:rPr lang="en-IN" dirty="0"/>
+              <a:t>Structural database</a:t>
+            </a:r>
+          </a:p>
+          <a:p>
+            <a:r>
+              <a:rPr lang="en-IN" dirty="0"/>
+              <a:t>ACID Properties</a:t>
+            </a:r>
+          </a:p>
+        </p:txBody>
+      </p:sp>
+    </p:spTree>
+    <p:extLst>
+      <p:ext uri="{BB962C8B-B14F-4D97-AF65-F5344CB8AC3E}">
+        <p14:creationId xmlns:p14="http://schemas.microsoft.com/office/powerpoint/2010/main" val="2999655386"/>
+      </p:ext>
+    </p:extLst>
+  </p:cSld>
+  <p:clrMapOvr>
+    <a:masterClrMapping/>
+  </p:clrMapOvr>
+</p:sld>
+</file>
+
+<file path=ppt/slides/slide13.xml><?xml version="1.0" encoding="utf-8"?>
+<p:sld xmlns:a="http://schemas.openxmlformats.org/drawingml/2006/main" xmlns:r="http://schemas.openxmlformats.org/officeDocument/2006/relationships" xmlns:p="http://schemas.openxmlformats.org/presentationml/2006/main">
+  <p:cSld>
+    <p:spTree>
+      <p:nvGrpSpPr>
+        <p:cNvPr id="1" name=""/>
+        <p:cNvGrpSpPr/>
+        <p:nvPr/>
+      </p:nvGrpSpPr>
+      <p:grpSpPr>
+        <a:xfrm>
+          <a:off x="0" y="0"/>
+          <a:ext cx="0" cy="0"/>
+          <a:chOff x="0" y="0"/>
+          <a:chExt cx="0" cy="0"/>
+        </a:xfrm>
+      </p:grpSpPr>
+      <p:sp>
+        <p:nvSpPr>
+          <p:cNvPr id="2" name="Title 1">
+            <a:extLst>
+              <a:ext uri="{FF2B5EF4-FFF2-40B4-BE49-F238E27FC236}">
+                <a16:creationId xmlns:a16="http://schemas.microsoft.com/office/drawing/2014/main" id="{8E2AF74F-1D80-4A79-9599-07B4C1380978}"/>
+              </a:ext>
+            </a:extLst>
+          </p:cNvPr>
+          <p:cNvSpPr>
+            <a:spLocks noGrp="1"/>
+          </p:cNvSpPr>
+          <p:nvPr>
+            <p:ph type="title"/>
+          </p:nvPr>
+        </p:nvSpPr>
+        <p:spPr/>
+        <p:txBody>
+          <a:bodyPr/>
+          <a:lstStyle/>
+          <a:p>
+            <a:r>
+              <a:rPr lang="en-IN" dirty="0"/>
+              <a:t>RDBMS</a:t>
+            </a:r>
+          </a:p>
+        </p:txBody>
+      </p:sp>
+      <p:sp>
+        <p:nvSpPr>
+          <p:cNvPr id="3" name="Content Placeholder 2">
+            <a:extLst>
+              <a:ext uri="{FF2B5EF4-FFF2-40B4-BE49-F238E27FC236}">
+                <a16:creationId xmlns:a16="http://schemas.microsoft.com/office/drawing/2014/main" id="{DC460B71-CCFA-4695-9747-A22BFAF6E069}"/>
+              </a:ext>
+            </a:extLst>
+          </p:cNvPr>
+          <p:cNvSpPr>
+            <a:spLocks noGrp="1"/>
+          </p:cNvSpPr>
+          <p:nvPr>
+            <p:ph idx="1"/>
+          </p:nvPr>
+        </p:nvSpPr>
+        <p:spPr/>
+        <p:txBody>
+          <a:bodyPr/>
+          <a:lstStyle/>
+          <a:p>
+            <a:r>
+              <a:rPr lang="en-IN" dirty="0"/>
+              <a:t>Microsoft SQL – express edition – 10 GB max volume</a:t>
+            </a:r>
+          </a:p>
+          <a:p>
+            <a:r>
+              <a:rPr lang="en-IN" dirty="0"/>
+              <a:t>MYSQL – Max Volume 64 TB - IOPS 80000 </a:t>
+            </a:r>
+          </a:p>
+          <a:p>
+            <a:r>
+              <a:rPr lang="en-IN" dirty="0"/>
+              <a:t>Postgres - Max Volume 64 TB - IOPS 80000 </a:t>
+            </a:r>
+          </a:p>
+          <a:p>
+            <a:r>
+              <a:rPr lang="en-IN" dirty="0"/>
+              <a:t>MariaDB - Max Volume 64 TB – IOPS 80000 - </a:t>
+            </a:r>
+          </a:p>
+          <a:p>
+            <a:r>
+              <a:rPr lang="en-IN" dirty="0"/>
+              <a:t>Oracle DB – Max Volume128 TB </a:t>
+            </a:r>
+          </a:p>
+          <a:p>
+            <a:r>
+              <a:rPr lang="en-IN" dirty="0"/>
+              <a:t>Amazon Aurora - Max Volume 64 TB</a:t>
+            </a:r>
+          </a:p>
+          <a:p>
+            <a:endParaRPr lang="en-IN" dirty="0"/>
+          </a:p>
+          <a:p>
+            <a:r>
+              <a:rPr lang="en-IN" dirty="0"/>
+              <a:t>In all those RDBMS Databases, What will be the min and maximum volume  and computing capacity it supports.</a:t>
+            </a:r>
+          </a:p>
+          <a:p>
+            <a:endParaRPr lang="en-IN" dirty="0"/>
+          </a:p>
+        </p:txBody>
+      </p:sp>
+    </p:spTree>
+    <p:extLst>
+      <p:ext uri="{BB962C8B-B14F-4D97-AF65-F5344CB8AC3E}">
+        <p14:creationId xmlns:p14="http://schemas.microsoft.com/office/powerpoint/2010/main" val="704038836"/>
+      </p:ext>
+    </p:extLst>
+  </p:cSld>
+  <p:clrMapOvr>
+    <a:masterClrMapping/>
+  </p:clrMapOvr>
+</p:sld>
+</file>
+
+<file path=ppt/slides/slide14.xml><?xml version="1.0" encoding="utf-8"?>
+<p:sld xmlns:a="http://schemas.openxmlformats.org/drawingml/2006/main" xmlns:r="http://schemas.openxmlformats.org/officeDocument/2006/relationships" xmlns:p="http://schemas.openxmlformats.org/presentationml/2006/main">
+  <p:cSld>
+    <p:spTree>
+      <p:nvGrpSpPr>
+        <p:cNvPr id="1" name=""/>
+        <p:cNvGrpSpPr/>
+        <p:nvPr/>
+      </p:nvGrpSpPr>
+      <p:grpSpPr>
+        <a:xfrm>
+          <a:off x="0" y="0"/>
+          <a:ext cx="0" cy="0"/>
+          <a:chOff x="0" y="0"/>
+          <a:chExt cx="0" cy="0"/>
+        </a:xfrm>
+      </p:grpSpPr>
+      <p:sp>
+        <p:nvSpPr>
+          <p:cNvPr id="2" name="Title 1">
+            <a:extLst>
+              <a:ext uri="{FF2B5EF4-FFF2-40B4-BE49-F238E27FC236}">
+                <a16:creationId xmlns:a16="http://schemas.microsoft.com/office/drawing/2014/main" id="{A41FB57B-FD6B-420F-9034-6147FDB33434}"/>
+              </a:ext>
+            </a:extLst>
+          </p:cNvPr>
+          <p:cNvSpPr>
+            <a:spLocks noGrp="1"/>
+          </p:cNvSpPr>
+          <p:nvPr>
+            <p:ph type="title"/>
+          </p:nvPr>
+        </p:nvSpPr>
+        <p:spPr/>
+        <p:txBody>
+          <a:bodyPr/>
+          <a:lstStyle/>
+          <a:p>
+            <a:endParaRPr lang="en-IN"/>
+          </a:p>
+        </p:txBody>
+      </p:sp>
+      <p:pic>
+        <p:nvPicPr>
+          <p:cNvPr id="5" name="Content Placeholder 4" descr="Database">
+            <a:extLst>
+              <a:ext uri="{FF2B5EF4-FFF2-40B4-BE49-F238E27FC236}">
+                <a16:creationId xmlns:a16="http://schemas.microsoft.com/office/drawing/2014/main" id="{92B13CF7-3BCE-476B-AC68-5B4B1BF46403}"/>
+              </a:ext>
+            </a:extLst>
+          </p:cNvPr>
+          <p:cNvPicPr>
+            <a:picLocks noGrp="1" noChangeAspect="1"/>
+          </p:cNvPicPr>
+          <p:nvPr>
+            <p:ph idx="1"/>
+          </p:nvPr>
+        </p:nvPicPr>
+        <p:blipFill>
+          <a:blip r:embed="rId3">
+            <a:extLst>
+              <a:ext uri="{28A0092B-C50C-407E-A947-70E740481C1C}">
+                <a14:useLocalDpi xmlns:a14="http://schemas.microsoft.com/office/drawing/2010/main" val="0"/>
+              </a:ext>
+              <a:ext uri="{96DAC541-7B7A-43D3-8B79-37D633B846F1}">
+                <asvg:svgBlip xmlns:asvg="http://schemas.microsoft.com/office/drawing/2016/SVG/main" r:embed="rId4"/>
+              </a:ext>
+            </a:extLst>
+          </a:blip>
+          <a:stretch>
+            <a:fillRect/>
+          </a:stretch>
+        </p:blipFill>
+        <p:spPr>
+          <a:xfrm>
+            <a:off x="7207106" y="2865107"/>
+            <a:ext cx="2095428" cy="2095428"/>
+          </a:xfrm>
+        </p:spPr>
+      </p:pic>
+      <p:pic>
+        <p:nvPicPr>
+          <p:cNvPr id="7" name="Graphic 6" descr="Internet">
+            <a:extLst>
+              <a:ext uri="{FF2B5EF4-FFF2-40B4-BE49-F238E27FC236}">
+                <a16:creationId xmlns:a16="http://schemas.microsoft.com/office/drawing/2014/main" id="{2B6474D1-36B0-48D1-9855-9B6FE6B20E48}"/>
+              </a:ext>
+            </a:extLst>
+          </p:cNvPr>
+          <p:cNvPicPr>
+            <a:picLocks noChangeAspect="1"/>
+          </p:cNvPicPr>
+          <p:nvPr/>
+        </p:nvPicPr>
+        <p:blipFill>
+          <a:blip r:embed="rId5">
+            <a:extLst>
+              <a:ext uri="{28A0092B-C50C-407E-A947-70E740481C1C}">
+                <a14:useLocalDpi xmlns:a14="http://schemas.microsoft.com/office/drawing/2010/main" val="0"/>
+              </a:ext>
+              <a:ext uri="{96DAC541-7B7A-43D3-8B79-37D633B846F1}">
+                <asvg:svgBlip xmlns:asvg="http://schemas.microsoft.com/office/drawing/2016/SVG/main" r:embed="rId6"/>
+              </a:ext>
+            </a:extLst>
+          </a:blip>
+          <a:stretch>
+            <a:fillRect/>
+          </a:stretch>
+        </p:blipFill>
+        <p:spPr>
+          <a:xfrm>
+            <a:off x="4152467" y="2981035"/>
+            <a:ext cx="1664855" cy="1664855"/>
+          </a:xfrm>
+          <a:prstGeom prst="rect">
+            <a:avLst/>
+          </a:prstGeom>
+        </p:spPr>
+      </p:pic>
+      <p:sp>
+        <p:nvSpPr>
+          <p:cNvPr id="8" name="Arrow: Right 7">
+            <a:extLst>
+              <a:ext uri="{FF2B5EF4-FFF2-40B4-BE49-F238E27FC236}">
+                <a16:creationId xmlns:a16="http://schemas.microsoft.com/office/drawing/2014/main" id="{FF7677F3-19BB-4C2C-A758-C41154E67B5D}"/>
+              </a:ext>
+            </a:extLst>
+          </p:cNvPr>
+          <p:cNvSpPr/>
+          <p:nvPr/>
+        </p:nvSpPr>
+        <p:spPr>
+          <a:xfrm>
+            <a:off x="6096000" y="3611418"/>
+            <a:ext cx="978408" cy="484632"/>
+          </a:xfrm>
+          <a:prstGeom prst="rightArrow">
+            <a:avLst/>
+          </a:prstGeom>
+        </p:spPr>
+        <p:style>
+          <a:lnRef idx="2">
+            <a:schemeClr val="accent1">
+              <a:shade val="50000"/>
+            </a:schemeClr>
+          </a:lnRef>
+          <a:fillRef idx="1">
+            <a:schemeClr val="accent1"/>
+          </a:fillRef>
+          <a:effectRef idx="0">
+            <a:schemeClr val="accent1"/>
+          </a:effectRef>
+          <a:fontRef idx="minor">
+            <a:schemeClr val="lt1"/>
+          </a:fontRef>
+        </p:style>
+        <p:txBody>
+          <a:bodyPr rtlCol="0" anchor="ctr"/>
+          <a:lstStyle/>
+          <a:p>
+            <a:pPr algn="ctr"/>
+            <a:endParaRPr lang="en-IN"/>
+          </a:p>
+        </p:txBody>
+      </p:sp>
+      <p:sp>
+        <p:nvSpPr>
+          <p:cNvPr id="9" name="TextBox 8">
+            <a:extLst>
+              <a:ext uri="{FF2B5EF4-FFF2-40B4-BE49-F238E27FC236}">
+                <a16:creationId xmlns:a16="http://schemas.microsoft.com/office/drawing/2014/main" id="{80B25E10-7DA8-410D-A5E9-696295CDC364}"/>
+              </a:ext>
+            </a:extLst>
+          </p:cNvPr>
+          <p:cNvSpPr txBox="1"/>
+          <p:nvPr/>
+        </p:nvSpPr>
+        <p:spPr>
+          <a:xfrm>
+            <a:off x="3491345" y="4387880"/>
+            <a:ext cx="6155852" cy="646331"/>
+          </a:xfrm>
+          <a:prstGeom prst="rect">
+            <a:avLst/>
+          </a:prstGeom>
+          <a:noFill/>
+        </p:spPr>
+        <p:txBody>
+          <a:bodyPr wrap="none" rtlCol="0">
+            <a:spAutoFit/>
+          </a:bodyPr>
+          <a:lstStyle/>
+          <a:p>
+            <a:r>
+              <a:rPr lang="en-IN" dirty="0"/>
+              <a:t>100000 request per second</a:t>
+            </a:r>
+          </a:p>
+          <a:p>
+            <a:r>
+              <a:rPr lang="en-IN" dirty="0"/>
+              <a:t>Is your database is  compatible for your work culture?</a:t>
+            </a:r>
+          </a:p>
+        </p:txBody>
+      </p:sp>
+      <p:sp>
+        <p:nvSpPr>
+          <p:cNvPr id="10" name="Rectangle 9">
+            <a:extLst>
+              <a:ext uri="{FF2B5EF4-FFF2-40B4-BE49-F238E27FC236}">
+                <a16:creationId xmlns:a16="http://schemas.microsoft.com/office/drawing/2014/main" id="{FEDBCD99-909D-409A-8D2C-C511D5044430}"/>
+              </a:ext>
+            </a:extLst>
+          </p:cNvPr>
+          <p:cNvSpPr/>
+          <p:nvPr/>
+        </p:nvSpPr>
+        <p:spPr>
+          <a:xfrm>
+            <a:off x="3491345" y="2422490"/>
+            <a:ext cx="6096000" cy="923330"/>
+          </a:xfrm>
+          <a:prstGeom prst="rect">
+            <a:avLst/>
+          </a:prstGeom>
+        </p:spPr>
+        <p:txBody>
+          <a:bodyPr>
+            <a:spAutoFit/>
+          </a:bodyPr>
+          <a:lstStyle/>
+          <a:p>
+            <a:r>
+              <a:rPr lang="en-IN" dirty="0"/>
+              <a:t>My table volume is 150TB</a:t>
+            </a:r>
+          </a:p>
+          <a:p>
+            <a:r>
+              <a:rPr lang="en-IN" dirty="0"/>
+              <a:t>Is your database is  compatible for your work culture?</a:t>
+            </a:r>
+          </a:p>
+        </p:txBody>
+      </p:sp>
+    </p:spTree>
+    <p:extLst>
+      <p:ext uri="{BB962C8B-B14F-4D97-AF65-F5344CB8AC3E}">
+        <p14:creationId xmlns:p14="http://schemas.microsoft.com/office/powerpoint/2010/main" val="4176494269"/>
+      </p:ext>
+    </p:extLst>
+  </p:cSld>
+  <p:clrMapOvr>
+    <a:masterClrMapping/>
+  </p:clrMapOvr>
+</p:sld>
+</file>
+
+<file path=ppt/slides/slide15.xml><?xml version="1.0" encoding="utf-8"?>
+<p:sld xmlns:a="http://schemas.openxmlformats.org/drawingml/2006/main" xmlns:r="http://schemas.openxmlformats.org/officeDocument/2006/relationships" xmlns:p="http://schemas.openxmlformats.org/presentationml/2006/main">
+  <p:cSld>
+    <p:spTree>
+      <p:nvGrpSpPr>
+        <p:cNvPr id="1" name=""/>
+        <p:cNvGrpSpPr/>
+        <p:nvPr/>
+      </p:nvGrpSpPr>
+      <p:grpSpPr>
+        <a:xfrm>
+          <a:off x="0" y="0"/>
+          <a:ext cx="0" cy="0"/>
+          <a:chOff x="0" y="0"/>
+          <a:chExt cx="0" cy="0"/>
+        </a:xfrm>
+      </p:grpSpPr>
+      <p:sp>
+        <p:nvSpPr>
+          <p:cNvPr id="2" name="Title 1">
+            <a:extLst>
+              <a:ext uri="{FF2B5EF4-FFF2-40B4-BE49-F238E27FC236}">
+                <a16:creationId xmlns:a16="http://schemas.microsoft.com/office/drawing/2014/main" id="{87218B75-0050-4A01-BF6A-F263AB390BF5}"/>
+              </a:ext>
+            </a:extLst>
+          </p:cNvPr>
+          <p:cNvSpPr>
+            <a:spLocks noGrp="1"/>
+          </p:cNvSpPr>
+          <p:nvPr>
+            <p:ph type="title"/>
+          </p:nvPr>
+        </p:nvSpPr>
+        <p:spPr/>
+        <p:txBody>
+          <a:bodyPr/>
+          <a:lstStyle/>
+          <a:p>
+            <a:r>
+              <a:rPr lang="en-IN" dirty="0"/>
+              <a:t>DATABASE CLUSTERING</a:t>
+            </a:r>
+          </a:p>
+        </p:txBody>
+      </p:sp>
+      <p:sp>
+        <p:nvSpPr>
+          <p:cNvPr id="3" name="Content Placeholder 2">
+            <a:extLst>
+              <a:ext uri="{FF2B5EF4-FFF2-40B4-BE49-F238E27FC236}">
+                <a16:creationId xmlns:a16="http://schemas.microsoft.com/office/drawing/2014/main" id="{8EAD8904-B2BF-4FD2-A891-06FE31B1EA8A}"/>
+              </a:ext>
+            </a:extLst>
+          </p:cNvPr>
+          <p:cNvSpPr>
+            <a:spLocks noGrp="1"/>
+          </p:cNvSpPr>
+          <p:nvPr>
+            <p:ph idx="1"/>
+          </p:nvPr>
+        </p:nvSpPr>
+        <p:spPr/>
+        <p:txBody>
+          <a:bodyPr/>
+          <a:lstStyle/>
+          <a:p>
+            <a:r>
+              <a:rPr lang="en-IN" dirty="0"/>
+              <a:t>Microsoft SQL –</a:t>
+            </a:r>
+          </a:p>
+          <a:p>
+            <a:r>
+              <a:rPr lang="en-IN" dirty="0"/>
+              <a:t>MYSQL – </a:t>
+            </a:r>
+          </a:p>
+          <a:p>
+            <a:r>
+              <a:rPr lang="en-IN" dirty="0"/>
+              <a:t>Postgres - NO</a:t>
+            </a:r>
+          </a:p>
+          <a:p>
+            <a:r>
+              <a:rPr lang="en-IN" dirty="0"/>
+              <a:t>MariaDB - </a:t>
+            </a:r>
+          </a:p>
+          <a:p>
+            <a:r>
+              <a:rPr lang="en-IN" dirty="0"/>
+              <a:t>Oracle DB – </a:t>
+            </a:r>
+          </a:p>
+          <a:p>
+            <a:r>
+              <a:rPr lang="en-IN" dirty="0"/>
+              <a:t>Amazon Aurora - </a:t>
+            </a:r>
+          </a:p>
+        </p:txBody>
+      </p:sp>
+    </p:spTree>
+    <p:extLst>
+      <p:ext uri="{BB962C8B-B14F-4D97-AF65-F5344CB8AC3E}">
+        <p14:creationId xmlns:p14="http://schemas.microsoft.com/office/powerpoint/2010/main" val="2841648540"/>
+      </p:ext>
+    </p:extLst>
+  </p:cSld>
+  <p:clrMapOvr>
+    <a:masterClrMapping/>
+  </p:clrMapOvr>
+</p:sld>
+</file>
+
+<file path=ppt/slides/slide16.xml><?xml version="1.0" encoding="utf-8"?>
+<p:sld xmlns:a="http://schemas.openxmlformats.org/drawingml/2006/main" xmlns:r="http://schemas.openxmlformats.org/officeDocument/2006/relationships" xmlns:p="http://schemas.openxmlformats.org/presentationml/2006/main">
+  <p:cSld>
+    <p:spTree>
+      <p:nvGrpSpPr>
+        <p:cNvPr id="1" name=""/>
+        <p:cNvGrpSpPr/>
+        <p:nvPr/>
+      </p:nvGrpSpPr>
+      <p:grpSpPr>
+        <a:xfrm>
+          <a:off x="0" y="0"/>
+          <a:ext cx="0" cy="0"/>
+          <a:chOff x="0" y="0"/>
+          <a:chExt cx="0" cy="0"/>
+        </a:xfrm>
+      </p:grpSpPr>
+      <p:sp>
+        <p:nvSpPr>
+          <p:cNvPr id="2" name="Title 1">
+            <a:extLst>
+              <a:ext uri="{FF2B5EF4-FFF2-40B4-BE49-F238E27FC236}">
+                <a16:creationId xmlns:a16="http://schemas.microsoft.com/office/drawing/2014/main" id="{09A9C34A-5A95-47BC-9F84-CF5BFDD41D89}"/>
+              </a:ext>
+            </a:extLst>
+          </p:cNvPr>
+          <p:cNvSpPr>
+            <a:spLocks noGrp="1"/>
+          </p:cNvSpPr>
+          <p:nvPr>
+            <p:ph type="title"/>
+          </p:nvPr>
+        </p:nvSpPr>
+        <p:spPr/>
+        <p:txBody>
+          <a:bodyPr/>
+          <a:lstStyle/>
+          <a:p>
+            <a:r>
+              <a:rPr lang="en-IN" dirty="0"/>
+              <a:t>Clustering</a:t>
+            </a:r>
+          </a:p>
+        </p:txBody>
+      </p:sp>
+      <p:sp>
+        <p:nvSpPr>
+          <p:cNvPr id="3" name="Content Placeholder 2">
+            <a:extLst>
+              <a:ext uri="{FF2B5EF4-FFF2-40B4-BE49-F238E27FC236}">
+                <a16:creationId xmlns:a16="http://schemas.microsoft.com/office/drawing/2014/main" id="{A83DF755-014E-4C7F-B115-322B8FE876BA}"/>
+              </a:ext>
+            </a:extLst>
+          </p:cNvPr>
+          <p:cNvSpPr>
+            <a:spLocks noGrp="1"/>
+          </p:cNvSpPr>
+          <p:nvPr>
+            <p:ph idx="1"/>
+          </p:nvPr>
+        </p:nvSpPr>
+        <p:spPr/>
+        <p:txBody>
+          <a:bodyPr/>
+          <a:lstStyle/>
+          <a:p>
+            <a:r>
+              <a:rPr lang="en-IN" dirty="0"/>
+              <a:t>Because of the limitation in either volume or computing resource, software companies are started to form the clustering option</a:t>
+            </a:r>
+          </a:p>
+          <a:p>
+            <a:r>
+              <a:rPr lang="en-IN" dirty="0"/>
+              <a:t>Instead of deal the task with physical limited resource, if we deal the task with logical resource(higher volume and resource) we can complete  the task as fast as possible</a:t>
+            </a:r>
+          </a:p>
+          <a:p>
+            <a:r>
+              <a:rPr lang="en-IN" dirty="0"/>
+              <a:t>Group up the multiple machine in to single logical unit</a:t>
+            </a:r>
+          </a:p>
+        </p:txBody>
+      </p:sp>
+    </p:spTree>
+    <p:extLst>
+      <p:ext uri="{BB962C8B-B14F-4D97-AF65-F5344CB8AC3E}">
+        <p14:creationId xmlns:p14="http://schemas.microsoft.com/office/powerpoint/2010/main" val="3874110128"/>
+      </p:ext>
+    </p:extLst>
+  </p:cSld>
+  <p:clrMapOvr>
+    <a:masterClrMapping/>
+  </p:clrMapOvr>
+</p:sld>
+</file>
+
+<file path=ppt/slides/slide17.xml><?xml version="1.0" encoding="utf-8"?>
+<p:sld xmlns:a="http://schemas.openxmlformats.org/drawingml/2006/main" xmlns:r="http://schemas.openxmlformats.org/officeDocument/2006/relationships" xmlns:p="http://schemas.openxmlformats.org/presentationml/2006/main">
+  <p:cSld>
+    <p:spTree>
+      <p:nvGrpSpPr>
+        <p:cNvPr id="1" name=""/>
+        <p:cNvGrpSpPr/>
+        <p:nvPr/>
+      </p:nvGrpSpPr>
+      <p:grpSpPr>
+        <a:xfrm>
+          <a:off x="0" y="0"/>
+          <a:ext cx="0" cy="0"/>
+          <a:chOff x="0" y="0"/>
+          <a:chExt cx="0" cy="0"/>
+        </a:xfrm>
+      </p:grpSpPr>
+      <p:sp>
+        <p:nvSpPr>
+          <p:cNvPr id="2" name="Title 1">
+            <a:extLst>
+              <a:ext uri="{FF2B5EF4-FFF2-40B4-BE49-F238E27FC236}">
+                <a16:creationId xmlns:a16="http://schemas.microsoft.com/office/drawing/2014/main" id="{7167E331-EBBE-473C-8DDF-C22772727A1D}"/>
+              </a:ext>
+            </a:extLst>
+          </p:cNvPr>
+          <p:cNvSpPr>
+            <a:spLocks noGrp="1"/>
+          </p:cNvSpPr>
+          <p:nvPr>
+            <p:ph type="title"/>
+          </p:nvPr>
+        </p:nvSpPr>
+        <p:spPr/>
+        <p:txBody>
+          <a:bodyPr/>
+          <a:lstStyle/>
+          <a:p>
+            <a:r>
+              <a:rPr lang="en-IN" dirty="0"/>
+              <a:t>60 GB RAM with 60 core processor</a:t>
+            </a:r>
+          </a:p>
+        </p:txBody>
+      </p:sp>
+      <p:pic>
+        <p:nvPicPr>
+          <p:cNvPr id="5" name="Content Placeholder 4" descr="Computer">
+            <a:extLst>
+              <a:ext uri="{FF2B5EF4-FFF2-40B4-BE49-F238E27FC236}">
+                <a16:creationId xmlns:a16="http://schemas.microsoft.com/office/drawing/2014/main" id="{EABFD13F-BF68-4532-AB45-D880C358F38F}"/>
+              </a:ext>
+            </a:extLst>
+          </p:cNvPr>
+          <p:cNvPicPr>
+            <a:picLocks noGrp="1" noChangeAspect="1"/>
+          </p:cNvPicPr>
+          <p:nvPr>
+            <p:ph idx="1"/>
+          </p:nvPr>
+        </p:nvPicPr>
+        <p:blipFill>
+          <a:blip r:embed="rId2">
+            <a:extLst>
+              <a:ext uri="{28A0092B-C50C-407E-A947-70E740481C1C}">
+                <a14:useLocalDpi xmlns:a14="http://schemas.microsoft.com/office/drawing/2010/main" val="0"/>
+              </a:ext>
+              <a:ext uri="{96DAC541-7B7A-43D3-8B79-37D633B846F1}">
+                <asvg:svgBlip xmlns:asvg="http://schemas.microsoft.com/office/drawing/2016/SVG/main" r:embed="rId3"/>
+              </a:ext>
+            </a:extLst>
+          </a:blip>
+          <a:stretch>
+            <a:fillRect/>
+          </a:stretch>
+        </p:blipFill>
+        <p:spPr>
+          <a:xfrm>
+            <a:off x="2288743" y="2692465"/>
+            <a:ext cx="914400" cy="914400"/>
+          </a:xfrm>
+        </p:spPr>
+      </p:pic>
+      <p:pic>
+        <p:nvPicPr>
+          <p:cNvPr id="6" name="Content Placeholder 4" descr="Computer">
+            <a:extLst>
+              <a:ext uri="{FF2B5EF4-FFF2-40B4-BE49-F238E27FC236}">
+                <a16:creationId xmlns:a16="http://schemas.microsoft.com/office/drawing/2014/main" id="{648F598F-BD78-49E6-A8D9-109B5DBD177B}"/>
+              </a:ext>
+            </a:extLst>
+          </p:cNvPr>
+          <p:cNvPicPr>
+            <a:picLocks noChangeAspect="1"/>
+          </p:cNvPicPr>
+          <p:nvPr/>
+        </p:nvPicPr>
+        <p:blipFill>
+          <a:blip r:embed="rId2">
+            <a:extLst>
+              <a:ext uri="{28A0092B-C50C-407E-A947-70E740481C1C}">
+                <a14:useLocalDpi xmlns:a14="http://schemas.microsoft.com/office/drawing/2010/main" val="0"/>
+              </a:ext>
+              <a:ext uri="{96DAC541-7B7A-43D3-8B79-37D633B846F1}">
+                <asvg:svgBlip xmlns:asvg="http://schemas.microsoft.com/office/drawing/2016/SVG/main" r:embed="rId4"/>
+              </a:ext>
+            </a:extLst>
+          </a:blip>
+          <a:stretch>
+            <a:fillRect/>
+          </a:stretch>
+        </p:blipFill>
+        <p:spPr>
+          <a:xfrm>
+            <a:off x="2288743" y="4446083"/>
+            <a:ext cx="914400" cy="914400"/>
+          </a:xfrm>
+          <a:prstGeom prst="rect">
+            <a:avLst/>
+          </a:prstGeom>
+        </p:spPr>
+      </p:pic>
+      <p:pic>
+        <p:nvPicPr>
+          <p:cNvPr id="7" name="Content Placeholder 4" descr="Computer">
+            <a:extLst>
+              <a:ext uri="{FF2B5EF4-FFF2-40B4-BE49-F238E27FC236}">
+                <a16:creationId xmlns:a16="http://schemas.microsoft.com/office/drawing/2014/main" id="{D9491BEB-F080-498C-9A50-6336D90A84CE}"/>
+              </a:ext>
+            </a:extLst>
+          </p:cNvPr>
+          <p:cNvPicPr>
+            <a:picLocks noChangeAspect="1"/>
+          </p:cNvPicPr>
+          <p:nvPr/>
+        </p:nvPicPr>
+        <p:blipFill>
+          <a:blip r:embed="rId2">
+            <a:extLst>
+              <a:ext uri="{28A0092B-C50C-407E-A947-70E740481C1C}">
+                <a14:useLocalDpi xmlns:a14="http://schemas.microsoft.com/office/drawing/2010/main" val="0"/>
+              </a:ext>
+              <a:ext uri="{96DAC541-7B7A-43D3-8B79-37D633B846F1}">
+                <asvg:svgBlip xmlns:asvg="http://schemas.microsoft.com/office/drawing/2016/SVG/main" r:embed="rId4"/>
+              </a:ext>
+            </a:extLst>
+          </a:blip>
+          <a:stretch>
+            <a:fillRect/>
+          </a:stretch>
+        </p:blipFill>
+        <p:spPr>
+          <a:xfrm>
+            <a:off x="5031943" y="5360483"/>
+            <a:ext cx="914400" cy="914400"/>
+          </a:xfrm>
+          <a:prstGeom prst="rect">
+            <a:avLst/>
+          </a:prstGeom>
+        </p:spPr>
+      </p:pic>
+      <p:pic>
+        <p:nvPicPr>
+          <p:cNvPr id="8" name="Content Placeholder 4" descr="Computer">
+            <a:extLst>
+              <a:ext uri="{FF2B5EF4-FFF2-40B4-BE49-F238E27FC236}">
+                <a16:creationId xmlns:a16="http://schemas.microsoft.com/office/drawing/2014/main" id="{E0AC34C6-1DF7-4C96-BE22-5AE468399C9B}"/>
+              </a:ext>
+            </a:extLst>
+          </p:cNvPr>
+          <p:cNvPicPr>
+            <a:picLocks noChangeAspect="1"/>
+          </p:cNvPicPr>
+          <p:nvPr/>
+        </p:nvPicPr>
+        <p:blipFill>
+          <a:blip r:embed="rId2">
+            <a:extLst>
+              <a:ext uri="{28A0092B-C50C-407E-A947-70E740481C1C}">
+                <a14:useLocalDpi xmlns:a14="http://schemas.microsoft.com/office/drawing/2010/main" val="0"/>
+              </a:ext>
+              <a:ext uri="{96DAC541-7B7A-43D3-8B79-37D633B846F1}">
+                <asvg:svgBlip xmlns:asvg="http://schemas.microsoft.com/office/drawing/2016/SVG/main" r:embed="rId4"/>
+              </a:ext>
+            </a:extLst>
+          </a:blip>
+          <a:stretch>
+            <a:fillRect/>
+          </a:stretch>
+        </p:blipFill>
+        <p:spPr>
+          <a:xfrm>
+            <a:off x="5031943" y="1924830"/>
+            <a:ext cx="914400" cy="914400"/>
+          </a:xfrm>
+          <a:prstGeom prst="rect">
+            <a:avLst/>
+          </a:prstGeom>
+        </p:spPr>
+      </p:pic>
+      <p:pic>
+        <p:nvPicPr>
+          <p:cNvPr id="9" name="Content Placeholder 4" descr="Computer">
+            <a:extLst>
+              <a:ext uri="{FF2B5EF4-FFF2-40B4-BE49-F238E27FC236}">
+                <a16:creationId xmlns:a16="http://schemas.microsoft.com/office/drawing/2014/main" id="{1B3F09B5-F6CF-42B7-A828-B2D442F85E71}"/>
+              </a:ext>
+            </a:extLst>
+          </p:cNvPr>
+          <p:cNvPicPr>
+            <a:picLocks noChangeAspect="1"/>
+          </p:cNvPicPr>
+          <p:nvPr/>
+        </p:nvPicPr>
+        <p:blipFill>
+          <a:blip r:embed="rId2">
+            <a:extLst>
+              <a:ext uri="{28A0092B-C50C-407E-A947-70E740481C1C}">
+                <a14:useLocalDpi xmlns:a14="http://schemas.microsoft.com/office/drawing/2010/main" val="0"/>
+              </a:ext>
+              <a:ext uri="{96DAC541-7B7A-43D3-8B79-37D633B846F1}">
+                <asvg:svgBlip xmlns:asvg="http://schemas.microsoft.com/office/drawing/2016/SVG/main" r:embed="rId4"/>
+              </a:ext>
+            </a:extLst>
+          </a:blip>
+          <a:stretch>
+            <a:fillRect/>
+          </a:stretch>
+        </p:blipFill>
+        <p:spPr>
+          <a:xfrm>
+            <a:off x="7410306" y="2619867"/>
+            <a:ext cx="914400" cy="914400"/>
+          </a:xfrm>
+          <a:prstGeom prst="rect">
+            <a:avLst/>
+          </a:prstGeom>
+        </p:spPr>
+      </p:pic>
+      <p:pic>
+        <p:nvPicPr>
+          <p:cNvPr id="10" name="Content Placeholder 4" descr="Computer">
+            <a:extLst>
+              <a:ext uri="{FF2B5EF4-FFF2-40B4-BE49-F238E27FC236}">
+                <a16:creationId xmlns:a16="http://schemas.microsoft.com/office/drawing/2014/main" id="{94EC15BD-3F35-4BF7-B3A8-1A71FBE474BA}"/>
+              </a:ext>
+            </a:extLst>
+          </p:cNvPr>
+          <p:cNvPicPr>
+            <a:picLocks noChangeAspect="1"/>
+          </p:cNvPicPr>
+          <p:nvPr/>
+        </p:nvPicPr>
+        <p:blipFill>
+          <a:blip r:embed="rId2">
+            <a:extLst>
+              <a:ext uri="{28A0092B-C50C-407E-A947-70E740481C1C}">
+                <a14:useLocalDpi xmlns:a14="http://schemas.microsoft.com/office/drawing/2010/main" val="0"/>
+              </a:ext>
+              <a:ext uri="{96DAC541-7B7A-43D3-8B79-37D633B846F1}">
+                <asvg:svgBlip xmlns:asvg="http://schemas.microsoft.com/office/drawing/2016/SVG/main" r:embed="rId4"/>
+              </a:ext>
+            </a:extLst>
+          </a:blip>
+          <a:stretch>
+            <a:fillRect/>
+          </a:stretch>
+        </p:blipFill>
+        <p:spPr>
+          <a:xfrm>
+            <a:off x="7410306" y="4739612"/>
+            <a:ext cx="914400" cy="914400"/>
+          </a:xfrm>
+          <a:prstGeom prst="rect">
+            <a:avLst/>
+          </a:prstGeom>
+        </p:spPr>
+      </p:pic>
+      <p:sp>
+        <p:nvSpPr>
+          <p:cNvPr id="11" name="TextBox 10">
+            <a:extLst>
+              <a:ext uri="{FF2B5EF4-FFF2-40B4-BE49-F238E27FC236}">
+                <a16:creationId xmlns:a16="http://schemas.microsoft.com/office/drawing/2014/main" id="{4BDE04A5-9C6F-4F99-A7FC-8E31A1B88F25}"/>
+              </a:ext>
+            </a:extLst>
+          </p:cNvPr>
+          <p:cNvSpPr txBox="1"/>
+          <p:nvPr/>
+        </p:nvSpPr>
+        <p:spPr>
+          <a:xfrm>
+            <a:off x="4667106" y="2839230"/>
+            <a:ext cx="2182008" cy="646331"/>
+          </a:xfrm>
+          <a:prstGeom prst="rect">
+            <a:avLst/>
+          </a:prstGeom>
+          <a:noFill/>
+        </p:spPr>
+        <p:txBody>
+          <a:bodyPr wrap="none" rtlCol="0">
+            <a:spAutoFit/>
+          </a:bodyPr>
+          <a:lstStyle/>
+          <a:p>
+            <a:r>
+              <a:rPr lang="en-IN" dirty="0"/>
+              <a:t>10 GB RAM</a:t>
+            </a:r>
+          </a:p>
+          <a:p>
+            <a:r>
+              <a:rPr lang="en-IN" dirty="0"/>
+              <a:t>10 Core Processor</a:t>
+            </a:r>
+          </a:p>
+        </p:txBody>
+      </p:sp>
+      <p:sp>
+        <p:nvSpPr>
+          <p:cNvPr id="12" name="TextBox 11">
+            <a:extLst>
+              <a:ext uri="{FF2B5EF4-FFF2-40B4-BE49-F238E27FC236}">
+                <a16:creationId xmlns:a16="http://schemas.microsoft.com/office/drawing/2014/main" id="{0899A109-FCA5-4CD5-9BE6-63F47FD62E6A}"/>
+              </a:ext>
+            </a:extLst>
+          </p:cNvPr>
+          <p:cNvSpPr txBox="1"/>
+          <p:nvPr/>
+        </p:nvSpPr>
+        <p:spPr>
+          <a:xfrm>
+            <a:off x="7063942" y="3429000"/>
+            <a:ext cx="2182008" cy="646331"/>
+          </a:xfrm>
+          <a:prstGeom prst="rect">
+            <a:avLst/>
+          </a:prstGeom>
+          <a:noFill/>
+        </p:spPr>
+        <p:txBody>
+          <a:bodyPr wrap="none" rtlCol="0">
+            <a:spAutoFit/>
+          </a:bodyPr>
+          <a:lstStyle/>
+          <a:p>
+            <a:r>
+              <a:rPr lang="en-IN" dirty="0"/>
+              <a:t>10 GB RAM</a:t>
+            </a:r>
+          </a:p>
+          <a:p>
+            <a:r>
+              <a:rPr lang="en-IN" dirty="0"/>
+              <a:t>10 Core Processor</a:t>
+            </a:r>
+          </a:p>
+        </p:txBody>
+      </p:sp>
+      <p:sp>
+        <p:nvSpPr>
+          <p:cNvPr id="13" name="TextBox 12">
+            <a:extLst>
+              <a:ext uri="{FF2B5EF4-FFF2-40B4-BE49-F238E27FC236}">
+                <a16:creationId xmlns:a16="http://schemas.microsoft.com/office/drawing/2014/main" id="{51AE7321-9629-42A3-90F9-863B450AF89B}"/>
+              </a:ext>
+            </a:extLst>
+          </p:cNvPr>
+          <p:cNvSpPr txBox="1"/>
+          <p:nvPr/>
+        </p:nvSpPr>
+        <p:spPr>
+          <a:xfrm>
+            <a:off x="7063942" y="5494517"/>
+            <a:ext cx="2182008" cy="646331"/>
+          </a:xfrm>
+          <a:prstGeom prst="rect">
+            <a:avLst/>
+          </a:prstGeom>
+          <a:noFill/>
+        </p:spPr>
+        <p:txBody>
+          <a:bodyPr wrap="none" rtlCol="0">
+            <a:spAutoFit/>
+          </a:bodyPr>
+          <a:lstStyle/>
+          <a:p>
+            <a:r>
+              <a:rPr lang="en-IN" dirty="0"/>
+              <a:t>10 GB RAM</a:t>
+            </a:r>
+          </a:p>
+          <a:p>
+            <a:r>
+              <a:rPr lang="en-IN" dirty="0"/>
+              <a:t>10 Core Processor</a:t>
+            </a:r>
+          </a:p>
+        </p:txBody>
+      </p:sp>
+      <p:sp>
+        <p:nvSpPr>
+          <p:cNvPr id="14" name="TextBox 13">
+            <a:extLst>
+              <a:ext uri="{FF2B5EF4-FFF2-40B4-BE49-F238E27FC236}">
+                <a16:creationId xmlns:a16="http://schemas.microsoft.com/office/drawing/2014/main" id="{E67D0F7D-E5DD-4CE3-BFE4-0A2ECE7BDCA8}"/>
+              </a:ext>
+            </a:extLst>
+          </p:cNvPr>
+          <p:cNvSpPr txBox="1"/>
+          <p:nvPr/>
+        </p:nvSpPr>
+        <p:spPr>
+          <a:xfrm>
+            <a:off x="4667106" y="6082116"/>
+            <a:ext cx="2182008" cy="646331"/>
+          </a:xfrm>
+          <a:prstGeom prst="rect">
+            <a:avLst/>
+          </a:prstGeom>
+          <a:noFill/>
+        </p:spPr>
+        <p:txBody>
+          <a:bodyPr wrap="none" rtlCol="0">
+            <a:spAutoFit/>
+          </a:bodyPr>
+          <a:lstStyle/>
+          <a:p>
+            <a:r>
+              <a:rPr lang="en-IN" dirty="0"/>
+              <a:t>10 GB RAM</a:t>
+            </a:r>
+          </a:p>
+          <a:p>
+            <a:r>
+              <a:rPr lang="en-IN" dirty="0"/>
+              <a:t>10 Core Processor</a:t>
+            </a:r>
+          </a:p>
+        </p:txBody>
+      </p:sp>
+      <p:sp>
+        <p:nvSpPr>
+          <p:cNvPr id="15" name="TextBox 14">
+            <a:extLst>
+              <a:ext uri="{FF2B5EF4-FFF2-40B4-BE49-F238E27FC236}">
+                <a16:creationId xmlns:a16="http://schemas.microsoft.com/office/drawing/2014/main" id="{9EF2B264-B5C3-4A3A-BEE8-F07BD76A2460}"/>
+              </a:ext>
+            </a:extLst>
+          </p:cNvPr>
+          <p:cNvSpPr txBox="1"/>
+          <p:nvPr/>
+        </p:nvSpPr>
+        <p:spPr>
+          <a:xfrm>
+            <a:off x="1855046" y="5196812"/>
+            <a:ext cx="2182008" cy="646331"/>
+          </a:xfrm>
+          <a:prstGeom prst="rect">
+            <a:avLst/>
+          </a:prstGeom>
+          <a:noFill/>
+        </p:spPr>
+        <p:txBody>
+          <a:bodyPr wrap="none" rtlCol="0">
+            <a:spAutoFit/>
+          </a:bodyPr>
+          <a:lstStyle/>
+          <a:p>
+            <a:r>
+              <a:rPr lang="en-IN" dirty="0"/>
+              <a:t>10 GB RAM</a:t>
+            </a:r>
+          </a:p>
+          <a:p>
+            <a:r>
+              <a:rPr lang="en-IN" dirty="0"/>
+              <a:t>10 Core Processor</a:t>
+            </a:r>
+          </a:p>
+        </p:txBody>
+      </p:sp>
+      <p:sp>
+        <p:nvSpPr>
+          <p:cNvPr id="16" name="TextBox 15">
+            <a:extLst>
+              <a:ext uri="{FF2B5EF4-FFF2-40B4-BE49-F238E27FC236}">
+                <a16:creationId xmlns:a16="http://schemas.microsoft.com/office/drawing/2014/main" id="{20EB99FB-627A-43F2-A7DB-71521DAE4EA3}"/>
+              </a:ext>
+            </a:extLst>
+          </p:cNvPr>
+          <p:cNvSpPr txBox="1"/>
+          <p:nvPr/>
+        </p:nvSpPr>
+        <p:spPr>
+          <a:xfrm>
+            <a:off x="1825462" y="3443195"/>
+            <a:ext cx="2182008" cy="646331"/>
+          </a:xfrm>
+          <a:prstGeom prst="rect">
+            <a:avLst/>
+          </a:prstGeom>
+          <a:noFill/>
+        </p:spPr>
+        <p:txBody>
+          <a:bodyPr wrap="none" rtlCol="0">
+            <a:spAutoFit/>
+          </a:bodyPr>
+          <a:lstStyle/>
+          <a:p>
+            <a:r>
+              <a:rPr lang="en-IN" dirty="0"/>
+              <a:t>10 GB RAM</a:t>
+            </a:r>
+          </a:p>
+          <a:p>
+            <a:r>
+              <a:rPr lang="en-IN" dirty="0"/>
+              <a:t>10 Core Processor</a:t>
+            </a:r>
+          </a:p>
+        </p:txBody>
+      </p:sp>
+      <p:sp>
+        <p:nvSpPr>
+          <p:cNvPr id="17" name="Rectangle 16">
+            <a:extLst>
+              <a:ext uri="{FF2B5EF4-FFF2-40B4-BE49-F238E27FC236}">
+                <a16:creationId xmlns:a16="http://schemas.microsoft.com/office/drawing/2014/main" id="{D023782E-7F5B-4348-84A1-D3C718CCE03D}"/>
+              </a:ext>
+            </a:extLst>
+          </p:cNvPr>
+          <p:cNvSpPr/>
+          <p:nvPr/>
+        </p:nvSpPr>
+        <p:spPr>
+          <a:xfrm>
+            <a:off x="4535055" y="3879273"/>
+            <a:ext cx="2182008" cy="1027646"/>
+          </a:xfrm>
+          <a:prstGeom prst="rect">
+            <a:avLst/>
+          </a:prstGeom>
+        </p:spPr>
+        <p:style>
+          <a:lnRef idx="2">
+            <a:schemeClr val="accent1">
+              <a:shade val="50000"/>
+            </a:schemeClr>
+          </a:lnRef>
+          <a:fillRef idx="1">
+            <a:schemeClr val="accent1"/>
+          </a:fillRef>
+          <a:effectRef idx="0">
+            <a:schemeClr val="accent1"/>
+          </a:effectRef>
+          <a:fontRef idx="minor">
+            <a:schemeClr val="lt1"/>
+          </a:fontRef>
+        </p:style>
+        <p:txBody>
+          <a:bodyPr rtlCol="0" anchor="ctr"/>
+          <a:lstStyle/>
+          <a:p>
+            <a:pPr marL="342900" indent="-342900" algn="ctr">
+              <a:buAutoNum type="arabicPlain" startAt="60"/>
+            </a:pPr>
+            <a:r>
+              <a:rPr lang="en-IN" dirty="0"/>
+              <a:t>GB RAM</a:t>
+            </a:r>
+          </a:p>
+          <a:p>
+            <a:pPr algn="ctr"/>
+            <a:r>
+              <a:rPr lang="en-IN" dirty="0"/>
+              <a:t>60 Core Processor </a:t>
+            </a:r>
+          </a:p>
+        </p:txBody>
+      </p:sp>
+      <p:pic>
+        <p:nvPicPr>
+          <p:cNvPr id="19" name="Graphic 18" descr="Cycle with people">
+            <a:extLst>
+              <a:ext uri="{FF2B5EF4-FFF2-40B4-BE49-F238E27FC236}">
+                <a16:creationId xmlns:a16="http://schemas.microsoft.com/office/drawing/2014/main" id="{823DB36E-256F-4A8D-9E9C-8AB5756D626C}"/>
+              </a:ext>
+            </a:extLst>
+          </p:cNvPr>
+          <p:cNvPicPr>
+            <a:picLocks noChangeAspect="1"/>
+          </p:cNvPicPr>
+          <p:nvPr/>
+        </p:nvPicPr>
+        <p:blipFill>
+          <a:blip r:embed="rId5">
+            <a:extLst>
+              <a:ext uri="{28A0092B-C50C-407E-A947-70E740481C1C}">
+                <a14:useLocalDpi xmlns:a14="http://schemas.microsoft.com/office/drawing/2010/main" val="0"/>
+              </a:ext>
+              <a:ext uri="{96DAC541-7B7A-43D3-8B79-37D633B846F1}">
+                <asvg:svgBlip xmlns:asvg="http://schemas.microsoft.com/office/drawing/2016/SVG/main" r:embed="rId6"/>
+              </a:ext>
+            </a:extLst>
+          </a:blip>
+          <a:stretch>
+            <a:fillRect/>
+          </a:stretch>
+        </p:blipFill>
+        <p:spPr>
+          <a:xfrm>
+            <a:off x="10114724" y="3766360"/>
+            <a:ext cx="914400" cy="914400"/>
+          </a:xfrm>
+          <a:prstGeom prst="rect">
+            <a:avLst/>
+          </a:prstGeom>
+        </p:spPr>
+      </p:pic>
+      <p:sp>
+        <p:nvSpPr>
+          <p:cNvPr id="20" name="Arrow: Right 19">
+            <a:extLst>
+              <a:ext uri="{FF2B5EF4-FFF2-40B4-BE49-F238E27FC236}">
+                <a16:creationId xmlns:a16="http://schemas.microsoft.com/office/drawing/2014/main" id="{7751B485-7852-4954-BF9B-CE8F6B4AE8BB}"/>
+              </a:ext>
+            </a:extLst>
+          </p:cNvPr>
+          <p:cNvSpPr/>
+          <p:nvPr/>
+        </p:nvSpPr>
+        <p:spPr>
+          <a:xfrm>
+            <a:off x="6890502" y="4192458"/>
+            <a:ext cx="3275403" cy="253625"/>
+          </a:xfrm>
+          <a:prstGeom prst="rightArrow">
+            <a:avLst/>
+          </a:prstGeom>
+        </p:spPr>
+        <p:style>
+          <a:lnRef idx="2">
+            <a:schemeClr val="accent1">
+              <a:shade val="50000"/>
+            </a:schemeClr>
+          </a:lnRef>
+          <a:fillRef idx="1">
+            <a:schemeClr val="accent1"/>
+          </a:fillRef>
+          <a:effectRef idx="0">
+            <a:schemeClr val="accent1"/>
+          </a:effectRef>
+          <a:fontRef idx="minor">
+            <a:schemeClr val="lt1"/>
+          </a:fontRef>
+        </p:style>
+        <p:txBody>
+          <a:bodyPr rtlCol="0" anchor="ctr"/>
+          <a:lstStyle/>
+          <a:p>
+            <a:pPr algn="ctr"/>
+            <a:endParaRPr lang="en-IN"/>
+          </a:p>
+        </p:txBody>
+      </p:sp>
+    </p:spTree>
+    <p:extLst>
+      <p:ext uri="{BB962C8B-B14F-4D97-AF65-F5344CB8AC3E}">
+        <p14:creationId xmlns:p14="http://schemas.microsoft.com/office/powerpoint/2010/main" val="1012924763"/>
+      </p:ext>
+    </p:extLst>
+  </p:cSld>
+  <p:clrMapOvr>
+    <a:masterClrMapping/>
+  </p:clrMapOvr>
+</p:sld>
+</file>
+
+<file path=ppt/slides/slide18.xml><?xml version="1.0" encoding="utf-8"?>
+<p:sld xmlns:a="http://schemas.openxmlformats.org/drawingml/2006/main" xmlns:r="http://schemas.openxmlformats.org/officeDocument/2006/relationships" xmlns:p="http://schemas.openxmlformats.org/presentationml/2006/main">
+  <p:cSld>
+    <p:spTree>
+      <p:nvGrpSpPr>
+        <p:cNvPr id="1" name=""/>
+        <p:cNvGrpSpPr/>
+        <p:nvPr/>
+      </p:nvGrpSpPr>
+      <p:grpSpPr>
+        <a:xfrm>
+          <a:off x="0" y="0"/>
+          <a:ext cx="0" cy="0"/>
+          <a:chOff x="0" y="0"/>
+          <a:chExt cx="0" cy="0"/>
+        </a:xfrm>
+      </p:grpSpPr>
+      <p:sp>
+        <p:nvSpPr>
+          <p:cNvPr id="2" name="Title 1">
+            <a:extLst>
+              <a:ext uri="{FF2B5EF4-FFF2-40B4-BE49-F238E27FC236}">
+                <a16:creationId xmlns:a16="http://schemas.microsoft.com/office/drawing/2014/main" id="{142A690B-4482-4E8A-A079-092315ABB4E6}"/>
+              </a:ext>
+            </a:extLst>
+          </p:cNvPr>
+          <p:cNvSpPr>
+            <a:spLocks noGrp="1"/>
+          </p:cNvSpPr>
+          <p:nvPr>
+            <p:ph type="title"/>
+          </p:nvPr>
+        </p:nvSpPr>
+        <p:spPr/>
+        <p:txBody>
+          <a:bodyPr/>
+          <a:lstStyle/>
+          <a:p>
+            <a:r>
+              <a:rPr lang="en-IN" dirty="0"/>
+              <a:t>BIGDATA</a:t>
+            </a:r>
+          </a:p>
+        </p:txBody>
+      </p:sp>
+      <p:sp>
+        <p:nvSpPr>
+          <p:cNvPr id="3" name="Content Placeholder 2">
+            <a:extLst>
+              <a:ext uri="{FF2B5EF4-FFF2-40B4-BE49-F238E27FC236}">
+                <a16:creationId xmlns:a16="http://schemas.microsoft.com/office/drawing/2014/main" id="{FFB52252-6EA1-4B68-A121-EEB0A8118931}"/>
+              </a:ext>
+            </a:extLst>
+          </p:cNvPr>
+          <p:cNvSpPr>
+            <a:spLocks noGrp="1"/>
+          </p:cNvSpPr>
+          <p:nvPr>
+            <p:ph idx="1"/>
+          </p:nvPr>
+        </p:nvSpPr>
+        <p:spPr/>
+        <p:txBody>
+          <a:bodyPr/>
+          <a:lstStyle/>
+          <a:p>
+            <a:r>
+              <a:rPr lang="en-IN" dirty="0"/>
+              <a:t>Data that is not compatible with in the systems , those data's we will call it as Big data</a:t>
+            </a:r>
+          </a:p>
+          <a:p>
+            <a:r>
+              <a:rPr lang="en-IN" dirty="0"/>
+              <a:t>EX:  GMAIL -  25 mb, if your data that s beyond 25 MB, google drive attach file and share the link</a:t>
+            </a:r>
+          </a:p>
+          <a:p>
+            <a:r>
+              <a:rPr lang="en-IN" dirty="0"/>
+              <a:t>In those email system that data s called as un-compatible data so we can call it as Bigdata</a:t>
+            </a:r>
+          </a:p>
+          <a:p>
+            <a:r>
+              <a:rPr lang="en-IN" dirty="0"/>
+              <a:t>Bigdata definition vary depends on situations that lies on system and software compatibility, if it goes beyond the limit means its all said to be bigdata</a:t>
+            </a:r>
+          </a:p>
+          <a:p>
+            <a:r>
+              <a:rPr lang="en-IN" dirty="0"/>
+              <a:t>It data's beyond exa-bytes/peta bytes those data's are nothing but bigdata</a:t>
+            </a:r>
+          </a:p>
+        </p:txBody>
+      </p:sp>
+    </p:spTree>
+    <p:extLst>
+      <p:ext uri="{BB962C8B-B14F-4D97-AF65-F5344CB8AC3E}">
+        <p14:creationId xmlns:p14="http://schemas.microsoft.com/office/powerpoint/2010/main" val="3808965375"/>
+      </p:ext>
+    </p:extLst>
+  </p:cSld>
+  <p:clrMapOvr>
+    <a:masterClrMapping/>
+  </p:clrMapOvr>
+</p:sld>
+</file>
+
+<file path=ppt/slides/slide19.xml><?xml version="1.0" encoding="utf-8"?>
+<p:sld xmlns:a="http://schemas.openxmlformats.org/drawingml/2006/main" xmlns:r="http://schemas.openxmlformats.org/officeDocument/2006/relationships" xmlns:p="http://schemas.openxmlformats.org/presentationml/2006/main">
+  <p:cSld>
+    <p:spTree>
+      <p:nvGrpSpPr>
+        <p:cNvPr id="1" name=""/>
+        <p:cNvGrpSpPr/>
+        <p:nvPr/>
+      </p:nvGrpSpPr>
+      <p:grpSpPr>
+        <a:xfrm>
+          <a:off x="0" y="0"/>
+          <a:ext cx="0" cy="0"/>
+          <a:chOff x="0" y="0"/>
+          <a:chExt cx="0" cy="0"/>
+        </a:xfrm>
+      </p:grpSpPr>
+      <p:sp>
+        <p:nvSpPr>
+          <p:cNvPr id="2" name="Title 1">
+            <a:extLst>
+              <a:ext uri="{FF2B5EF4-FFF2-40B4-BE49-F238E27FC236}">
+                <a16:creationId xmlns:a16="http://schemas.microsoft.com/office/drawing/2014/main" id="{CB31B5FE-5FB8-4807-9E51-14361E6C4DB6}"/>
+              </a:ext>
+            </a:extLst>
+          </p:cNvPr>
+          <p:cNvSpPr>
+            <a:spLocks noGrp="1"/>
+          </p:cNvSpPr>
+          <p:nvPr>
+            <p:ph type="title"/>
+          </p:nvPr>
+        </p:nvSpPr>
+        <p:spPr/>
+        <p:txBody>
+          <a:bodyPr/>
+          <a:lstStyle/>
+          <a:p>
+            <a:endParaRPr lang="en-IN" dirty="0"/>
+          </a:p>
+        </p:txBody>
+      </p:sp>
+      <p:sp>
+        <p:nvSpPr>
+          <p:cNvPr id="3" name="Content Placeholder 2">
+            <a:extLst>
+              <a:ext uri="{FF2B5EF4-FFF2-40B4-BE49-F238E27FC236}">
+                <a16:creationId xmlns:a16="http://schemas.microsoft.com/office/drawing/2014/main" id="{C31D2C19-6F14-4821-86F9-B9B2D1A17B07}"/>
+              </a:ext>
+            </a:extLst>
+          </p:cNvPr>
+          <p:cNvSpPr>
+            <a:spLocks noGrp="1"/>
+          </p:cNvSpPr>
+          <p:nvPr>
+            <p:ph idx="1"/>
+          </p:nvPr>
+        </p:nvSpPr>
+        <p:spPr/>
+        <p:txBody>
+          <a:bodyPr/>
+          <a:lstStyle/>
+          <a:p>
+            <a:r>
+              <a:rPr lang="en-IN" dirty="0"/>
+              <a:t>OLAP -&gt; Online Analytical Processing</a:t>
+            </a:r>
+          </a:p>
+          <a:p>
+            <a:pPr lvl="1"/>
+            <a:r>
+              <a:rPr lang="en-IN" dirty="0"/>
+              <a:t>If your database is mostly using for select and filter queries those data's are nothing but OLAP</a:t>
+            </a:r>
+          </a:p>
+          <a:p>
+            <a:r>
+              <a:rPr lang="en-IN" dirty="0"/>
+              <a:t>OLTP -&gt; Online Transactional Processing</a:t>
+            </a:r>
+          </a:p>
+          <a:p>
+            <a:pPr lvl="1"/>
+            <a:r>
+              <a:rPr lang="en-IN" dirty="0"/>
+              <a:t>If your database involved in most of Create, Replace, Update, Delete and insertion</a:t>
+            </a:r>
+          </a:p>
+          <a:p>
+            <a:r>
+              <a:rPr lang="en-IN" dirty="0"/>
+              <a:t>System incompatibility -&gt; if your data goes beyond some limits means </a:t>
+            </a:r>
+          </a:p>
+          <a:p>
+            <a:r>
+              <a:rPr lang="en-IN" dirty="0"/>
+              <a:t>Read/write, READ </a:t>
+            </a:r>
+          </a:p>
+          <a:p>
+            <a:r>
+              <a:rPr lang="en-IN" dirty="0"/>
+              <a:t>System incompatibility – 90% we will use only for read access</a:t>
+            </a:r>
+          </a:p>
+          <a:p>
+            <a:endParaRPr lang="en-IN" dirty="0"/>
+          </a:p>
+        </p:txBody>
+      </p:sp>
+    </p:spTree>
+    <p:extLst>
+      <p:ext uri="{BB962C8B-B14F-4D97-AF65-F5344CB8AC3E}">
+        <p14:creationId xmlns:p14="http://schemas.microsoft.com/office/powerpoint/2010/main" val="3651087982"/>
+      </p:ext>
+    </p:extLst>
+  </p:cSld>
+  <p:clrMapOvr>
+    <a:masterClrMapping/>
+  </p:clrMapOvr>
+</p:sld>
+</file>
+
 <file path=ppt/slides/slide2.xml><?xml version="1.0" encoding="utf-8"?>
 <p:sld xmlns:a="http://schemas.openxmlformats.org/drawingml/2006/main" xmlns:r="http://schemas.openxmlformats.org/officeDocument/2006/relationships" xmlns:p="http://schemas.openxmlformats.org/presentationml/2006/main">
   <p:cSld>
@@ -6750,6 +8827,104 @@
     <p:extLst>
       <p:ext uri="{BB962C8B-B14F-4D97-AF65-F5344CB8AC3E}">
         <p14:creationId xmlns:p14="http://schemas.microsoft.com/office/powerpoint/2010/main" val="3949385083"/>
+      </p:ext>
+    </p:extLst>
+  </p:cSld>
+  <p:clrMapOvr>
+    <a:masterClrMapping/>
+  </p:clrMapOvr>
+</p:sld>
+</file>
+
+<file path=ppt/slides/slide20.xml><?xml version="1.0" encoding="utf-8"?>
+<p:sld xmlns:a="http://schemas.openxmlformats.org/drawingml/2006/main" xmlns:r="http://schemas.openxmlformats.org/officeDocument/2006/relationships" xmlns:p="http://schemas.openxmlformats.org/presentationml/2006/main">
+  <p:cSld>
+    <p:spTree>
+      <p:nvGrpSpPr>
+        <p:cNvPr id="1" name=""/>
+        <p:cNvGrpSpPr/>
+        <p:nvPr/>
+      </p:nvGrpSpPr>
+      <p:grpSpPr>
+        <a:xfrm>
+          <a:off x="0" y="0"/>
+          <a:ext cx="0" cy="0"/>
+          <a:chOff x="0" y="0"/>
+          <a:chExt cx="0" cy="0"/>
+        </a:xfrm>
+      </p:grpSpPr>
+      <p:sp>
+        <p:nvSpPr>
+          <p:cNvPr id="2" name="Title 1">
+            <a:extLst>
+              <a:ext uri="{FF2B5EF4-FFF2-40B4-BE49-F238E27FC236}">
+                <a16:creationId xmlns:a16="http://schemas.microsoft.com/office/drawing/2014/main" id="{FADCE447-3D7E-4F8E-8E4B-5B9A90EE2FFE}"/>
+              </a:ext>
+            </a:extLst>
+          </p:cNvPr>
+          <p:cNvSpPr>
+            <a:spLocks noGrp="1"/>
+          </p:cNvSpPr>
+          <p:nvPr>
+            <p:ph type="title"/>
+          </p:nvPr>
+        </p:nvSpPr>
+        <p:spPr/>
+        <p:txBody>
+          <a:bodyPr/>
+          <a:lstStyle/>
+          <a:p>
+            <a:endParaRPr lang="en-IN" dirty="0"/>
+          </a:p>
+        </p:txBody>
+      </p:sp>
+      <p:sp>
+        <p:nvSpPr>
+          <p:cNvPr id="3" name="Content Placeholder 2">
+            <a:extLst>
+              <a:ext uri="{FF2B5EF4-FFF2-40B4-BE49-F238E27FC236}">
+                <a16:creationId xmlns:a16="http://schemas.microsoft.com/office/drawing/2014/main" id="{BADE8632-8497-4E5B-B911-8C5973EEC21E}"/>
+              </a:ext>
+            </a:extLst>
+          </p:cNvPr>
+          <p:cNvSpPr>
+            <a:spLocks noGrp="1"/>
+          </p:cNvSpPr>
+          <p:nvPr>
+            <p:ph idx="1"/>
+          </p:nvPr>
+        </p:nvSpPr>
+        <p:spPr/>
+        <p:txBody>
+          <a:bodyPr/>
+          <a:lstStyle/>
+          <a:p>
+            <a:r>
+              <a:rPr lang="en-IN" dirty="0"/>
+              <a:t>Bigdata -&gt; if your system reached the incompatibility stage we choose bigdata as an option</a:t>
+            </a:r>
+          </a:p>
+          <a:p>
+            <a:r>
+              <a:rPr lang="en-IN" dirty="0"/>
+              <a:t>OLAP – Analytical Processing – if your system reaches incompatibility range 90 % of databases mostly they use it for analytical purpose</a:t>
+            </a:r>
+          </a:p>
+          <a:p>
+            <a:r>
+              <a:rPr lang="en-IN" dirty="0"/>
+              <a:t>Bigdata is good for OLAP operations only not for OLTP kind of Databases</a:t>
+            </a:r>
+          </a:p>
+          <a:p>
+            <a:endParaRPr lang="en-IN" dirty="0"/>
+          </a:p>
+        </p:txBody>
+      </p:sp>
+    </p:spTree>
+    <p:extLst>
+      <p:ext uri="{BB962C8B-B14F-4D97-AF65-F5344CB8AC3E}">
+        <p14:creationId xmlns:p14="http://schemas.microsoft.com/office/powerpoint/2010/main" val="2130820302"/>
       </p:ext>
     </p:extLst>
   </p:cSld>
@@ -11489,4 +13664,299 @@
     </a:ext>
   </a:extLst>
 </a:theme>
+</file>
+
+<file path=ppt/theme/theme2.xml><?xml version="1.0" encoding="utf-8"?>
+<a:theme xmlns:a="http://schemas.openxmlformats.org/drawingml/2006/main" name="Office Theme">
+  <a:themeElements>
+    <a:clrScheme name="Office">
+      <a:dk1>
+        <a:sysClr val="windowText" lastClr="000000"/>
+      </a:dk1>
+      <a:lt1>
+        <a:sysClr val="window" lastClr="FFFFFF"/>
+      </a:lt1>
+      <a:dk2>
+        <a:srgbClr val="44546A"/>
+      </a:dk2>
+      <a:lt2>
+        <a:srgbClr val="E7E6E6"/>
+      </a:lt2>
+      <a:accent1>
+        <a:srgbClr val="4472C4"/>
+      </a:accent1>
+      <a:accent2>
+        <a:srgbClr val="ED7D31"/>
+      </a:accent2>
+      <a:accent3>
+        <a:srgbClr val="A5A5A5"/>
+      </a:accent3>
+      <a:accent4>
+        <a:srgbClr val="FFC000"/>
+      </a:accent4>
+      <a:accent5>
+        <a:srgbClr val="5B9BD5"/>
+      </a:accent5>
+      <a:accent6>
+        <a:srgbClr val="70AD47"/>
+      </a:accent6>
+      <a:hlink>
+        <a:srgbClr val="0563C1"/>
+      </a:hlink>
+      <a:folHlink>
+        <a:srgbClr val="954F72"/>
+      </a:folHlink>
+    </a:clrScheme>
+    <a:fontScheme name="Office">
+      <a:majorFont>
+        <a:latin typeface="Calibri Light" panose="020F0302020204030204"/>
+        <a:ea typeface=""/>
+        <a:cs typeface=""/>
+        <a:font script="Jpan" typeface="游ゴシック Light"/>
+        <a:font script="Hang" typeface="맑은 고딕"/>
+        <a:font script="Hans" typeface="等线 Light"/>
+        <a:font script="Hant" typeface="新細明體"/>
+        <a:font script="Arab" typeface="Times New Roman"/>
+        <a:font script="Hebr" typeface="Times New Roman"/>
+        <a:font script="Thai" typeface="Angsana New"/>
+        <a:font script="Ethi" typeface="Nyala"/>
+        <a:font script="Beng" typeface="Vrinda"/>
+        <a:font script="Gujr" typeface="Shruti"/>
+        <a:font script="Khmr" typeface="MoolBoran"/>
+        <a:font script="Knda" typeface="Tunga"/>
+        <a:font script="Guru" typeface="Raavi"/>
+        <a:font script="Cans" typeface="Euphemia"/>
+        <a:font script="Cher" typeface="Plantagenet Cherokee"/>
+        <a:font script="Yiii" typeface="Microsoft Yi Baiti"/>
+        <a:font script="Tibt" typeface="Microsoft Himalaya"/>
+        <a:font script="Thaa" typeface="MV Boli"/>
+        <a:font script="Deva" typeface="Mangal"/>
+        <a:font script="Telu" typeface="Gautami"/>
+        <a:font script="Taml" typeface="Latha"/>
+        <a:font script="Syrc" typeface="Estrangelo Edessa"/>
+        <a:font script="Orya" typeface="Kalinga"/>
+        <a:font script="Mlym" typeface="Kartika"/>
+        <a:font script="Laoo" typeface="DokChampa"/>
+        <a:font script="Sinh" typeface="Iskoola Pota"/>
+        <a:font script="Mong" typeface="Mongolian Baiti"/>
+        <a:font script="Viet" typeface="Times New Roman"/>
+        <a:font script="Uigh" typeface="Microsoft Uighur"/>
+        <a:font script="Geor" typeface="Sylfaen"/>
+        <a:font script="Armn" typeface="Arial"/>
+        <a:font script="Bugi" typeface="Leelawadee UI"/>
+        <a:font script="Bopo" typeface="Microsoft JhengHei"/>
+        <a:font script="Java" typeface="Javanese Text"/>
+        <a:font script="Lisu" typeface="Segoe UI"/>
+        <a:font script="Mymr" typeface="Myanmar Text"/>
+        <a:font script="Nkoo" typeface="Ebrima"/>
+        <a:font script="Olck" typeface="Nirmala UI"/>
+        <a:font script="Osma" typeface="Ebrima"/>
+        <a:font script="Phag" typeface="Phagspa"/>
+        <a:font script="Syrn" typeface="Estrangelo Edessa"/>
+        <a:font script="Syrj" typeface="Estrangelo Edessa"/>
+        <a:font script="Syre" typeface="Estrangelo Edessa"/>
+        <a:font script="Sora" typeface="Nirmala UI"/>
+        <a:font script="Tale" typeface="Microsoft Tai Le"/>
+        <a:font script="Talu" typeface="Microsoft New Tai Lue"/>
+        <a:font script="Tfng" typeface="Ebrima"/>
+      </a:majorFont>
+      <a:minorFont>
+        <a:latin typeface="Calibri" panose="020F0502020204030204"/>
+        <a:ea typeface=""/>
+        <a:cs typeface=""/>
+        <a:font script="Jpan" typeface="游ゴシック"/>
+        <a:font script="Hang" typeface="맑은 고딕"/>
+        <a:font script="Hans" typeface="等线"/>
+        <a:font script="Hant" typeface="新細明體"/>
+        <a:font script="Arab" typeface="Arial"/>
+        <a:font script="Hebr" typeface="Arial"/>
+        <a:font script="Thai" typeface="Cordia New"/>
+        <a:font script="Ethi" typeface="Nyala"/>
+        <a:font script="Beng" typeface="Vrinda"/>
+        <a:font script="Gujr" typeface="Shruti"/>
+        <a:font script="Khmr" typeface="DaunPenh"/>
+        <a:font script="Knda" typeface="Tunga"/>
+        <a:font script="Guru" typeface="Raavi"/>
+        <a:font script="Cans" typeface="Euphemia"/>
+        <a:font script="Cher" typeface="Plantagenet Cherokee"/>
+        <a:font script="Yiii" typeface="Microsoft Yi Baiti"/>
+        <a:font script="Tibt" typeface="Microsoft Himalaya"/>
+        <a:font script="Thaa" typeface="MV Boli"/>
+        <a:font script="Deva" typeface="Mangal"/>
+        <a:font script="Telu" typeface="Gautami"/>
+        <a:font script="Taml" typeface="Latha"/>
+        <a:font script="Syrc" typeface="Estrangelo Edessa"/>
+        <a:font script="Orya" typeface="Kalinga"/>
+        <a:font script="Mlym" typeface="Kartika"/>
+        <a:font script="Laoo" typeface="DokChampa"/>
+        <a:font script="Sinh" typeface="Iskoola Pota"/>
+        <a:font script="Mong" typeface="Mongolian Baiti"/>
+        <a:font script="Viet" typeface="Arial"/>
+        <a:font script="Uigh" typeface="Microsoft Uighur"/>
+        <a:font script="Geor" typeface="Sylfaen"/>
+        <a:font script="Armn" typeface="Arial"/>
+        <a:font script="Bugi" typeface="Leelawadee UI"/>
+        <a:font script="Bopo" typeface="Microsoft JhengHei"/>
+        <a:font script="Java" typeface="Javanese Text"/>
+        <a:font script="Lisu" typeface="Segoe UI"/>
+        <a:font script="Mymr" typeface="Myanmar Text"/>
+        <a:font script="Nkoo" typeface="Ebrima"/>
+        <a:font script="Olck" typeface="Nirmala UI"/>
+        <a:font script="Osma" typeface="Ebrima"/>
+        <a:font script="Phag" typeface="Phagspa"/>
+        <a:font script="Syrn" typeface="Estrangelo Edessa"/>
+        <a:font script="Syrj" typeface="Estrangelo Edessa"/>
+        <a:font script="Syre" typeface="Estrangelo Edessa"/>
+        <a:font script="Sora" typeface="Nirmala UI"/>
+        <a:font script="Tale" typeface="Microsoft Tai Le"/>
+        <a:font script="Talu" typeface="Microsoft New Tai Lue"/>
+        <a:font script="Tfng" typeface="Ebrima"/>
+      </a:minorFont>
+    </a:fontScheme>
+    <a:fmtScheme name="Office">
+      <a:fillStyleLst>
+        <a:solidFill>
+          <a:schemeClr val="phClr"/>
+        </a:solidFill>
+        <a:gradFill rotWithShape="1">
+          <a:gsLst>
+            <a:gs pos="0">
+              <a:schemeClr val="phClr">
+                <a:lumMod val="110000"/>
+                <a:satMod val="105000"/>
+                <a:tint val="67000"/>
+              </a:schemeClr>
+            </a:gs>
+            <a:gs pos="50000">
+              <a:schemeClr val="phClr">
+                <a:lumMod val="105000"/>
+                <a:satMod val="103000"/>
+                <a:tint val="73000"/>
+              </a:schemeClr>
+            </a:gs>
+            <a:gs pos="100000">
+              <a:schemeClr val="phClr">
+                <a:lumMod val="105000"/>
+                <a:satMod val="109000"/>
+                <a:tint val="81000"/>
+              </a:schemeClr>
+            </a:gs>
+          </a:gsLst>
+          <a:lin ang="5400000" scaled="0"/>
+        </a:gradFill>
+        <a:gradFill rotWithShape="1">
+          <a:gsLst>
+            <a:gs pos="0">
+              <a:schemeClr val="phClr">
+                <a:satMod val="103000"/>
+                <a:lumMod val="102000"/>
+                <a:tint val="94000"/>
+              </a:schemeClr>
+            </a:gs>
+            <a:gs pos="50000">
+              <a:schemeClr val="phClr">
+                <a:satMod val="110000"/>
+                <a:lumMod val="100000"/>
+                <a:shade val="100000"/>
+              </a:schemeClr>
+            </a:gs>
+            <a:gs pos="100000">
+              <a:schemeClr val="phClr">
+                <a:lumMod val="99000"/>
+                <a:satMod val="120000"/>
+                <a:shade val="78000"/>
+              </a:schemeClr>
+            </a:gs>
+          </a:gsLst>
+          <a:lin ang="5400000" scaled="0"/>
+        </a:gradFill>
+      </a:fillStyleLst>
+      <a:lnStyleLst>
+        <a:ln w="6350" cap="flat" cmpd="sng" algn="ctr">
+          <a:solidFill>
+            <a:schemeClr val="phClr"/>
+          </a:solidFill>
+          <a:prstDash val="solid"/>
+          <a:miter lim="800000"/>
+        </a:ln>
+        <a:ln w="12700" cap="flat" cmpd="sng" algn="ctr">
+          <a:solidFill>
+            <a:schemeClr val="phClr"/>
+          </a:solidFill>
+          <a:prstDash val="solid"/>
+          <a:miter lim="800000"/>
+        </a:ln>
+        <a:ln w="19050" cap="flat" cmpd="sng" algn="ctr">
+          <a:solidFill>
+            <a:schemeClr val="phClr"/>
+          </a:solidFill>
+          <a:prstDash val="solid"/>
+          <a:miter lim="800000"/>
+        </a:ln>
+      </a:lnStyleLst>
+      <a:effectStyleLst>
+        <a:effectStyle>
+          <a:effectLst/>
+        </a:effectStyle>
+        <a:effectStyle>
+          <a:effectLst/>
+        </a:effectStyle>
+        <a:effectStyle>
+          <a:effectLst>
+            <a:outerShdw blurRad="57150" dist="19050" dir="5400000" algn="ctr" rotWithShape="0">
+              <a:srgbClr val="000000">
+                <a:alpha val="63000"/>
+              </a:srgbClr>
+            </a:outerShdw>
+          </a:effectLst>
+        </a:effectStyle>
+      </a:effectStyleLst>
+      <a:bgFillStyleLst>
+        <a:solidFill>
+          <a:schemeClr val="phClr"/>
+        </a:solidFill>
+        <a:solidFill>
+          <a:schemeClr val="phClr">
+            <a:tint val="95000"/>
+            <a:satMod val="170000"/>
+          </a:schemeClr>
+        </a:solidFill>
+        <a:gradFill rotWithShape="1">
+          <a:gsLst>
+            <a:gs pos="0">
+              <a:schemeClr val="phClr">
+                <a:tint val="93000"/>
+                <a:satMod val="150000"/>
+                <a:shade val="98000"/>
+                <a:lumMod val="102000"/>
+              </a:schemeClr>
+            </a:gs>
+            <a:gs pos="50000">
+              <a:schemeClr val="phClr">
+                <a:tint val="98000"/>
+                <a:satMod val="130000"/>
+                <a:shade val="90000"/>
+                <a:lumMod val="103000"/>
+              </a:schemeClr>
+            </a:gs>
+            <a:gs pos="100000">
+              <a:schemeClr val="phClr">
+                <a:shade val="63000"/>
+                <a:satMod val="120000"/>
+              </a:schemeClr>
+            </a:gs>
+          </a:gsLst>
+          <a:lin ang="5400000" scaled="0"/>
+        </a:gradFill>
+      </a:bgFillStyleLst>
+    </a:fmtScheme>
+  </a:themeElements>
+  <a:objectDefaults/>
+  <a:extraClrSchemeLst/>
+  <a:extLst>
+    <a:ext uri="{05A4C25C-085E-4340-85A3-A5531E510DB2}">
+      <thm15:themeFamily xmlns:thm15="http://schemas.microsoft.com/office/thememl/2012/main" name="Office Theme" id="{62F939B6-93AF-4DB8-9C6B-D6C7DFDC589F}" vid="{4A3C46E8-61CC-4603-A589-7422A47A8E4A}"/>
+    </a:ext>
+  </a:extLst>
+</a:theme>
 </file>